--- a/ספר פרויקט/מצגת  לפרויקט.pptx
+++ b/ספר פרויקט/מצגת  לפרויקט.pptx
@@ -121,6 +121,16 @@
 </p:presentation>
 </file>
 
+<file path=ppt/revisionInfo.xml><?xml version="1.0" encoding="utf-8"?>
+<p1510:revInfo xmlns:a="http://schemas.openxmlformats.org/drawingml/2006/main" xmlns:r="http://schemas.openxmlformats.org/officeDocument/2006/relationships" xmlns:p1510="http://schemas.microsoft.com/office/powerpoint/2015/10/main">
+  <p1510:revLst>
+    <p1510:client id="{395D2C45-312F-42A4-871A-FF853D44858E}" v="555" dt="2022-05-10T21:12:07.600"/>
+    <p1510:client id="{81D8F962-51D2-4555-B596-8907E3088BF9}" v="706" dt="2022-05-17T00:42:14.505"/>
+    <p1510:client id="{ABE43378-C7D2-4A11-A4BB-383B9D218D6A}" v="2" dt="2022-05-09T17:40:29.426"/>
+  </p1510:revLst>
+</p1510:revInfo>
+</file>
+
 <file path=ppt/slideLayouts/slideLayout1.xml><?xml version="1.0" encoding="utf-8"?>
 <p:sldLayout xmlns:a="http://schemas.openxmlformats.org/drawingml/2006/main" xmlns:r="http://schemas.openxmlformats.org/officeDocument/2006/relationships" xmlns:p="http://schemas.openxmlformats.org/presentationml/2006/main" type="title" preserve="1">
   <p:cSld name="שקופית כותרת">
@@ -268,7 +278,7 @@
           <a:p>
             <a:fld id="{A95A5026-5970-4C01-AA04-F4A694AF9966}" type="datetimeFigureOut">
               <a:rPr lang="he-IL" smtClean="0"/>
-              <a:t>כ"ב/חשון/תשפ"ב</a:t>
+              <a:t>ט"ו/אייר/תשפ"ב</a:t>
             </a:fld>
             <a:endParaRPr lang="he-IL"/>
           </a:p>
@@ -466,7 +476,7 @@
           <a:p>
             <a:fld id="{A95A5026-5970-4C01-AA04-F4A694AF9966}" type="datetimeFigureOut">
               <a:rPr lang="he-IL" smtClean="0"/>
-              <a:t>כ"ב/חשון/תשפ"ב</a:t>
+              <a:t>ט"ו/אייר/תשפ"ב</a:t>
             </a:fld>
             <a:endParaRPr lang="he-IL"/>
           </a:p>
@@ -674,7 +684,7 @@
           <a:p>
             <a:fld id="{A95A5026-5970-4C01-AA04-F4A694AF9966}" type="datetimeFigureOut">
               <a:rPr lang="he-IL" smtClean="0"/>
-              <a:t>כ"ב/חשון/תשפ"ב</a:t>
+              <a:t>ט"ו/אייר/תשפ"ב</a:t>
             </a:fld>
             <a:endParaRPr lang="he-IL"/>
           </a:p>
@@ -872,7 +882,7 @@
           <a:p>
             <a:fld id="{A95A5026-5970-4C01-AA04-F4A694AF9966}" type="datetimeFigureOut">
               <a:rPr lang="he-IL" smtClean="0"/>
-              <a:t>כ"ב/חשון/תשפ"ב</a:t>
+              <a:t>ט"ו/אייר/תשפ"ב</a:t>
             </a:fld>
             <a:endParaRPr lang="he-IL"/>
           </a:p>
@@ -1147,7 +1157,7 @@
           <a:p>
             <a:fld id="{A95A5026-5970-4C01-AA04-F4A694AF9966}" type="datetimeFigureOut">
               <a:rPr lang="he-IL" smtClean="0"/>
-              <a:t>כ"ב/חשון/תשפ"ב</a:t>
+              <a:t>ט"ו/אייר/תשפ"ב</a:t>
             </a:fld>
             <a:endParaRPr lang="he-IL"/>
           </a:p>
@@ -1412,7 +1422,7 @@
           <a:p>
             <a:fld id="{A95A5026-5970-4C01-AA04-F4A694AF9966}" type="datetimeFigureOut">
               <a:rPr lang="he-IL" smtClean="0"/>
-              <a:t>כ"ב/חשון/תשפ"ב</a:t>
+              <a:t>ט"ו/אייר/תשפ"ב</a:t>
             </a:fld>
             <a:endParaRPr lang="he-IL"/>
           </a:p>
@@ -1824,7 +1834,7 @@
           <a:p>
             <a:fld id="{A95A5026-5970-4C01-AA04-F4A694AF9966}" type="datetimeFigureOut">
               <a:rPr lang="he-IL" smtClean="0"/>
-              <a:t>כ"ב/חשון/תשפ"ב</a:t>
+              <a:t>ט"ו/אייר/תשפ"ב</a:t>
             </a:fld>
             <a:endParaRPr lang="he-IL"/>
           </a:p>
@@ -1965,7 +1975,7 @@
           <a:p>
             <a:fld id="{A95A5026-5970-4C01-AA04-F4A694AF9966}" type="datetimeFigureOut">
               <a:rPr lang="he-IL" smtClean="0"/>
-              <a:t>כ"ב/חשון/תשפ"ב</a:t>
+              <a:t>ט"ו/אייר/תשפ"ב</a:t>
             </a:fld>
             <a:endParaRPr lang="he-IL"/>
           </a:p>
@@ -2078,7 +2088,7 @@
           <a:p>
             <a:fld id="{A95A5026-5970-4C01-AA04-F4A694AF9966}" type="datetimeFigureOut">
               <a:rPr lang="he-IL" smtClean="0"/>
-              <a:t>כ"ב/חשון/תשפ"ב</a:t>
+              <a:t>ט"ו/אייר/תשפ"ב</a:t>
             </a:fld>
             <a:endParaRPr lang="he-IL"/>
           </a:p>
@@ -2389,7 +2399,7 @@
           <a:p>
             <a:fld id="{A95A5026-5970-4C01-AA04-F4A694AF9966}" type="datetimeFigureOut">
               <a:rPr lang="he-IL" smtClean="0"/>
-              <a:t>כ"ב/חשון/תשפ"ב</a:t>
+              <a:t>ט"ו/אייר/תשפ"ב</a:t>
             </a:fld>
             <a:endParaRPr lang="he-IL"/>
           </a:p>
@@ -2677,7 +2687,7 @@
           <a:p>
             <a:fld id="{A95A5026-5970-4C01-AA04-F4A694AF9966}" type="datetimeFigureOut">
               <a:rPr lang="he-IL" smtClean="0"/>
-              <a:t>כ"ב/חשון/תשפ"ב</a:t>
+              <a:t>ט"ו/אייר/תשפ"ב</a:t>
             </a:fld>
             <a:endParaRPr lang="he-IL"/>
           </a:p>
@@ -2918,7 +2928,7 @@
           <a:p>
             <a:fld id="{A95A5026-5970-4C01-AA04-F4A694AF9966}" type="datetimeFigureOut">
               <a:rPr lang="he-IL" smtClean="0"/>
-              <a:t>כ"ב/חשון/תשפ"ב</a:t>
+              <a:t>ט"ו/אייר/תשפ"ב</a:t>
             </a:fld>
             <a:endParaRPr lang="he-IL"/>
           </a:p>
@@ -3414,7 +3424,12 @@
             </a:schemeClr>
           </a:solidFill>
           <a:ln>
-            <a:noFill/>
+            <a:solidFill>
+              <a:schemeClr val="accent6">
+                <a:lumMod val="40000"/>
+                <a:lumOff val="60000"/>
+              </a:schemeClr>
+            </a:solidFill>
           </a:ln>
         </p:spPr>
         <p:style>
@@ -9697,17 +9712,14 @@
         </p:nvSpPr>
         <p:spPr>
           <a:xfrm>
-            <a:off x="5054138" y="565265"/>
-            <a:ext cx="3067397" cy="914400"/>
+            <a:off x="7886476" y="76434"/>
+            <a:ext cx="1830945" cy="540590"/>
           </a:xfrm>
           <a:prstGeom prst="rect">
             <a:avLst/>
           </a:prstGeom>
           <a:solidFill>
-            <a:schemeClr val="accent6">
-              <a:lumMod val="60000"/>
-              <a:lumOff val="40000"/>
-            </a:schemeClr>
+            <a:srgbClr val="C00000"/>
           </a:solidFill>
           <a:ln>
             <a:noFill/>
@@ -9730,122 +9742,41 @@
           </a:fontRef>
         </p:style>
         <p:txBody>
-          <a:bodyPr rtlCol="1" anchor="ctr"/>
+          <a:bodyPr lIns="91440" tIns="45720" rIns="91440" bIns="45720" rtlCol="1" anchor="ctr"/>
           <a:lstStyle/>
           <a:p>
             <a:pPr algn="ctr"/>
             <a:r>
-              <a:rPr lang="he-IL" dirty="0"/>
-              <a:t>כניסה</a:t>
+              <a:rPr lang="he-IL" dirty="0">
+                <a:cs typeface="Arial"/>
+              </a:rPr>
+              <a:t>מסך הבית</a:t>
             </a:r>
           </a:p>
         </p:txBody>
       </p:sp>
-      <p:cxnSp>
-        <p:nvCxnSpPr>
-          <p:cNvPr id="4" name="מחבר חץ ישר 3">
-            <a:extLst>
-              <a:ext uri="{FF2B5EF4-FFF2-40B4-BE49-F238E27FC236}">
-                <a16:creationId xmlns:a16="http://schemas.microsoft.com/office/drawing/2014/main" id="{47FC3584-5351-4A45-AFB6-1A9604C807FB}"/>
-              </a:ext>
-            </a:extLst>
-          </p:cNvPr>
-          <p:cNvCxnSpPr>
-            <a:cxnSpLocks/>
-          </p:cNvCxnSpPr>
+      <p:sp>
+        <p:nvSpPr>
+          <p:cNvPr id="54" name="מלבן 53">
+            <a:extLst>
+              <a:ext uri="{FF2B5EF4-FFF2-40B4-BE49-F238E27FC236}">
+                <a16:creationId xmlns:a16="http://schemas.microsoft.com/office/drawing/2014/main" id="{2A19D2D1-EC41-8B65-822D-9BE419F8F304}"/>
+              </a:ext>
+            </a:extLst>
+          </p:cNvPr>
+          <p:cNvSpPr/>
           <p:nvPr/>
-        </p:nvCxnSpPr>
+        </p:nvSpPr>
         <p:spPr>
           <a:xfrm>
-            <a:off x="6650182" y="1354975"/>
-            <a:ext cx="1014153" cy="798021"/>
-          </a:xfrm>
-          <a:prstGeom prst="straightConnector1">
-            <a:avLst/>
-          </a:prstGeom>
-          <a:ln>
-            <a:tailEnd type="triangle"/>
-          </a:ln>
-        </p:spPr>
-        <p:style>
-          <a:lnRef idx="1">
-            <a:schemeClr val="accent1"/>
-          </a:lnRef>
-          <a:fillRef idx="0">
-            <a:schemeClr val="accent1"/>
-          </a:fillRef>
-          <a:effectRef idx="0">
-            <a:schemeClr val="accent1"/>
-          </a:effectRef>
-          <a:fontRef idx="minor">
-            <a:schemeClr val="tx1"/>
-          </a:fontRef>
-        </p:style>
-      </p:cxnSp>
-      <p:cxnSp>
-        <p:nvCxnSpPr>
-          <p:cNvPr id="6" name="מחבר חץ ישר 5">
-            <a:extLst>
-              <a:ext uri="{FF2B5EF4-FFF2-40B4-BE49-F238E27FC236}">
-                <a16:creationId xmlns:a16="http://schemas.microsoft.com/office/drawing/2014/main" id="{3217F48B-494E-4F7C-A27E-9E7949F5E4DC}"/>
-              </a:ext>
-            </a:extLst>
-          </p:cNvPr>
-          <p:cNvCxnSpPr/>
-          <p:nvPr/>
-        </p:nvCxnSpPr>
-        <p:spPr>
-          <a:xfrm flipH="1">
-            <a:off x="4705004" y="1321724"/>
-            <a:ext cx="1762298" cy="881149"/>
-          </a:xfrm>
-          <a:prstGeom prst="straightConnector1">
-            <a:avLst/>
-          </a:prstGeom>
-          <a:ln>
-            <a:tailEnd type="triangle"/>
-          </a:ln>
-        </p:spPr>
-        <p:style>
-          <a:lnRef idx="1">
-            <a:schemeClr val="accent1"/>
-          </a:lnRef>
-          <a:fillRef idx="0">
-            <a:schemeClr val="accent1"/>
-          </a:fillRef>
-          <a:effectRef idx="0">
-            <a:schemeClr val="accent1"/>
-          </a:effectRef>
-          <a:fontRef idx="minor">
-            <a:schemeClr val="tx1"/>
-          </a:fontRef>
-        </p:style>
-      </p:cxnSp>
-      <p:sp>
-        <p:nvSpPr>
-          <p:cNvPr id="8" name="מלבן 7">
-            <a:extLst>
-              <a:ext uri="{FF2B5EF4-FFF2-40B4-BE49-F238E27FC236}">
-                <a16:creationId xmlns:a16="http://schemas.microsoft.com/office/drawing/2014/main" id="{B9CBA0F3-5EA7-47F6-A206-FBD0D84BD12A}"/>
-              </a:ext>
-            </a:extLst>
-          </p:cNvPr>
-          <p:cNvSpPr/>
-          <p:nvPr/>
-        </p:nvSpPr>
-        <p:spPr>
-          <a:xfrm>
-            <a:off x="6841375" y="2234339"/>
-            <a:ext cx="2743893" cy="1085395"/>
+            <a:off x="8020316" y="1386077"/>
+            <a:ext cx="1406800" cy="539056"/>
           </a:xfrm>
           <a:prstGeom prst="rect">
             <a:avLst/>
           </a:prstGeom>
           <a:solidFill>
-            <a:schemeClr val="accent6">
-              <a:lumMod val="60000"/>
-              <a:lumOff val="40000"/>
-            </a:schemeClr>
+            <a:srgbClr val="C00000"/>
           </a:solidFill>
           <a:ln>
             <a:noFill/>
@@ -9868,23 +9799,25 @@
           </a:fontRef>
         </p:style>
         <p:txBody>
-          <a:bodyPr rtlCol="1" anchor="ctr"/>
+          <a:bodyPr lIns="91440" tIns="45720" rIns="91440" bIns="45720" rtlCol="1" anchor="ctr"/>
           <a:lstStyle/>
           <a:p>
             <a:pPr algn="ctr"/>
             <a:r>
-              <a:rPr lang="he-IL" dirty="0"/>
-              <a:t>יצירת לו"ז</a:t>
+              <a:rPr lang="he-IL" dirty="0">
+                <a:cs typeface="Arial"/>
+              </a:rPr>
+              <a:t>התחברות</a:t>
             </a:r>
           </a:p>
         </p:txBody>
       </p:sp>
       <p:sp>
         <p:nvSpPr>
-          <p:cNvPr id="9" name="מלבן 8">
-            <a:extLst>
-              <a:ext uri="{FF2B5EF4-FFF2-40B4-BE49-F238E27FC236}">
-                <a16:creationId xmlns:a16="http://schemas.microsoft.com/office/drawing/2014/main" id="{07F83C99-5544-44FA-ABA8-C3BB83D36336}"/>
+          <p:cNvPr id="11" name="מלבן 10">
+            <a:extLst>
+              <a:ext uri="{FF2B5EF4-FFF2-40B4-BE49-F238E27FC236}">
+                <a16:creationId xmlns:a16="http://schemas.microsoft.com/office/drawing/2014/main" id="{914002D4-FB05-2C9D-3882-693502BCB0BD}"/>
               </a:ext>
             </a:extLst>
           </p:cNvPr>
@@ -9893,17 +9826,14 @@
         </p:nvSpPr>
         <p:spPr>
           <a:xfrm>
-            <a:off x="3059084" y="2255386"/>
-            <a:ext cx="2402378" cy="997527"/>
+            <a:off x="4210948" y="6101570"/>
+            <a:ext cx="1408980" cy="503207"/>
           </a:xfrm>
           <a:prstGeom prst="rect">
             <a:avLst/>
           </a:prstGeom>
           <a:solidFill>
-            <a:schemeClr val="accent6">
-              <a:lumMod val="60000"/>
-              <a:lumOff val="40000"/>
-            </a:schemeClr>
+            <a:srgbClr val="C00000"/>
           </a:solidFill>
           <a:ln>
             <a:noFill/>
@@ -9931,59 +9861,21 @@
           <a:p>
             <a:pPr algn="ctr"/>
             <a:r>
-              <a:rPr lang="he-IL" dirty="0"/>
-              <a:t>לו"ז נוכחי</a:t>
+              <a:rPr lang="he-IL" dirty="0">
+                <a:cs typeface="Arial"/>
+              </a:rPr>
+              <a:t>רופאים</a:t>
             </a:r>
-          </a:p>
-        </p:txBody>
-      </p:sp>
-      <p:cxnSp>
-        <p:nvCxnSpPr>
-          <p:cNvPr id="11" name="מחבר חץ ישר 10">
-            <a:extLst>
-              <a:ext uri="{FF2B5EF4-FFF2-40B4-BE49-F238E27FC236}">
-                <a16:creationId xmlns:a16="http://schemas.microsoft.com/office/drawing/2014/main" id="{C1DC8968-A311-4BC2-B8CE-7E82D5D08051}"/>
-              </a:ext>
-            </a:extLst>
-          </p:cNvPr>
-          <p:cNvCxnSpPr>
-            <a:cxnSpLocks/>
-          </p:cNvCxnSpPr>
-          <p:nvPr/>
-        </p:nvCxnSpPr>
-        <p:spPr>
-          <a:xfrm flipH="1" flipV="1">
-            <a:off x="2470265" y="2856180"/>
-            <a:ext cx="1715193" cy="5422"/>
-          </a:xfrm>
-          <a:prstGeom prst="straightConnector1">
-            <a:avLst/>
-          </a:prstGeom>
-          <a:ln>
-            <a:tailEnd type="triangle"/>
-          </a:ln>
-        </p:spPr>
-        <p:style>
-          <a:lnRef idx="1">
-            <a:schemeClr val="accent1"/>
-          </a:lnRef>
-          <a:fillRef idx="0">
-            <a:schemeClr val="accent1"/>
-          </a:fillRef>
-          <a:effectRef idx="0">
-            <a:schemeClr val="accent1"/>
-          </a:effectRef>
-          <a:fontRef idx="minor">
-            <a:schemeClr val="tx1"/>
-          </a:fontRef>
-        </p:style>
-      </p:cxnSp>
-      <p:sp>
-        <p:nvSpPr>
-          <p:cNvPr id="12" name="מלבן 11">
-            <a:extLst>
-              <a:ext uri="{FF2B5EF4-FFF2-40B4-BE49-F238E27FC236}">
-                <a16:creationId xmlns:a16="http://schemas.microsoft.com/office/drawing/2014/main" id="{D1C99C83-97BB-4BB9-AFF7-456507B9325C}"/>
+            <a:endParaRPr lang="he-IL" dirty="0"/>
+          </a:p>
+        </p:txBody>
+      </p:sp>
+      <p:sp>
+        <p:nvSpPr>
+          <p:cNvPr id="27" name="מלבן 26">
+            <a:extLst>
+              <a:ext uri="{FF2B5EF4-FFF2-40B4-BE49-F238E27FC236}">
+                <a16:creationId xmlns:a16="http://schemas.microsoft.com/office/drawing/2014/main" id="{4EB22E05-C8B2-7C85-08E0-EF99D0AF1650}"/>
               </a:ext>
             </a:extLst>
           </p:cNvPr>
@@ -9992,17 +9884,14 @@
         </p:nvSpPr>
         <p:spPr>
           <a:xfrm>
-            <a:off x="565266" y="2479217"/>
-            <a:ext cx="1878676" cy="764771"/>
+            <a:off x="6036240" y="2004303"/>
+            <a:ext cx="1406800" cy="539056"/>
           </a:xfrm>
           <a:prstGeom prst="rect">
             <a:avLst/>
           </a:prstGeom>
           <a:solidFill>
-            <a:schemeClr val="accent6">
-              <a:lumMod val="60000"/>
-              <a:lumOff val="40000"/>
-            </a:schemeClr>
+            <a:srgbClr val="C00000"/>
           </a:solidFill>
           <a:ln>
             <a:noFill/>
@@ -10025,191 +9914,41 @@
           </a:fontRef>
         </p:style>
         <p:txBody>
-          <a:bodyPr rtlCol="1" anchor="ctr"/>
+          <a:bodyPr lIns="91440" tIns="45720" rIns="91440" bIns="45720" rtlCol="1" anchor="ctr"/>
           <a:lstStyle/>
           <a:p>
             <a:pPr algn="ctr"/>
             <a:r>
-              <a:rPr lang="he-IL" dirty="0"/>
-              <a:t>שינוי עדיפויות</a:t>
+              <a:rPr lang="he-IL" dirty="0">
+                <a:cs typeface="Arial"/>
+              </a:rPr>
+              <a:t>אחות בכירה</a:t>
             </a:r>
           </a:p>
         </p:txBody>
       </p:sp>
-      <p:cxnSp>
-        <p:nvCxnSpPr>
-          <p:cNvPr id="15" name="מחבר חץ ישר 14">
-            <a:extLst>
-              <a:ext uri="{FF2B5EF4-FFF2-40B4-BE49-F238E27FC236}">
-                <a16:creationId xmlns:a16="http://schemas.microsoft.com/office/drawing/2014/main" id="{1769779C-6D1F-491F-87FB-C328FFBF1666}"/>
-              </a:ext>
-            </a:extLst>
-          </p:cNvPr>
-          <p:cNvCxnSpPr/>
+      <p:sp>
+        <p:nvSpPr>
+          <p:cNvPr id="29" name="מלבן 28">
+            <a:extLst>
+              <a:ext uri="{FF2B5EF4-FFF2-40B4-BE49-F238E27FC236}">
+                <a16:creationId xmlns:a16="http://schemas.microsoft.com/office/drawing/2014/main" id="{3DBABDBE-00DA-7EFB-91FA-9FC5CF21523D}"/>
+              </a:ext>
+            </a:extLst>
+          </p:cNvPr>
+          <p:cNvSpPr/>
           <p:nvPr/>
-        </p:nvCxnSpPr>
+        </p:nvSpPr>
         <p:spPr>
           <a:xfrm>
-            <a:off x="9358920" y="3215599"/>
-            <a:ext cx="482138" cy="731520"/>
-          </a:xfrm>
-          <a:prstGeom prst="straightConnector1">
-            <a:avLst/>
-          </a:prstGeom>
-          <a:ln>
-            <a:tailEnd type="triangle"/>
-          </a:ln>
-        </p:spPr>
-        <p:style>
-          <a:lnRef idx="1">
-            <a:schemeClr val="accent1"/>
-          </a:lnRef>
-          <a:fillRef idx="0">
-            <a:schemeClr val="accent1"/>
-          </a:fillRef>
-          <a:effectRef idx="0">
-            <a:schemeClr val="accent1"/>
-          </a:effectRef>
-          <a:fontRef idx="minor">
-            <a:schemeClr val="tx1"/>
-          </a:fontRef>
-        </p:style>
-      </p:cxnSp>
-      <p:sp>
-        <p:nvSpPr>
-          <p:cNvPr id="16" name="TextBox 15">
-            <a:extLst>
-              <a:ext uri="{FF2B5EF4-FFF2-40B4-BE49-F238E27FC236}">
-                <a16:creationId xmlns:a16="http://schemas.microsoft.com/office/drawing/2014/main" id="{43D405E2-D33C-4EB3-9B12-FB308107585C}"/>
-              </a:ext>
-            </a:extLst>
-          </p:cNvPr>
-          <p:cNvSpPr txBox="1"/>
-          <p:nvPr/>
-        </p:nvSpPr>
-        <p:spPr>
-          <a:xfrm>
-            <a:off x="9264534" y="3244334"/>
-            <a:ext cx="1421477" cy="369332"/>
-          </a:xfrm>
-          <a:prstGeom prst="rect">
-            <a:avLst/>
-          </a:prstGeom>
-          <a:noFill/>
-        </p:spPr>
-        <p:txBody>
-          <a:bodyPr wrap="square" rtlCol="1">
-            <a:spAutoFit/>
-          </a:bodyPr>
-          <a:lstStyle/>
-          <a:p>
-            <a:r>
-              <a:rPr lang="he-IL" dirty="0"/>
-              <a:t>יצירת לו"ז</a:t>
-            </a:r>
-          </a:p>
-        </p:txBody>
-      </p:sp>
-      <p:cxnSp>
-        <p:nvCxnSpPr>
-          <p:cNvPr id="18" name="מחבר חץ ישר 17">
-            <a:extLst>
-              <a:ext uri="{FF2B5EF4-FFF2-40B4-BE49-F238E27FC236}">
-                <a16:creationId xmlns:a16="http://schemas.microsoft.com/office/drawing/2014/main" id="{271B4508-A45F-4A46-ACC7-18D883867AD8}"/>
-              </a:ext>
-            </a:extLst>
-          </p:cNvPr>
-          <p:cNvCxnSpPr/>
-          <p:nvPr/>
-        </p:nvCxnSpPr>
-        <p:spPr>
-          <a:xfrm flipH="1">
-            <a:off x="8255404" y="2777036"/>
-            <a:ext cx="58189" cy="1280159"/>
-          </a:xfrm>
-          <a:prstGeom prst="straightConnector1">
-            <a:avLst/>
-          </a:prstGeom>
-          <a:ln>
-            <a:tailEnd type="triangle"/>
-          </a:ln>
-        </p:spPr>
-        <p:style>
-          <a:lnRef idx="1">
-            <a:schemeClr val="accent1"/>
-          </a:lnRef>
-          <a:fillRef idx="0">
-            <a:schemeClr val="accent1"/>
-          </a:fillRef>
-          <a:effectRef idx="0">
-            <a:schemeClr val="accent1"/>
-          </a:effectRef>
-          <a:fontRef idx="minor">
-            <a:schemeClr val="tx1"/>
-          </a:fontRef>
-        </p:style>
-      </p:cxnSp>
-      <p:sp>
-        <p:nvSpPr>
-          <p:cNvPr id="19" name="TextBox 18">
-            <a:extLst>
-              <a:ext uri="{FF2B5EF4-FFF2-40B4-BE49-F238E27FC236}">
-                <a16:creationId xmlns:a16="http://schemas.microsoft.com/office/drawing/2014/main" id="{14930200-2332-4F90-87A5-9D9E17A10D48}"/>
-              </a:ext>
-            </a:extLst>
-          </p:cNvPr>
-          <p:cNvSpPr txBox="1"/>
-          <p:nvPr/>
-        </p:nvSpPr>
-        <p:spPr>
-          <a:xfrm>
-            <a:off x="6841375" y="3437898"/>
-            <a:ext cx="1645920" cy="369332"/>
-          </a:xfrm>
-          <a:prstGeom prst="rect">
-            <a:avLst/>
-          </a:prstGeom>
-          <a:noFill/>
-        </p:spPr>
-        <p:txBody>
-          <a:bodyPr wrap="square" rtlCol="1">
-            <a:spAutoFit/>
-          </a:bodyPr>
-          <a:lstStyle/>
-          <a:p>
-            <a:r>
-              <a:rPr lang="he-IL" dirty="0" err="1"/>
-              <a:t>צפיה</a:t>
-            </a:r>
-            <a:endParaRPr lang="he-IL" dirty="0"/>
-          </a:p>
-        </p:txBody>
-      </p:sp>
-      <p:sp>
-        <p:nvSpPr>
-          <p:cNvPr id="20" name="מלבן 19">
-            <a:extLst>
-              <a:ext uri="{FF2B5EF4-FFF2-40B4-BE49-F238E27FC236}">
-                <a16:creationId xmlns:a16="http://schemas.microsoft.com/office/drawing/2014/main" id="{16B36BCC-4919-46FD-811C-15E0F96B0087}"/>
-              </a:ext>
-            </a:extLst>
-          </p:cNvPr>
-          <p:cNvSpPr/>
-          <p:nvPr/>
-        </p:nvSpPr>
-        <p:spPr>
-          <a:xfrm>
-            <a:off x="9358920" y="3935816"/>
-            <a:ext cx="1084810" cy="482138"/>
+            <a:off x="10004392" y="2004303"/>
+            <a:ext cx="1406800" cy="539056"/>
           </a:xfrm>
           <a:prstGeom prst="rect">
             <a:avLst/>
           </a:prstGeom>
           <a:solidFill>
-            <a:schemeClr val="accent6">
-              <a:lumMod val="60000"/>
-              <a:lumOff val="40000"/>
-            </a:schemeClr>
+            <a:srgbClr val="C00000"/>
           </a:solidFill>
           <a:ln>
             <a:noFill/>
@@ -10232,23 +9971,26 @@
           </a:fontRef>
         </p:style>
         <p:txBody>
-          <a:bodyPr rtlCol="1" anchor="ctr"/>
+          <a:bodyPr lIns="91440" tIns="45720" rIns="91440" bIns="45720" rtlCol="1" anchor="ctr"/>
           <a:lstStyle/>
           <a:p>
             <a:pPr algn="ctr"/>
             <a:r>
-              <a:rPr lang="he-IL" dirty="0"/>
-              <a:t>יוצרת</a:t>
+              <a:rPr lang="he-IL" dirty="0">
+                <a:cs typeface="Arial"/>
+              </a:rPr>
+              <a:t>אחות רגילה</a:t>
             </a:r>
-          </a:p>
-        </p:txBody>
-      </p:sp>
-      <p:sp>
-        <p:nvSpPr>
-          <p:cNvPr id="21" name="מלבן 20">
-            <a:extLst>
-              <a:ext uri="{FF2B5EF4-FFF2-40B4-BE49-F238E27FC236}">
-                <a16:creationId xmlns:a16="http://schemas.microsoft.com/office/drawing/2014/main" id="{A82AA041-0855-4CA5-8E84-4A751DBD2408}"/>
+            <a:endParaRPr lang="he-IL" dirty="0"/>
+          </a:p>
+        </p:txBody>
+      </p:sp>
+      <p:sp>
+        <p:nvSpPr>
+          <p:cNvPr id="30" name="מלבן 29">
+            <a:extLst>
+              <a:ext uri="{FF2B5EF4-FFF2-40B4-BE49-F238E27FC236}">
+                <a16:creationId xmlns:a16="http://schemas.microsoft.com/office/drawing/2014/main" id="{BC7339CF-835A-98F0-730F-8F8F75E74793}"/>
               </a:ext>
             </a:extLst>
           </p:cNvPr>
@@ -10257,17 +9999,14 @@
         </p:nvSpPr>
         <p:spPr>
           <a:xfrm>
-            <a:off x="7579130" y="4117754"/>
-            <a:ext cx="1084810" cy="482138"/>
+            <a:off x="4224693" y="3787094"/>
+            <a:ext cx="1406800" cy="539056"/>
           </a:xfrm>
           <a:prstGeom prst="rect">
             <a:avLst/>
           </a:prstGeom>
           <a:solidFill>
-            <a:schemeClr val="accent6">
-              <a:lumMod val="60000"/>
-              <a:lumOff val="40000"/>
-            </a:schemeClr>
+            <a:srgbClr val="C00000"/>
           </a:solidFill>
           <a:ln>
             <a:noFill/>
@@ -10290,64 +10029,25 @@
           </a:fontRef>
         </p:style>
         <p:txBody>
-          <a:bodyPr rtlCol="1" anchor="ctr"/>
+          <a:bodyPr lIns="91440" tIns="45720" rIns="91440" bIns="45720" rtlCol="1" anchor="ctr"/>
           <a:lstStyle/>
           <a:p>
             <a:pPr algn="ctr"/>
             <a:r>
-              <a:rPr lang="he-IL" dirty="0"/>
-              <a:t>רשימה</a:t>
+              <a:rPr lang="he-IL" dirty="0">
+                <a:cs typeface="Arial"/>
+              </a:rPr>
+              <a:t>מכשירים</a:t>
             </a:r>
           </a:p>
         </p:txBody>
       </p:sp>
-      <p:cxnSp>
-        <p:nvCxnSpPr>
-          <p:cNvPr id="23" name="מחבר חץ ישר 22">
-            <a:extLst>
-              <a:ext uri="{FF2B5EF4-FFF2-40B4-BE49-F238E27FC236}">
-                <a16:creationId xmlns:a16="http://schemas.microsoft.com/office/drawing/2014/main" id="{F343A7E0-712D-4524-9665-E27DF96104D9}"/>
-              </a:ext>
-            </a:extLst>
-          </p:cNvPr>
-          <p:cNvCxnSpPr>
-            <a:cxnSpLocks/>
-          </p:cNvCxnSpPr>
-          <p:nvPr/>
-        </p:nvCxnSpPr>
-        <p:spPr>
-          <a:xfrm flipH="1">
-            <a:off x="8727324" y="4086288"/>
-            <a:ext cx="1106633" cy="272535"/>
-          </a:xfrm>
-          <a:prstGeom prst="straightConnector1">
-            <a:avLst/>
-          </a:prstGeom>
-          <a:ln>
-            <a:tailEnd type="triangle"/>
-          </a:ln>
-        </p:spPr>
-        <p:style>
-          <a:lnRef idx="1">
-            <a:schemeClr val="accent1"/>
-          </a:lnRef>
-          <a:fillRef idx="0">
-            <a:schemeClr val="accent1"/>
-          </a:fillRef>
-          <a:effectRef idx="0">
-            <a:schemeClr val="accent1"/>
-          </a:effectRef>
-          <a:fontRef idx="minor">
-            <a:schemeClr val="tx1"/>
-          </a:fontRef>
-        </p:style>
-      </p:cxnSp>
-      <p:sp>
-        <p:nvSpPr>
-          <p:cNvPr id="25" name="מלבן 24">
-            <a:extLst>
-              <a:ext uri="{FF2B5EF4-FFF2-40B4-BE49-F238E27FC236}">
-                <a16:creationId xmlns:a16="http://schemas.microsoft.com/office/drawing/2014/main" id="{8747B0DD-C7E4-45C5-9387-A6EEC4D99469}"/>
+      <p:sp>
+        <p:nvSpPr>
+          <p:cNvPr id="31" name="מלבן 30">
+            <a:extLst>
+              <a:ext uri="{FF2B5EF4-FFF2-40B4-BE49-F238E27FC236}">
+                <a16:creationId xmlns:a16="http://schemas.microsoft.com/office/drawing/2014/main" id="{628E7DA2-2FE6-21BB-8057-18C22B944187}"/>
               </a:ext>
             </a:extLst>
           </p:cNvPr>
@@ -10356,17 +10056,14 @@
         </p:nvSpPr>
         <p:spPr>
           <a:xfrm>
-            <a:off x="7548823" y="5300108"/>
-            <a:ext cx="1106633" cy="482138"/>
+            <a:off x="4210316" y="3082605"/>
+            <a:ext cx="1406800" cy="539056"/>
           </a:xfrm>
           <a:prstGeom prst="rect">
             <a:avLst/>
           </a:prstGeom>
           <a:solidFill>
-            <a:schemeClr val="accent6">
-              <a:lumMod val="60000"/>
-              <a:lumOff val="40000"/>
-            </a:schemeClr>
+            <a:srgbClr val="C00000"/>
           </a:solidFill>
           <a:ln>
             <a:noFill/>
@@ -10389,106 +10086,25 @@
           </a:fontRef>
         </p:style>
         <p:txBody>
-          <a:bodyPr rtlCol="1" anchor="ctr"/>
+          <a:bodyPr lIns="91440" tIns="45720" rIns="91440" bIns="45720" rtlCol="1" anchor="ctr"/>
           <a:lstStyle/>
           <a:p>
             <a:pPr algn="ctr"/>
             <a:r>
-              <a:rPr lang="he-IL" dirty="0"/>
-              <a:t>הוספת ניתוח</a:t>
+              <a:rPr lang="he-IL" dirty="0">
+                <a:cs typeface="Arial"/>
+              </a:rPr>
+              <a:t>ניתוחים</a:t>
             </a:r>
           </a:p>
         </p:txBody>
       </p:sp>
-      <p:cxnSp>
-        <p:nvCxnSpPr>
-          <p:cNvPr id="27" name="מחבר חץ ישר 26">
-            <a:extLst>
-              <a:ext uri="{FF2B5EF4-FFF2-40B4-BE49-F238E27FC236}">
-                <a16:creationId xmlns:a16="http://schemas.microsoft.com/office/drawing/2014/main" id="{EC667AEF-1228-46B1-BE5E-B7C60AB3BB06}"/>
-              </a:ext>
-            </a:extLst>
-          </p:cNvPr>
-          <p:cNvCxnSpPr>
-            <a:stCxn id="21" idx="2"/>
-            <a:endCxn id="25" idx="0"/>
-          </p:cNvCxnSpPr>
-          <p:nvPr/>
-        </p:nvCxnSpPr>
-        <p:spPr>
-          <a:xfrm flipH="1">
-            <a:off x="8102140" y="4599892"/>
-            <a:ext cx="19395" cy="700216"/>
-          </a:xfrm>
-          <a:prstGeom prst="straightConnector1">
-            <a:avLst/>
-          </a:prstGeom>
-          <a:ln>
-            <a:tailEnd type="triangle"/>
-          </a:ln>
-        </p:spPr>
-        <p:style>
-          <a:lnRef idx="1">
-            <a:schemeClr val="accent1"/>
-          </a:lnRef>
-          <a:fillRef idx="0">
-            <a:schemeClr val="accent1"/>
-          </a:fillRef>
-          <a:effectRef idx="0">
-            <a:schemeClr val="accent1"/>
-          </a:effectRef>
-          <a:fontRef idx="minor">
-            <a:schemeClr val="tx1"/>
-          </a:fontRef>
-        </p:style>
-      </p:cxnSp>
-      <p:cxnSp>
-        <p:nvCxnSpPr>
-          <p:cNvPr id="29" name="מחבר חץ ישר 28">
-            <a:extLst>
-              <a:ext uri="{FF2B5EF4-FFF2-40B4-BE49-F238E27FC236}">
-                <a16:creationId xmlns:a16="http://schemas.microsoft.com/office/drawing/2014/main" id="{DD1E326E-38C0-4464-86F6-F4B467D7C646}"/>
-              </a:ext>
-            </a:extLst>
-          </p:cNvPr>
-          <p:cNvCxnSpPr>
-            <a:cxnSpLocks/>
-          </p:cNvCxnSpPr>
-          <p:nvPr/>
-        </p:nvCxnSpPr>
-        <p:spPr>
-          <a:xfrm flipH="1">
-            <a:off x="7026378" y="4610585"/>
-            <a:ext cx="766069" cy="634090"/>
-          </a:xfrm>
-          <a:prstGeom prst="straightConnector1">
-            <a:avLst/>
-          </a:prstGeom>
-          <a:ln>
-            <a:tailEnd type="triangle"/>
-          </a:ln>
-        </p:spPr>
-        <p:style>
-          <a:lnRef idx="1">
-            <a:schemeClr val="accent1"/>
-          </a:lnRef>
-          <a:fillRef idx="0">
-            <a:schemeClr val="accent1"/>
-          </a:fillRef>
-          <a:effectRef idx="0">
-            <a:schemeClr val="accent1"/>
-          </a:effectRef>
-          <a:fontRef idx="minor">
-            <a:schemeClr val="tx1"/>
-          </a:fontRef>
-        </p:style>
-      </p:cxnSp>
-      <p:sp>
-        <p:nvSpPr>
-          <p:cNvPr id="30" name="מלבן 29">
-            <a:extLst>
-              <a:ext uri="{FF2B5EF4-FFF2-40B4-BE49-F238E27FC236}">
-                <a16:creationId xmlns:a16="http://schemas.microsoft.com/office/drawing/2014/main" id="{AE9A3E6A-2F72-490F-BBD4-1017A43A7CEE}"/>
+      <p:sp>
+        <p:nvSpPr>
+          <p:cNvPr id="32" name="מלבן 31">
+            <a:extLst>
+              <a:ext uri="{FF2B5EF4-FFF2-40B4-BE49-F238E27FC236}">
+                <a16:creationId xmlns:a16="http://schemas.microsoft.com/office/drawing/2014/main" id="{E62FCFC7-5A24-9625-E3AB-41B90051399A}"/>
               </a:ext>
             </a:extLst>
           </p:cNvPr>
@@ -10497,17 +10113,14 @@
         </p:nvSpPr>
         <p:spPr>
           <a:xfrm>
-            <a:off x="6096000" y="5295207"/>
-            <a:ext cx="1106633" cy="482138"/>
+            <a:off x="4224692" y="2363737"/>
+            <a:ext cx="1406800" cy="539056"/>
           </a:xfrm>
           <a:prstGeom prst="rect">
             <a:avLst/>
           </a:prstGeom>
           <a:solidFill>
-            <a:schemeClr val="accent6">
-              <a:lumMod val="60000"/>
-              <a:lumOff val="40000"/>
-            </a:schemeClr>
+            <a:srgbClr val="C00000"/>
           </a:solidFill>
           <a:ln>
             <a:noFill/>
@@ -10530,64 +10143,25 @@
           </a:fontRef>
         </p:style>
         <p:txBody>
-          <a:bodyPr rtlCol="1" anchor="ctr"/>
+          <a:bodyPr lIns="91440" tIns="45720" rIns="91440" bIns="45720" rtlCol="1" anchor="ctr"/>
           <a:lstStyle/>
           <a:p>
             <a:pPr algn="ctr"/>
             <a:r>
-              <a:rPr lang="he-IL" dirty="0"/>
-              <a:t>עדכון עדיפויות</a:t>
+              <a:rPr lang="he-IL" dirty="0">
+                <a:cs typeface="Arial"/>
+              </a:rPr>
+              <a:t>חדרים</a:t>
             </a:r>
           </a:p>
         </p:txBody>
       </p:sp>
-      <p:cxnSp>
-        <p:nvCxnSpPr>
-          <p:cNvPr id="32" name="מחבר חץ ישר 31">
-            <a:extLst>
-              <a:ext uri="{FF2B5EF4-FFF2-40B4-BE49-F238E27FC236}">
-                <a16:creationId xmlns:a16="http://schemas.microsoft.com/office/drawing/2014/main" id="{1C14765E-316C-452E-A6BD-A6DF249755EE}"/>
-              </a:ext>
-            </a:extLst>
-          </p:cNvPr>
-          <p:cNvCxnSpPr>
-            <a:cxnSpLocks/>
-          </p:cNvCxnSpPr>
-          <p:nvPr/>
-        </p:nvCxnSpPr>
-        <p:spPr>
-          <a:xfrm flipH="1">
-            <a:off x="6467302" y="3319734"/>
-            <a:ext cx="1010863" cy="577508"/>
-          </a:xfrm>
-          <a:prstGeom prst="straightConnector1">
-            <a:avLst/>
-          </a:prstGeom>
-          <a:ln>
-            <a:tailEnd type="triangle"/>
-          </a:ln>
-        </p:spPr>
-        <p:style>
-          <a:lnRef idx="1">
-            <a:schemeClr val="accent1"/>
-          </a:lnRef>
-          <a:fillRef idx="0">
-            <a:schemeClr val="accent1"/>
-          </a:fillRef>
-          <a:effectRef idx="0">
-            <a:schemeClr val="accent1"/>
-          </a:effectRef>
-          <a:fontRef idx="minor">
-            <a:schemeClr val="tx1"/>
-          </a:fontRef>
-        </p:style>
-      </p:cxnSp>
       <p:sp>
         <p:nvSpPr>
           <p:cNvPr id="33" name="מלבן 32">
             <a:extLst>
               <a:ext uri="{FF2B5EF4-FFF2-40B4-BE49-F238E27FC236}">
-                <a16:creationId xmlns:a16="http://schemas.microsoft.com/office/drawing/2014/main" id="{122580FD-3BE0-4A0C-984A-A1A7B30EFB74}"/>
+                <a16:creationId xmlns:a16="http://schemas.microsoft.com/office/drawing/2014/main" id="{3EBFA1A0-D33F-7B94-3B76-F5AEB6B96B06}"/>
               </a:ext>
             </a:extLst>
           </p:cNvPr>
@@ -10596,17 +10170,14 @@
         </p:nvSpPr>
         <p:spPr>
           <a:xfrm>
-            <a:off x="5618362" y="3947119"/>
-            <a:ext cx="1106633" cy="530228"/>
+            <a:off x="7977183" y="3183247"/>
+            <a:ext cx="1406800" cy="539056"/>
           </a:xfrm>
           <a:prstGeom prst="rect">
             <a:avLst/>
           </a:prstGeom>
           <a:solidFill>
-            <a:schemeClr val="accent6">
-              <a:lumMod val="60000"/>
-              <a:lumOff val="40000"/>
-            </a:schemeClr>
+            <a:srgbClr val="C00000"/>
           </a:solidFill>
           <a:ln>
             <a:noFill/>
@@ -10629,17 +10200,4022 @@
           </a:fontRef>
         </p:style>
         <p:txBody>
+          <a:bodyPr lIns="91440" tIns="45720" rIns="91440" bIns="45720" rtlCol="1" anchor="ctr"/>
+          <a:lstStyle/>
+          <a:p>
+            <a:pPr algn="ctr"/>
+            <a:r>
+              <a:rPr lang="he-IL" dirty="0">
+                <a:cs typeface="Arial"/>
+              </a:rPr>
+              <a:t>צפייה בשיבוץ</a:t>
+            </a:r>
+          </a:p>
+        </p:txBody>
+      </p:sp>
+      <p:sp>
+        <p:nvSpPr>
+          <p:cNvPr id="34" name="מלבן 33">
+            <a:extLst>
+              <a:ext uri="{FF2B5EF4-FFF2-40B4-BE49-F238E27FC236}">
+                <a16:creationId xmlns:a16="http://schemas.microsoft.com/office/drawing/2014/main" id="{F5302A81-8217-3B98-63BE-ACDE19F0B109}"/>
+              </a:ext>
+            </a:extLst>
+          </p:cNvPr>
+          <p:cNvSpPr/>
+          <p:nvPr/>
+        </p:nvSpPr>
+        <p:spPr>
+          <a:xfrm>
+            <a:off x="4210316" y="5411737"/>
+            <a:ext cx="1406800" cy="539056"/>
+          </a:xfrm>
+          <a:prstGeom prst="rect">
+            <a:avLst/>
+          </a:prstGeom>
+          <a:solidFill>
+            <a:srgbClr val="C00000"/>
+          </a:solidFill>
+          <a:ln>
+            <a:noFill/>
+          </a:ln>
+        </p:spPr>
+        <p:style>
+          <a:lnRef idx="2">
+            <a:schemeClr val="accent1">
+              <a:shade val="50000"/>
+            </a:schemeClr>
+          </a:lnRef>
+          <a:fillRef idx="1">
+            <a:schemeClr val="accent1"/>
+          </a:fillRef>
+          <a:effectRef idx="0">
+            <a:schemeClr val="accent1"/>
+          </a:effectRef>
+          <a:fontRef idx="minor">
+            <a:schemeClr val="lt1"/>
+          </a:fontRef>
+        </p:style>
+        <p:txBody>
+          <a:bodyPr lIns="91440" tIns="45720" rIns="91440" bIns="45720" rtlCol="1" anchor="ctr"/>
+          <a:lstStyle/>
+          <a:p>
+            <a:pPr algn="ctr"/>
+            <a:r>
+              <a:rPr lang="he-IL" dirty="0">
+                <a:cs typeface="Arial"/>
+              </a:rPr>
+              <a:t>משתמשים</a:t>
+            </a:r>
+          </a:p>
+        </p:txBody>
+      </p:sp>
+      <p:sp>
+        <p:nvSpPr>
+          <p:cNvPr id="35" name="מלבן 34">
+            <a:extLst>
+              <a:ext uri="{FF2B5EF4-FFF2-40B4-BE49-F238E27FC236}">
+                <a16:creationId xmlns:a16="http://schemas.microsoft.com/office/drawing/2014/main" id="{2371A93A-2B50-6EE8-C3B1-CE818E947A3C}"/>
+              </a:ext>
+            </a:extLst>
+          </p:cNvPr>
+          <p:cNvSpPr/>
+          <p:nvPr/>
+        </p:nvSpPr>
+        <p:spPr>
+          <a:xfrm>
+            <a:off x="4210315" y="4721624"/>
+            <a:ext cx="1406800" cy="539056"/>
+          </a:xfrm>
+          <a:prstGeom prst="rect">
+            <a:avLst/>
+          </a:prstGeom>
+          <a:solidFill>
+            <a:srgbClr val="C00000"/>
+          </a:solidFill>
+          <a:ln>
+            <a:noFill/>
+          </a:ln>
+        </p:spPr>
+        <p:style>
+          <a:lnRef idx="2">
+            <a:schemeClr val="accent1">
+              <a:shade val="50000"/>
+            </a:schemeClr>
+          </a:lnRef>
+          <a:fillRef idx="1">
+            <a:schemeClr val="accent1"/>
+          </a:fillRef>
+          <a:effectRef idx="0">
+            <a:schemeClr val="accent1"/>
+          </a:effectRef>
+          <a:fontRef idx="minor">
+            <a:schemeClr val="lt1"/>
+          </a:fontRef>
+        </p:style>
+        <p:txBody>
+          <a:bodyPr lIns="91440" tIns="45720" rIns="91440" bIns="45720" rtlCol="1" anchor="ctr"/>
+          <a:lstStyle/>
+          <a:p>
+            <a:pPr algn="ctr"/>
+            <a:r>
+              <a:rPr lang="he-IL" dirty="0">
+                <a:cs typeface="Arial"/>
+              </a:rPr>
+              <a:t>שיבוץ</a:t>
+            </a:r>
+          </a:p>
+        </p:txBody>
+      </p:sp>
+      <p:cxnSp>
+        <p:nvCxnSpPr>
+          <p:cNvPr id="12" name="מחבר חץ ישר 11">
+            <a:extLst>
+              <a:ext uri="{FF2B5EF4-FFF2-40B4-BE49-F238E27FC236}">
+                <a16:creationId xmlns:a16="http://schemas.microsoft.com/office/drawing/2014/main" id="{963680B1-FD1A-3C38-7848-DCBB0B0FDF75}"/>
+              </a:ext>
+            </a:extLst>
+          </p:cNvPr>
+          <p:cNvCxnSpPr/>
+          <p:nvPr/>
+        </p:nvCxnSpPr>
+        <p:spPr>
+          <a:xfrm>
+            <a:off x="8753295" y="579767"/>
+            <a:ext cx="8627" cy="799380"/>
+          </a:xfrm>
+          <a:prstGeom prst="straightConnector1">
+            <a:avLst/>
+          </a:prstGeom>
+          <a:ln>
+            <a:solidFill>
+              <a:srgbClr val="002060"/>
+            </a:solidFill>
+            <a:tailEnd type="triangle"/>
+          </a:ln>
+        </p:spPr>
+        <p:style>
+          <a:lnRef idx="1">
+            <a:schemeClr val="accent1"/>
+          </a:lnRef>
+          <a:fillRef idx="0">
+            <a:schemeClr val="accent1"/>
+          </a:fillRef>
+          <a:effectRef idx="0">
+            <a:schemeClr val="accent1"/>
+          </a:effectRef>
+          <a:fontRef idx="minor">
+            <a:schemeClr val="tx1"/>
+          </a:fontRef>
+        </p:style>
+      </p:cxnSp>
+      <p:cxnSp>
+        <p:nvCxnSpPr>
+          <p:cNvPr id="36" name="מחבר חץ ישר 35">
+            <a:extLst>
+              <a:ext uri="{FF2B5EF4-FFF2-40B4-BE49-F238E27FC236}">
+                <a16:creationId xmlns:a16="http://schemas.microsoft.com/office/drawing/2014/main" id="{97950DBF-60D8-656C-55C5-14D28D425CF9}"/>
+              </a:ext>
+            </a:extLst>
+          </p:cNvPr>
+          <p:cNvCxnSpPr>
+            <a:cxnSpLocks/>
+          </p:cNvCxnSpPr>
+          <p:nvPr/>
+        </p:nvCxnSpPr>
+        <p:spPr>
+          <a:xfrm flipH="1">
+            <a:off x="6763468" y="1658068"/>
+            <a:ext cx="1155939" cy="267418"/>
+          </a:xfrm>
+          <a:prstGeom prst="straightConnector1">
+            <a:avLst/>
+          </a:prstGeom>
+          <a:ln>
+            <a:solidFill>
+              <a:srgbClr val="002060"/>
+            </a:solidFill>
+            <a:tailEnd type="triangle"/>
+          </a:ln>
+        </p:spPr>
+        <p:style>
+          <a:lnRef idx="1">
+            <a:schemeClr val="accent1"/>
+          </a:lnRef>
+          <a:fillRef idx="0">
+            <a:schemeClr val="accent1"/>
+          </a:fillRef>
+          <a:effectRef idx="0">
+            <a:schemeClr val="accent1"/>
+          </a:effectRef>
+          <a:fontRef idx="minor">
+            <a:schemeClr val="tx1"/>
+          </a:fontRef>
+        </p:style>
+      </p:cxnSp>
+      <p:cxnSp>
+        <p:nvCxnSpPr>
+          <p:cNvPr id="37" name="מחבר חץ ישר 36">
+            <a:extLst>
+              <a:ext uri="{FF2B5EF4-FFF2-40B4-BE49-F238E27FC236}">
+                <a16:creationId xmlns:a16="http://schemas.microsoft.com/office/drawing/2014/main" id="{9B6876A8-8F88-1D6C-7587-1610AB9892E9}"/>
+              </a:ext>
+            </a:extLst>
+          </p:cNvPr>
+          <p:cNvCxnSpPr>
+            <a:cxnSpLocks/>
+          </p:cNvCxnSpPr>
+          <p:nvPr/>
+        </p:nvCxnSpPr>
+        <p:spPr>
+          <a:xfrm>
+            <a:off x="9472163" y="1600559"/>
+            <a:ext cx="1259457" cy="368060"/>
+          </a:xfrm>
+          <a:prstGeom prst="straightConnector1">
+            <a:avLst/>
+          </a:prstGeom>
+          <a:ln>
+            <a:solidFill>
+              <a:srgbClr val="002060"/>
+            </a:solidFill>
+            <a:tailEnd type="triangle"/>
+          </a:ln>
+        </p:spPr>
+        <p:style>
+          <a:lnRef idx="1">
+            <a:schemeClr val="accent1"/>
+          </a:lnRef>
+          <a:fillRef idx="0">
+            <a:schemeClr val="accent1"/>
+          </a:fillRef>
+          <a:effectRef idx="0">
+            <a:schemeClr val="accent1"/>
+          </a:effectRef>
+          <a:fontRef idx="minor">
+            <a:schemeClr val="tx1"/>
+          </a:fontRef>
+        </p:style>
+      </p:cxnSp>
+      <p:cxnSp>
+        <p:nvCxnSpPr>
+          <p:cNvPr id="38" name="מחבר חץ ישר 37">
+            <a:extLst>
+              <a:ext uri="{FF2B5EF4-FFF2-40B4-BE49-F238E27FC236}">
+                <a16:creationId xmlns:a16="http://schemas.microsoft.com/office/drawing/2014/main" id="{F2BDBD12-00E2-11E8-7949-763BAA689AB1}"/>
+              </a:ext>
+            </a:extLst>
+          </p:cNvPr>
+          <p:cNvCxnSpPr>
+            <a:cxnSpLocks/>
+          </p:cNvCxnSpPr>
+          <p:nvPr/>
+        </p:nvCxnSpPr>
+        <p:spPr>
+          <a:xfrm>
+            <a:off x="7114275" y="2621352"/>
+            <a:ext cx="1144437" cy="497454"/>
+          </a:xfrm>
+          <a:prstGeom prst="straightConnector1">
+            <a:avLst/>
+          </a:prstGeom>
+          <a:ln>
+            <a:solidFill>
+              <a:srgbClr val="002060"/>
+            </a:solidFill>
+            <a:tailEnd type="triangle"/>
+          </a:ln>
+        </p:spPr>
+        <p:style>
+          <a:lnRef idx="1">
+            <a:schemeClr val="accent1"/>
+          </a:lnRef>
+          <a:fillRef idx="0">
+            <a:schemeClr val="accent1"/>
+          </a:fillRef>
+          <a:effectRef idx="0">
+            <a:schemeClr val="accent1"/>
+          </a:effectRef>
+          <a:fontRef idx="minor">
+            <a:schemeClr val="tx1"/>
+          </a:fontRef>
+        </p:style>
+      </p:cxnSp>
+      <p:cxnSp>
+        <p:nvCxnSpPr>
+          <p:cNvPr id="39" name="מחבר חץ ישר 38">
+            <a:extLst>
+              <a:ext uri="{FF2B5EF4-FFF2-40B4-BE49-F238E27FC236}">
+                <a16:creationId xmlns:a16="http://schemas.microsoft.com/office/drawing/2014/main" id="{ACA8F568-F755-0FBC-4320-72F2D73E3FD9}"/>
+              </a:ext>
+            </a:extLst>
+          </p:cNvPr>
+          <p:cNvCxnSpPr>
+            <a:cxnSpLocks/>
+          </p:cNvCxnSpPr>
+          <p:nvPr/>
+        </p:nvCxnSpPr>
+        <p:spPr>
+          <a:xfrm flipH="1">
+            <a:off x="9049469" y="2606974"/>
+            <a:ext cx="1328467" cy="497456"/>
+          </a:xfrm>
+          <a:prstGeom prst="straightConnector1">
+            <a:avLst/>
+          </a:prstGeom>
+          <a:ln>
+            <a:solidFill>
+              <a:srgbClr val="002060"/>
+            </a:solidFill>
+            <a:tailEnd type="triangle"/>
+          </a:ln>
+        </p:spPr>
+        <p:style>
+          <a:lnRef idx="1">
+            <a:schemeClr val="accent1"/>
+          </a:lnRef>
+          <a:fillRef idx="0">
+            <a:schemeClr val="accent1"/>
+          </a:fillRef>
+          <a:effectRef idx="0">
+            <a:schemeClr val="accent1"/>
+          </a:effectRef>
+          <a:fontRef idx="minor">
+            <a:schemeClr val="tx1"/>
+          </a:fontRef>
+        </p:style>
+      </p:cxnSp>
+      <p:cxnSp>
+        <p:nvCxnSpPr>
+          <p:cNvPr id="40" name="מחבר חץ ישר 39">
+            <a:extLst>
+              <a:ext uri="{FF2B5EF4-FFF2-40B4-BE49-F238E27FC236}">
+                <a16:creationId xmlns:a16="http://schemas.microsoft.com/office/drawing/2014/main" id="{4E80B0E9-0515-BA82-41B3-5F19FE130A6A}"/>
+              </a:ext>
+            </a:extLst>
+          </p:cNvPr>
+          <p:cNvCxnSpPr>
+            <a:cxnSpLocks/>
+          </p:cNvCxnSpPr>
+          <p:nvPr/>
+        </p:nvCxnSpPr>
+        <p:spPr>
+          <a:xfrm flipH="1">
+            <a:off x="5642035" y="2621351"/>
+            <a:ext cx="667108" cy="123645"/>
+          </a:xfrm>
+          <a:prstGeom prst="straightConnector1">
+            <a:avLst/>
+          </a:prstGeom>
+          <a:ln>
+            <a:solidFill>
+              <a:srgbClr val="002060"/>
+            </a:solidFill>
+            <a:tailEnd type="triangle"/>
+          </a:ln>
+        </p:spPr>
+        <p:style>
+          <a:lnRef idx="1">
+            <a:schemeClr val="accent1"/>
+          </a:lnRef>
+          <a:fillRef idx="0">
+            <a:schemeClr val="accent1"/>
+          </a:fillRef>
+          <a:effectRef idx="0">
+            <a:schemeClr val="accent1"/>
+          </a:effectRef>
+          <a:fontRef idx="minor">
+            <a:schemeClr val="tx1"/>
+          </a:fontRef>
+        </p:style>
+      </p:cxnSp>
+      <p:cxnSp>
+        <p:nvCxnSpPr>
+          <p:cNvPr id="41" name="מחבר חץ ישר 40">
+            <a:extLst>
+              <a:ext uri="{FF2B5EF4-FFF2-40B4-BE49-F238E27FC236}">
+                <a16:creationId xmlns:a16="http://schemas.microsoft.com/office/drawing/2014/main" id="{24B9750C-D7EA-B759-5BBC-347AB1B55952}"/>
+              </a:ext>
+            </a:extLst>
+          </p:cNvPr>
+          <p:cNvCxnSpPr>
+            <a:cxnSpLocks/>
+          </p:cNvCxnSpPr>
+          <p:nvPr/>
+        </p:nvCxnSpPr>
+        <p:spPr>
+          <a:xfrm flipH="1">
+            <a:off x="5642036" y="2721992"/>
+            <a:ext cx="767749" cy="612476"/>
+          </a:xfrm>
+          <a:prstGeom prst="straightConnector1">
+            <a:avLst/>
+          </a:prstGeom>
+          <a:ln>
+            <a:solidFill>
+              <a:schemeClr val="tx1"/>
+            </a:solidFill>
+            <a:tailEnd type="triangle"/>
+          </a:ln>
+        </p:spPr>
+        <p:style>
+          <a:lnRef idx="1">
+            <a:schemeClr val="accent1"/>
+          </a:lnRef>
+          <a:fillRef idx="0">
+            <a:schemeClr val="accent1"/>
+          </a:fillRef>
+          <a:effectRef idx="0">
+            <a:schemeClr val="accent1"/>
+          </a:effectRef>
+          <a:fontRef idx="minor">
+            <a:schemeClr val="tx1"/>
+          </a:fontRef>
+        </p:style>
+      </p:cxnSp>
+      <p:cxnSp>
+        <p:nvCxnSpPr>
+          <p:cNvPr id="43" name="מחבר חץ ישר 42">
+            <a:extLst>
+              <a:ext uri="{FF2B5EF4-FFF2-40B4-BE49-F238E27FC236}">
+                <a16:creationId xmlns:a16="http://schemas.microsoft.com/office/drawing/2014/main" id="{F49AC832-8D98-80E0-B249-411F2D93D45A}"/>
+              </a:ext>
+            </a:extLst>
+          </p:cNvPr>
+          <p:cNvCxnSpPr>
+            <a:cxnSpLocks/>
+          </p:cNvCxnSpPr>
+          <p:nvPr/>
+        </p:nvCxnSpPr>
+        <p:spPr>
+          <a:xfrm flipH="1">
+            <a:off x="5656413" y="2635729"/>
+            <a:ext cx="940276" cy="1618890"/>
+          </a:xfrm>
+          <a:prstGeom prst="straightConnector1">
+            <a:avLst/>
+          </a:prstGeom>
+          <a:ln>
+            <a:solidFill>
+              <a:schemeClr val="tx1"/>
+            </a:solidFill>
+            <a:tailEnd type="triangle"/>
+          </a:ln>
+        </p:spPr>
+        <p:style>
+          <a:lnRef idx="1">
+            <a:schemeClr val="accent1"/>
+          </a:lnRef>
+          <a:fillRef idx="0">
+            <a:schemeClr val="accent1"/>
+          </a:fillRef>
+          <a:effectRef idx="0">
+            <a:schemeClr val="accent1"/>
+          </a:effectRef>
+          <a:fontRef idx="minor">
+            <a:schemeClr val="tx1"/>
+          </a:fontRef>
+        </p:style>
+      </p:cxnSp>
+      <p:cxnSp>
+        <p:nvCxnSpPr>
+          <p:cNvPr id="44" name="מחבר חץ ישר 43">
+            <a:extLst>
+              <a:ext uri="{FF2B5EF4-FFF2-40B4-BE49-F238E27FC236}">
+                <a16:creationId xmlns:a16="http://schemas.microsoft.com/office/drawing/2014/main" id="{9DBE74C3-3E05-CF56-503A-760DA0B90072}"/>
+              </a:ext>
+            </a:extLst>
+          </p:cNvPr>
+          <p:cNvCxnSpPr>
+            <a:cxnSpLocks/>
+          </p:cNvCxnSpPr>
+          <p:nvPr/>
+        </p:nvCxnSpPr>
+        <p:spPr>
+          <a:xfrm flipH="1">
+            <a:off x="5670790" y="2693238"/>
+            <a:ext cx="983410" cy="2265871"/>
+          </a:xfrm>
+          <a:prstGeom prst="straightConnector1">
+            <a:avLst/>
+          </a:prstGeom>
+          <a:ln>
+            <a:solidFill>
+              <a:schemeClr val="tx1"/>
+            </a:solidFill>
+            <a:tailEnd type="triangle"/>
+          </a:ln>
+        </p:spPr>
+        <p:style>
+          <a:lnRef idx="1">
+            <a:schemeClr val="accent1"/>
+          </a:lnRef>
+          <a:fillRef idx="0">
+            <a:schemeClr val="accent1"/>
+          </a:fillRef>
+          <a:effectRef idx="0">
+            <a:schemeClr val="accent1"/>
+          </a:effectRef>
+          <a:fontRef idx="minor">
+            <a:schemeClr val="tx1"/>
+          </a:fontRef>
+        </p:style>
+      </p:cxnSp>
+      <p:cxnSp>
+        <p:nvCxnSpPr>
+          <p:cNvPr id="45" name="מחבר חץ ישר 44">
+            <a:extLst>
+              <a:ext uri="{FF2B5EF4-FFF2-40B4-BE49-F238E27FC236}">
+                <a16:creationId xmlns:a16="http://schemas.microsoft.com/office/drawing/2014/main" id="{4D659CD6-698B-DC19-EE89-ADCA49CA89B9}"/>
+              </a:ext>
+            </a:extLst>
+          </p:cNvPr>
+          <p:cNvCxnSpPr>
+            <a:cxnSpLocks/>
+          </p:cNvCxnSpPr>
+          <p:nvPr/>
+        </p:nvCxnSpPr>
+        <p:spPr>
+          <a:xfrm flipH="1">
+            <a:off x="5613281" y="2621351"/>
+            <a:ext cx="1213448" cy="3071003"/>
+          </a:xfrm>
+          <a:prstGeom prst="straightConnector1">
+            <a:avLst/>
+          </a:prstGeom>
+          <a:ln>
+            <a:solidFill>
+              <a:schemeClr val="tx1"/>
+            </a:solidFill>
+            <a:tailEnd type="triangle"/>
+          </a:ln>
+        </p:spPr>
+        <p:style>
+          <a:lnRef idx="1">
+            <a:schemeClr val="accent1"/>
+          </a:lnRef>
+          <a:fillRef idx="0">
+            <a:schemeClr val="accent1"/>
+          </a:fillRef>
+          <a:effectRef idx="0">
+            <a:schemeClr val="accent1"/>
+          </a:effectRef>
+          <a:fontRef idx="minor">
+            <a:schemeClr val="tx1"/>
+          </a:fontRef>
+        </p:style>
+      </p:cxnSp>
+      <p:cxnSp>
+        <p:nvCxnSpPr>
+          <p:cNvPr id="46" name="מחבר חץ ישר 45">
+            <a:extLst>
+              <a:ext uri="{FF2B5EF4-FFF2-40B4-BE49-F238E27FC236}">
+                <a16:creationId xmlns:a16="http://schemas.microsoft.com/office/drawing/2014/main" id="{A4C7A734-0CFC-CFE0-0B57-F4542ECC6920}"/>
+              </a:ext>
+            </a:extLst>
+          </p:cNvPr>
+          <p:cNvCxnSpPr>
+            <a:cxnSpLocks/>
+          </p:cNvCxnSpPr>
+          <p:nvPr/>
+        </p:nvCxnSpPr>
+        <p:spPr>
+          <a:xfrm flipH="1">
+            <a:off x="5627658" y="2563841"/>
+            <a:ext cx="1299711" cy="3717984"/>
+          </a:xfrm>
+          <a:prstGeom prst="straightConnector1">
+            <a:avLst/>
+          </a:prstGeom>
+          <a:ln>
+            <a:solidFill>
+              <a:srgbClr val="002060"/>
+            </a:solidFill>
+            <a:tailEnd type="triangle"/>
+          </a:ln>
+        </p:spPr>
+        <p:style>
+          <a:lnRef idx="1">
+            <a:schemeClr val="accent1"/>
+          </a:lnRef>
+          <a:fillRef idx="0">
+            <a:schemeClr val="accent1"/>
+          </a:fillRef>
+          <a:effectRef idx="0">
+            <a:schemeClr val="accent1"/>
+          </a:effectRef>
+          <a:fontRef idx="minor">
+            <a:schemeClr val="tx1"/>
+          </a:fontRef>
+        </p:style>
+      </p:cxnSp>
+      <p:sp>
+        <p:nvSpPr>
+          <p:cNvPr id="20" name="מלבן 19">
+            <a:extLst>
+              <a:ext uri="{FF2B5EF4-FFF2-40B4-BE49-F238E27FC236}">
+                <a16:creationId xmlns:a16="http://schemas.microsoft.com/office/drawing/2014/main" id="{3429277E-EC90-FA1D-584F-403573D7E81F}"/>
+              </a:ext>
+            </a:extLst>
+          </p:cNvPr>
+          <p:cNvSpPr/>
+          <p:nvPr/>
+        </p:nvSpPr>
+        <p:spPr>
+          <a:xfrm>
+            <a:off x="3040093" y="2845998"/>
+            <a:ext cx="934527" cy="345056"/>
+          </a:xfrm>
+          <a:prstGeom prst="rect">
+            <a:avLst/>
+          </a:prstGeom>
+          <a:solidFill>
+            <a:srgbClr val="C00000"/>
+          </a:solidFill>
+          <a:ln>
+            <a:noFill/>
+          </a:ln>
+        </p:spPr>
+        <p:style>
+          <a:lnRef idx="2">
+            <a:schemeClr val="accent1">
+              <a:shade val="50000"/>
+            </a:schemeClr>
+          </a:lnRef>
+          <a:fillRef idx="1">
+            <a:schemeClr val="accent1"/>
+          </a:fillRef>
+          <a:effectRef idx="0">
+            <a:schemeClr val="accent1"/>
+          </a:effectRef>
+          <a:fontRef idx="minor">
+            <a:schemeClr val="lt1"/>
+          </a:fontRef>
+        </p:style>
+        <p:txBody>
           <a:bodyPr rtlCol="1" anchor="ctr"/>
           <a:lstStyle/>
           <a:p>
             <a:pPr algn="ctr"/>
             <a:r>
-              <a:rPr lang="he-IL" dirty="0"/>
-              <a:t>שיבוץ</a:t>
+              <a:rPr lang="he-IL" dirty="0">
+                <a:cs typeface="Arial"/>
+              </a:rPr>
+              <a:t>הוספה</a:t>
             </a:r>
-          </a:p>
-        </p:txBody>
-      </p:sp>
+            <a:endParaRPr lang="he-IL" dirty="0"/>
+          </a:p>
+        </p:txBody>
+      </p:sp>
+      <p:sp>
+        <p:nvSpPr>
+          <p:cNvPr id="53" name="מלבן 52">
+            <a:extLst>
+              <a:ext uri="{FF2B5EF4-FFF2-40B4-BE49-F238E27FC236}">
+                <a16:creationId xmlns:a16="http://schemas.microsoft.com/office/drawing/2014/main" id="{32D0F97D-9D13-F2F2-8052-B58714ED73B7}"/>
+              </a:ext>
+            </a:extLst>
+          </p:cNvPr>
+          <p:cNvSpPr/>
+          <p:nvPr/>
+        </p:nvSpPr>
+        <p:spPr>
+          <a:xfrm>
+            <a:off x="1027263" y="2831621"/>
+            <a:ext cx="934527" cy="345056"/>
+          </a:xfrm>
+          <a:prstGeom prst="rect">
+            <a:avLst/>
+          </a:prstGeom>
+          <a:solidFill>
+            <a:srgbClr val="C00000"/>
+          </a:solidFill>
+          <a:ln>
+            <a:noFill/>
+          </a:ln>
+        </p:spPr>
+        <p:style>
+          <a:lnRef idx="2">
+            <a:schemeClr val="accent1">
+              <a:shade val="50000"/>
+            </a:schemeClr>
+          </a:lnRef>
+          <a:fillRef idx="1">
+            <a:schemeClr val="accent1"/>
+          </a:fillRef>
+          <a:effectRef idx="0">
+            <a:schemeClr val="accent1"/>
+          </a:effectRef>
+          <a:fontRef idx="minor">
+            <a:schemeClr val="lt1"/>
+          </a:fontRef>
+        </p:style>
+        <p:txBody>
+          <a:bodyPr lIns="91440" tIns="45720" rIns="91440" bIns="45720" rtlCol="1" anchor="ctr"/>
+          <a:lstStyle/>
+          <a:p>
+            <a:pPr algn="ctr"/>
+            <a:r>
+              <a:rPr lang="he-IL" dirty="0">
+                <a:cs typeface="Arial"/>
+              </a:rPr>
+              <a:t>צפיה</a:t>
+            </a:r>
+            <a:endParaRPr lang="he-IL" dirty="0"/>
+          </a:p>
+        </p:txBody>
+      </p:sp>
+      <p:sp>
+        <p:nvSpPr>
+          <p:cNvPr id="56" name="מלבן 55">
+            <a:extLst>
+              <a:ext uri="{FF2B5EF4-FFF2-40B4-BE49-F238E27FC236}">
+                <a16:creationId xmlns:a16="http://schemas.microsoft.com/office/drawing/2014/main" id="{B0E7B861-9B3D-2CDE-805E-B1C935ED9574}"/>
+              </a:ext>
+            </a:extLst>
+          </p:cNvPr>
+          <p:cNvSpPr/>
+          <p:nvPr/>
+        </p:nvSpPr>
+        <p:spPr>
+          <a:xfrm>
+            <a:off x="2033677" y="2831620"/>
+            <a:ext cx="934527" cy="345056"/>
+          </a:xfrm>
+          <a:prstGeom prst="rect">
+            <a:avLst/>
+          </a:prstGeom>
+          <a:solidFill>
+            <a:srgbClr val="C00000"/>
+          </a:solidFill>
+          <a:ln>
+            <a:noFill/>
+          </a:ln>
+        </p:spPr>
+        <p:style>
+          <a:lnRef idx="2">
+            <a:schemeClr val="accent1">
+              <a:shade val="50000"/>
+            </a:schemeClr>
+          </a:lnRef>
+          <a:fillRef idx="1">
+            <a:schemeClr val="accent1"/>
+          </a:fillRef>
+          <a:effectRef idx="0">
+            <a:schemeClr val="accent1"/>
+          </a:effectRef>
+          <a:fontRef idx="minor">
+            <a:schemeClr val="lt1"/>
+          </a:fontRef>
+        </p:style>
+        <p:txBody>
+          <a:bodyPr lIns="91440" tIns="45720" rIns="91440" bIns="45720" rtlCol="1" anchor="ctr"/>
+          <a:lstStyle/>
+          <a:p>
+            <a:pPr algn="ctr"/>
+            <a:r>
+              <a:rPr lang="he-IL" dirty="0">
+                <a:cs typeface="Arial"/>
+              </a:rPr>
+              <a:t>מחיקה</a:t>
+            </a:r>
+            <a:endParaRPr lang="he-IL" dirty="0"/>
+          </a:p>
+        </p:txBody>
+      </p:sp>
+      <p:cxnSp>
+        <p:nvCxnSpPr>
+          <p:cNvPr id="21" name="מחבר חץ ישר 20">
+            <a:extLst>
+              <a:ext uri="{FF2B5EF4-FFF2-40B4-BE49-F238E27FC236}">
+                <a16:creationId xmlns:a16="http://schemas.microsoft.com/office/drawing/2014/main" id="{2975A5BF-CE26-9C5B-25A4-80E16011A43B}"/>
+              </a:ext>
+            </a:extLst>
+          </p:cNvPr>
+          <p:cNvCxnSpPr/>
+          <p:nvPr/>
+        </p:nvCxnSpPr>
+        <p:spPr>
+          <a:xfrm flipH="1">
+            <a:off x="3594160" y="2615061"/>
+            <a:ext cx="494581" cy="152401"/>
+          </a:xfrm>
+          <a:prstGeom prst="straightConnector1">
+            <a:avLst/>
+          </a:prstGeom>
+          <a:ln>
+            <a:tailEnd type="triangle"/>
+          </a:ln>
+        </p:spPr>
+        <p:style>
+          <a:lnRef idx="1">
+            <a:schemeClr val="accent1"/>
+          </a:lnRef>
+          <a:fillRef idx="0">
+            <a:schemeClr val="accent1"/>
+          </a:fillRef>
+          <a:effectRef idx="0">
+            <a:schemeClr val="accent1"/>
+          </a:effectRef>
+          <a:fontRef idx="minor">
+            <a:schemeClr val="tx1"/>
+          </a:fontRef>
+        </p:style>
+      </p:cxnSp>
+      <p:cxnSp>
+        <p:nvCxnSpPr>
+          <p:cNvPr id="64" name="מחבר חץ ישר 63">
+            <a:extLst>
+              <a:ext uri="{FF2B5EF4-FFF2-40B4-BE49-F238E27FC236}">
+                <a16:creationId xmlns:a16="http://schemas.microsoft.com/office/drawing/2014/main" id="{46712A05-E8D1-242B-652D-150D5DE17A3B}"/>
+              </a:ext>
+            </a:extLst>
+          </p:cNvPr>
+          <p:cNvCxnSpPr>
+            <a:cxnSpLocks/>
+          </p:cNvCxnSpPr>
+          <p:nvPr/>
+        </p:nvCxnSpPr>
+        <p:spPr>
+          <a:xfrm flipH="1">
+            <a:off x="2616499" y="2557551"/>
+            <a:ext cx="1500995" cy="224287"/>
+          </a:xfrm>
+          <a:prstGeom prst="straightConnector1">
+            <a:avLst/>
+          </a:prstGeom>
+          <a:ln>
+            <a:tailEnd type="triangle"/>
+          </a:ln>
+        </p:spPr>
+        <p:style>
+          <a:lnRef idx="1">
+            <a:schemeClr val="accent1"/>
+          </a:lnRef>
+          <a:fillRef idx="0">
+            <a:schemeClr val="accent1"/>
+          </a:fillRef>
+          <a:effectRef idx="0">
+            <a:schemeClr val="accent1"/>
+          </a:effectRef>
+          <a:fontRef idx="minor">
+            <a:schemeClr val="tx1"/>
+          </a:fontRef>
+        </p:style>
+      </p:cxnSp>
+      <p:cxnSp>
+        <p:nvCxnSpPr>
+          <p:cNvPr id="65" name="מחבר חץ ישר 64">
+            <a:extLst>
+              <a:ext uri="{FF2B5EF4-FFF2-40B4-BE49-F238E27FC236}">
+                <a16:creationId xmlns:a16="http://schemas.microsoft.com/office/drawing/2014/main" id="{CABF35A4-17FC-3F8A-6753-B59F40FA5E7F}"/>
+              </a:ext>
+            </a:extLst>
+          </p:cNvPr>
+          <p:cNvCxnSpPr>
+            <a:cxnSpLocks/>
+          </p:cNvCxnSpPr>
+          <p:nvPr/>
+        </p:nvCxnSpPr>
+        <p:spPr>
+          <a:xfrm flipH="1">
+            <a:off x="1523820" y="2514420"/>
+            <a:ext cx="2493033" cy="253042"/>
+          </a:xfrm>
+          <a:prstGeom prst="straightConnector1">
+            <a:avLst/>
+          </a:prstGeom>
+          <a:ln>
+            <a:tailEnd type="triangle"/>
+          </a:ln>
+        </p:spPr>
+        <p:style>
+          <a:lnRef idx="1">
+            <a:schemeClr val="accent1"/>
+          </a:lnRef>
+          <a:fillRef idx="0">
+            <a:schemeClr val="accent1"/>
+          </a:fillRef>
+          <a:effectRef idx="0">
+            <a:schemeClr val="accent1"/>
+          </a:effectRef>
+          <a:fontRef idx="minor">
+            <a:schemeClr val="tx1"/>
+          </a:fontRef>
+        </p:style>
+      </p:cxnSp>
+      <p:sp>
+        <p:nvSpPr>
+          <p:cNvPr id="68" name="מלבן 67">
+            <a:extLst>
+              <a:ext uri="{FF2B5EF4-FFF2-40B4-BE49-F238E27FC236}">
+                <a16:creationId xmlns:a16="http://schemas.microsoft.com/office/drawing/2014/main" id="{84815AF0-E629-69AF-496C-8B5D943E9AE5}"/>
+              </a:ext>
+            </a:extLst>
+          </p:cNvPr>
+          <p:cNvSpPr/>
+          <p:nvPr/>
+        </p:nvSpPr>
+        <p:spPr>
+          <a:xfrm>
+            <a:off x="3097602" y="3636752"/>
+            <a:ext cx="934527" cy="345056"/>
+          </a:xfrm>
+          <a:prstGeom prst="rect">
+            <a:avLst/>
+          </a:prstGeom>
+          <a:solidFill>
+            <a:srgbClr val="C00000"/>
+          </a:solidFill>
+          <a:ln>
+            <a:noFill/>
+          </a:ln>
+        </p:spPr>
+        <p:style>
+          <a:lnRef idx="2">
+            <a:schemeClr val="accent1">
+              <a:shade val="50000"/>
+            </a:schemeClr>
+          </a:lnRef>
+          <a:fillRef idx="1">
+            <a:schemeClr val="accent1"/>
+          </a:fillRef>
+          <a:effectRef idx="0">
+            <a:schemeClr val="accent1"/>
+          </a:effectRef>
+          <a:fontRef idx="minor">
+            <a:schemeClr val="lt1"/>
+          </a:fontRef>
+        </p:style>
+        <p:txBody>
+          <a:bodyPr rtlCol="1" anchor="ctr"/>
+          <a:lstStyle/>
+          <a:p>
+            <a:pPr algn="ctr"/>
+            <a:r>
+              <a:rPr lang="he-IL" dirty="0">
+                <a:cs typeface="Arial"/>
+              </a:rPr>
+              <a:t>הוספה</a:t>
+            </a:r>
+            <a:endParaRPr lang="he-IL" dirty="0"/>
+          </a:p>
+        </p:txBody>
+      </p:sp>
+      <p:sp>
+        <p:nvSpPr>
+          <p:cNvPr id="69" name="מלבן 68">
+            <a:extLst>
+              <a:ext uri="{FF2B5EF4-FFF2-40B4-BE49-F238E27FC236}">
+                <a16:creationId xmlns:a16="http://schemas.microsoft.com/office/drawing/2014/main" id="{72F0AB52-D80E-04C5-5173-12CA71AC0E0D}"/>
+              </a:ext>
+            </a:extLst>
+          </p:cNvPr>
+          <p:cNvSpPr/>
+          <p:nvPr/>
+        </p:nvSpPr>
+        <p:spPr>
+          <a:xfrm>
+            <a:off x="92733" y="3636751"/>
+            <a:ext cx="934527" cy="345056"/>
+          </a:xfrm>
+          <a:prstGeom prst="rect">
+            <a:avLst/>
+          </a:prstGeom>
+          <a:solidFill>
+            <a:srgbClr val="C00000"/>
+          </a:solidFill>
+          <a:ln>
+            <a:noFill/>
+          </a:ln>
+        </p:spPr>
+        <p:style>
+          <a:lnRef idx="2">
+            <a:schemeClr val="accent1">
+              <a:shade val="50000"/>
+            </a:schemeClr>
+          </a:lnRef>
+          <a:fillRef idx="1">
+            <a:schemeClr val="accent1"/>
+          </a:fillRef>
+          <a:effectRef idx="0">
+            <a:schemeClr val="accent1"/>
+          </a:effectRef>
+          <a:fontRef idx="minor">
+            <a:schemeClr val="lt1"/>
+          </a:fontRef>
+        </p:style>
+        <p:txBody>
+          <a:bodyPr lIns="91440" tIns="45720" rIns="91440" bIns="45720" rtlCol="1" anchor="ctr"/>
+          <a:lstStyle/>
+          <a:p>
+            <a:pPr algn="ctr"/>
+            <a:r>
+              <a:rPr lang="he-IL" dirty="0">
+                <a:cs typeface="Arial"/>
+              </a:rPr>
+              <a:t>עדכון</a:t>
+            </a:r>
+            <a:endParaRPr lang="he-IL" dirty="0"/>
+          </a:p>
+        </p:txBody>
+      </p:sp>
+      <p:sp>
+        <p:nvSpPr>
+          <p:cNvPr id="70" name="מלבן 69">
+            <a:extLst>
+              <a:ext uri="{FF2B5EF4-FFF2-40B4-BE49-F238E27FC236}">
+                <a16:creationId xmlns:a16="http://schemas.microsoft.com/office/drawing/2014/main" id="{592D7933-9322-029D-35D1-6E6C32932E3F}"/>
+              </a:ext>
+            </a:extLst>
+          </p:cNvPr>
+          <p:cNvSpPr/>
+          <p:nvPr/>
+        </p:nvSpPr>
+        <p:spPr>
+          <a:xfrm>
+            <a:off x="1084772" y="3622375"/>
+            <a:ext cx="934527" cy="345056"/>
+          </a:xfrm>
+          <a:prstGeom prst="rect">
+            <a:avLst/>
+          </a:prstGeom>
+          <a:solidFill>
+            <a:srgbClr val="C00000"/>
+          </a:solidFill>
+          <a:ln>
+            <a:noFill/>
+          </a:ln>
+        </p:spPr>
+        <p:style>
+          <a:lnRef idx="2">
+            <a:schemeClr val="accent1">
+              <a:shade val="50000"/>
+            </a:schemeClr>
+          </a:lnRef>
+          <a:fillRef idx="1">
+            <a:schemeClr val="accent1"/>
+          </a:fillRef>
+          <a:effectRef idx="0">
+            <a:schemeClr val="accent1"/>
+          </a:effectRef>
+          <a:fontRef idx="minor">
+            <a:schemeClr val="lt1"/>
+          </a:fontRef>
+        </p:style>
+        <p:txBody>
+          <a:bodyPr lIns="91440" tIns="45720" rIns="91440" bIns="45720" rtlCol="1" anchor="ctr"/>
+          <a:lstStyle/>
+          <a:p>
+            <a:pPr algn="ctr"/>
+            <a:r>
+              <a:rPr lang="he-IL" dirty="0">
+                <a:cs typeface="Arial"/>
+              </a:rPr>
+              <a:t>צפיה</a:t>
+            </a:r>
+            <a:endParaRPr lang="he-IL" dirty="0"/>
+          </a:p>
+        </p:txBody>
+      </p:sp>
+      <p:sp>
+        <p:nvSpPr>
+          <p:cNvPr id="71" name="מלבן 70">
+            <a:extLst>
+              <a:ext uri="{FF2B5EF4-FFF2-40B4-BE49-F238E27FC236}">
+                <a16:creationId xmlns:a16="http://schemas.microsoft.com/office/drawing/2014/main" id="{24C6825F-E6ED-0304-C589-C02ACDA6F32D}"/>
+              </a:ext>
+            </a:extLst>
+          </p:cNvPr>
+          <p:cNvSpPr/>
+          <p:nvPr/>
+        </p:nvSpPr>
+        <p:spPr>
+          <a:xfrm>
+            <a:off x="2091186" y="3622374"/>
+            <a:ext cx="934527" cy="345056"/>
+          </a:xfrm>
+          <a:prstGeom prst="rect">
+            <a:avLst/>
+          </a:prstGeom>
+          <a:solidFill>
+            <a:srgbClr val="C00000"/>
+          </a:solidFill>
+          <a:ln>
+            <a:noFill/>
+          </a:ln>
+        </p:spPr>
+        <p:style>
+          <a:lnRef idx="2">
+            <a:schemeClr val="accent1">
+              <a:shade val="50000"/>
+            </a:schemeClr>
+          </a:lnRef>
+          <a:fillRef idx="1">
+            <a:schemeClr val="accent1"/>
+          </a:fillRef>
+          <a:effectRef idx="0">
+            <a:schemeClr val="accent1"/>
+          </a:effectRef>
+          <a:fontRef idx="minor">
+            <a:schemeClr val="lt1"/>
+          </a:fontRef>
+        </p:style>
+        <p:txBody>
+          <a:bodyPr lIns="91440" tIns="45720" rIns="91440" bIns="45720" rtlCol="1" anchor="ctr"/>
+          <a:lstStyle/>
+          <a:p>
+            <a:pPr algn="ctr"/>
+            <a:r>
+              <a:rPr lang="he-IL" dirty="0">
+                <a:cs typeface="Arial"/>
+              </a:rPr>
+              <a:t>מחיקה</a:t>
+            </a:r>
+            <a:endParaRPr lang="he-IL" dirty="0"/>
+          </a:p>
+        </p:txBody>
+      </p:sp>
+      <p:cxnSp>
+        <p:nvCxnSpPr>
+          <p:cNvPr id="72" name="מחבר חץ ישר 71">
+            <a:extLst>
+              <a:ext uri="{FF2B5EF4-FFF2-40B4-BE49-F238E27FC236}">
+                <a16:creationId xmlns:a16="http://schemas.microsoft.com/office/drawing/2014/main" id="{379EA82A-A0CF-7066-AA86-487507C844F2}"/>
+              </a:ext>
+            </a:extLst>
+          </p:cNvPr>
+          <p:cNvCxnSpPr>
+            <a:cxnSpLocks/>
+          </p:cNvCxnSpPr>
+          <p:nvPr/>
+        </p:nvCxnSpPr>
+        <p:spPr>
+          <a:xfrm flipH="1">
+            <a:off x="3651669" y="3405815"/>
+            <a:ext cx="494581" cy="152401"/>
+          </a:xfrm>
+          <a:prstGeom prst="straightConnector1">
+            <a:avLst/>
+          </a:prstGeom>
+          <a:ln>
+            <a:tailEnd type="triangle"/>
+          </a:ln>
+        </p:spPr>
+        <p:style>
+          <a:lnRef idx="1">
+            <a:schemeClr val="accent1"/>
+          </a:lnRef>
+          <a:fillRef idx="0">
+            <a:schemeClr val="accent1"/>
+          </a:fillRef>
+          <a:effectRef idx="0">
+            <a:schemeClr val="accent1"/>
+          </a:effectRef>
+          <a:fontRef idx="minor">
+            <a:schemeClr val="tx1"/>
+          </a:fontRef>
+        </p:style>
+      </p:cxnSp>
+      <p:cxnSp>
+        <p:nvCxnSpPr>
+          <p:cNvPr id="73" name="מחבר חץ ישר 72">
+            <a:extLst>
+              <a:ext uri="{FF2B5EF4-FFF2-40B4-BE49-F238E27FC236}">
+                <a16:creationId xmlns:a16="http://schemas.microsoft.com/office/drawing/2014/main" id="{DAB6B4C1-4258-E01E-5502-73CE92D0F9CF}"/>
+              </a:ext>
+            </a:extLst>
+          </p:cNvPr>
+          <p:cNvCxnSpPr>
+            <a:cxnSpLocks/>
+          </p:cNvCxnSpPr>
+          <p:nvPr/>
+        </p:nvCxnSpPr>
+        <p:spPr>
+          <a:xfrm flipH="1">
+            <a:off x="2674008" y="3348305"/>
+            <a:ext cx="1500995" cy="224287"/>
+          </a:xfrm>
+          <a:prstGeom prst="straightConnector1">
+            <a:avLst/>
+          </a:prstGeom>
+          <a:ln>
+            <a:tailEnd type="triangle"/>
+          </a:ln>
+        </p:spPr>
+        <p:style>
+          <a:lnRef idx="1">
+            <a:schemeClr val="accent1"/>
+          </a:lnRef>
+          <a:fillRef idx="0">
+            <a:schemeClr val="accent1"/>
+          </a:fillRef>
+          <a:effectRef idx="0">
+            <a:schemeClr val="accent1"/>
+          </a:effectRef>
+          <a:fontRef idx="minor">
+            <a:schemeClr val="tx1"/>
+          </a:fontRef>
+        </p:style>
+      </p:cxnSp>
+      <p:cxnSp>
+        <p:nvCxnSpPr>
+          <p:cNvPr id="74" name="מחבר חץ ישר 73">
+            <a:extLst>
+              <a:ext uri="{FF2B5EF4-FFF2-40B4-BE49-F238E27FC236}">
+                <a16:creationId xmlns:a16="http://schemas.microsoft.com/office/drawing/2014/main" id="{4B878EEF-29E9-FB6A-BA1A-32323B79ABB4}"/>
+              </a:ext>
+            </a:extLst>
+          </p:cNvPr>
+          <p:cNvCxnSpPr>
+            <a:cxnSpLocks/>
+          </p:cNvCxnSpPr>
+          <p:nvPr/>
+        </p:nvCxnSpPr>
+        <p:spPr>
+          <a:xfrm flipH="1">
+            <a:off x="1581329" y="3305174"/>
+            <a:ext cx="2493033" cy="253042"/>
+          </a:xfrm>
+          <a:prstGeom prst="straightConnector1">
+            <a:avLst/>
+          </a:prstGeom>
+          <a:ln>
+            <a:tailEnd type="triangle"/>
+          </a:ln>
+        </p:spPr>
+        <p:style>
+          <a:lnRef idx="1">
+            <a:schemeClr val="accent1"/>
+          </a:lnRef>
+          <a:fillRef idx="0">
+            <a:schemeClr val="accent1"/>
+          </a:fillRef>
+          <a:effectRef idx="0">
+            <a:schemeClr val="accent1"/>
+          </a:effectRef>
+          <a:fontRef idx="minor">
+            <a:schemeClr val="tx1"/>
+          </a:fontRef>
+        </p:style>
+      </p:cxnSp>
+      <p:cxnSp>
+        <p:nvCxnSpPr>
+          <p:cNvPr id="75" name="מחבר חץ ישר 74">
+            <a:extLst>
+              <a:ext uri="{FF2B5EF4-FFF2-40B4-BE49-F238E27FC236}">
+                <a16:creationId xmlns:a16="http://schemas.microsoft.com/office/drawing/2014/main" id="{3D91C930-29A1-0DF4-0596-301C23E8E2FD}"/>
+              </a:ext>
+            </a:extLst>
+          </p:cNvPr>
+          <p:cNvCxnSpPr>
+            <a:cxnSpLocks/>
+          </p:cNvCxnSpPr>
+          <p:nvPr/>
+        </p:nvCxnSpPr>
+        <p:spPr>
+          <a:xfrm flipH="1">
+            <a:off x="574914" y="3233287"/>
+            <a:ext cx="3585711" cy="324929"/>
+          </a:xfrm>
+          <a:prstGeom prst="straightConnector1">
+            <a:avLst/>
+          </a:prstGeom>
+          <a:ln>
+            <a:tailEnd type="triangle"/>
+          </a:ln>
+        </p:spPr>
+        <p:style>
+          <a:lnRef idx="1">
+            <a:schemeClr val="accent1"/>
+          </a:lnRef>
+          <a:fillRef idx="0">
+            <a:schemeClr val="accent1"/>
+          </a:fillRef>
+          <a:effectRef idx="0">
+            <a:schemeClr val="accent1"/>
+          </a:effectRef>
+          <a:fontRef idx="minor">
+            <a:schemeClr val="tx1"/>
+          </a:fontRef>
+        </p:style>
+      </p:cxnSp>
+      <p:sp>
+        <p:nvSpPr>
+          <p:cNvPr id="76" name="מלבן 75">
+            <a:extLst>
+              <a:ext uri="{FF2B5EF4-FFF2-40B4-BE49-F238E27FC236}">
+                <a16:creationId xmlns:a16="http://schemas.microsoft.com/office/drawing/2014/main" id="{7900B024-7DE0-4330-65E9-4242EF979235}"/>
+              </a:ext>
+            </a:extLst>
+          </p:cNvPr>
+          <p:cNvSpPr/>
+          <p:nvPr/>
+        </p:nvSpPr>
+        <p:spPr>
+          <a:xfrm>
+            <a:off x="3126357" y="4369997"/>
+            <a:ext cx="934527" cy="345056"/>
+          </a:xfrm>
+          <a:prstGeom prst="rect">
+            <a:avLst/>
+          </a:prstGeom>
+          <a:solidFill>
+            <a:srgbClr val="C00000"/>
+          </a:solidFill>
+          <a:ln>
+            <a:noFill/>
+          </a:ln>
+        </p:spPr>
+        <p:style>
+          <a:lnRef idx="2">
+            <a:schemeClr val="accent1">
+              <a:shade val="50000"/>
+            </a:schemeClr>
+          </a:lnRef>
+          <a:fillRef idx="1">
+            <a:schemeClr val="accent1"/>
+          </a:fillRef>
+          <a:effectRef idx="0">
+            <a:schemeClr val="accent1"/>
+          </a:effectRef>
+          <a:fontRef idx="minor">
+            <a:schemeClr val="lt1"/>
+          </a:fontRef>
+        </p:style>
+        <p:txBody>
+          <a:bodyPr rot="0" spcFirstLastPara="0" vert="horz" wrap="square" lIns="91440" tIns="45720" rIns="91440" bIns="45720" numCol="1" spcCol="0" rtlCol="1" fromWordArt="0" anchor="ctr" anchorCtr="0" forceAA="0" compatLnSpc="1">
+            <a:prstTxWarp prst="textNoShape">
+              <a:avLst/>
+            </a:prstTxWarp>
+            <a:noAutofit/>
+          </a:bodyPr>
+          <a:lstStyle>
+            <a:defPPr>
+              <a:defRPr lang="he-IL"/>
+            </a:defPPr>
+            <a:lvl1pPr marL="0" algn="r" defTabSz="914400" rtl="1" eaLnBrk="1" latinLnBrk="0" hangingPunct="1">
+              <a:defRPr sz="1800" kern="1200">
+                <a:solidFill>
+                  <a:schemeClr val="lt1"/>
+                </a:solidFill>
+                <a:latin typeface="+mn-lt"/>
+                <a:ea typeface="+mn-ea"/>
+                <a:cs typeface="+mn-cs"/>
+              </a:defRPr>
+            </a:lvl1pPr>
+            <a:lvl2pPr marL="457200" algn="r" defTabSz="914400" rtl="1" eaLnBrk="1" latinLnBrk="0" hangingPunct="1">
+              <a:defRPr sz="1800" kern="1200">
+                <a:solidFill>
+                  <a:schemeClr val="lt1"/>
+                </a:solidFill>
+                <a:latin typeface="+mn-lt"/>
+                <a:ea typeface="+mn-ea"/>
+                <a:cs typeface="+mn-cs"/>
+              </a:defRPr>
+            </a:lvl2pPr>
+            <a:lvl3pPr marL="914400" algn="r" defTabSz="914400" rtl="1" eaLnBrk="1" latinLnBrk="0" hangingPunct="1">
+              <a:defRPr sz="1800" kern="1200">
+                <a:solidFill>
+                  <a:schemeClr val="lt1"/>
+                </a:solidFill>
+                <a:latin typeface="+mn-lt"/>
+                <a:ea typeface="+mn-ea"/>
+                <a:cs typeface="+mn-cs"/>
+              </a:defRPr>
+            </a:lvl3pPr>
+            <a:lvl4pPr marL="1371600" algn="r" defTabSz="914400" rtl="1" eaLnBrk="1" latinLnBrk="0" hangingPunct="1">
+              <a:defRPr sz="1800" kern="1200">
+                <a:solidFill>
+                  <a:schemeClr val="lt1"/>
+                </a:solidFill>
+                <a:latin typeface="+mn-lt"/>
+                <a:ea typeface="+mn-ea"/>
+                <a:cs typeface="+mn-cs"/>
+              </a:defRPr>
+            </a:lvl4pPr>
+            <a:lvl5pPr marL="1828800" algn="r" defTabSz="914400" rtl="1" eaLnBrk="1" latinLnBrk="0" hangingPunct="1">
+              <a:defRPr sz="1800" kern="1200">
+                <a:solidFill>
+                  <a:schemeClr val="lt1"/>
+                </a:solidFill>
+                <a:latin typeface="+mn-lt"/>
+                <a:ea typeface="+mn-ea"/>
+                <a:cs typeface="+mn-cs"/>
+              </a:defRPr>
+            </a:lvl5pPr>
+            <a:lvl6pPr marL="2286000" algn="r" defTabSz="914400" rtl="1" eaLnBrk="1" latinLnBrk="0" hangingPunct="1">
+              <a:defRPr sz="1800" kern="1200">
+                <a:solidFill>
+                  <a:schemeClr val="lt1"/>
+                </a:solidFill>
+                <a:latin typeface="+mn-lt"/>
+                <a:ea typeface="+mn-ea"/>
+                <a:cs typeface="+mn-cs"/>
+              </a:defRPr>
+            </a:lvl6pPr>
+            <a:lvl7pPr marL="2743200" algn="r" defTabSz="914400" rtl="1" eaLnBrk="1" latinLnBrk="0" hangingPunct="1">
+              <a:defRPr sz="1800" kern="1200">
+                <a:solidFill>
+                  <a:schemeClr val="lt1"/>
+                </a:solidFill>
+                <a:latin typeface="+mn-lt"/>
+                <a:ea typeface="+mn-ea"/>
+                <a:cs typeface="+mn-cs"/>
+              </a:defRPr>
+            </a:lvl7pPr>
+            <a:lvl8pPr marL="3200400" algn="r" defTabSz="914400" rtl="1" eaLnBrk="1" latinLnBrk="0" hangingPunct="1">
+              <a:defRPr sz="1800" kern="1200">
+                <a:solidFill>
+                  <a:schemeClr val="lt1"/>
+                </a:solidFill>
+                <a:latin typeface="+mn-lt"/>
+                <a:ea typeface="+mn-ea"/>
+                <a:cs typeface="+mn-cs"/>
+              </a:defRPr>
+            </a:lvl8pPr>
+            <a:lvl9pPr marL="3657600" algn="r" defTabSz="914400" rtl="1" eaLnBrk="1" latinLnBrk="0" hangingPunct="1">
+              <a:defRPr sz="1800" kern="1200">
+                <a:solidFill>
+                  <a:schemeClr val="lt1"/>
+                </a:solidFill>
+                <a:latin typeface="+mn-lt"/>
+                <a:ea typeface="+mn-ea"/>
+                <a:cs typeface="+mn-cs"/>
+              </a:defRPr>
+            </a:lvl9pPr>
+          </a:lstStyle>
+          <a:p>
+            <a:pPr algn="ctr"/>
+            <a:r>
+              <a:rPr lang="he-IL" dirty="0">
+                <a:cs typeface="Arial"/>
+              </a:rPr>
+              <a:t>הוספה</a:t>
+            </a:r>
+            <a:endParaRPr lang="he-IL" dirty="0"/>
+          </a:p>
+        </p:txBody>
+      </p:sp>
+      <p:sp>
+        <p:nvSpPr>
+          <p:cNvPr id="77" name="מלבן 76">
+            <a:extLst>
+              <a:ext uri="{FF2B5EF4-FFF2-40B4-BE49-F238E27FC236}">
+                <a16:creationId xmlns:a16="http://schemas.microsoft.com/office/drawing/2014/main" id="{D9DD9983-2BD8-7DFC-1700-7577A25786D2}"/>
+              </a:ext>
+            </a:extLst>
+          </p:cNvPr>
+          <p:cNvSpPr/>
+          <p:nvPr/>
+        </p:nvSpPr>
+        <p:spPr>
+          <a:xfrm>
+            <a:off x="35223" y="4369996"/>
+            <a:ext cx="934527" cy="345056"/>
+          </a:xfrm>
+          <a:prstGeom prst="rect">
+            <a:avLst/>
+          </a:prstGeom>
+          <a:solidFill>
+            <a:srgbClr val="C00000"/>
+          </a:solidFill>
+          <a:ln>
+            <a:noFill/>
+          </a:ln>
+        </p:spPr>
+        <p:style>
+          <a:lnRef idx="2">
+            <a:schemeClr val="accent1">
+              <a:shade val="50000"/>
+            </a:schemeClr>
+          </a:lnRef>
+          <a:fillRef idx="1">
+            <a:schemeClr val="accent1"/>
+          </a:fillRef>
+          <a:effectRef idx="0">
+            <a:schemeClr val="accent1"/>
+          </a:effectRef>
+          <a:fontRef idx="minor">
+            <a:schemeClr val="lt1"/>
+          </a:fontRef>
+        </p:style>
+        <p:txBody>
+          <a:bodyPr lIns="91440" tIns="45720" rIns="91440" bIns="45720" rtlCol="1" anchor="ctr"/>
+          <a:lstStyle>
+            <a:defPPr>
+              <a:defRPr lang="he-IL"/>
+            </a:defPPr>
+            <a:lvl1pPr marL="0" algn="r" defTabSz="914400" rtl="1" eaLnBrk="1" latinLnBrk="0" hangingPunct="1">
+              <a:defRPr sz="1800" kern="1200">
+                <a:solidFill>
+                  <a:schemeClr val="lt1"/>
+                </a:solidFill>
+                <a:latin typeface="+mn-lt"/>
+                <a:ea typeface="+mn-ea"/>
+                <a:cs typeface="+mn-cs"/>
+              </a:defRPr>
+            </a:lvl1pPr>
+            <a:lvl2pPr marL="457200" algn="r" defTabSz="914400" rtl="1" eaLnBrk="1" latinLnBrk="0" hangingPunct="1">
+              <a:defRPr sz="1800" kern="1200">
+                <a:solidFill>
+                  <a:schemeClr val="lt1"/>
+                </a:solidFill>
+                <a:latin typeface="+mn-lt"/>
+                <a:ea typeface="+mn-ea"/>
+                <a:cs typeface="+mn-cs"/>
+              </a:defRPr>
+            </a:lvl2pPr>
+            <a:lvl3pPr marL="914400" algn="r" defTabSz="914400" rtl="1" eaLnBrk="1" latinLnBrk="0" hangingPunct="1">
+              <a:defRPr sz="1800" kern="1200">
+                <a:solidFill>
+                  <a:schemeClr val="lt1"/>
+                </a:solidFill>
+                <a:latin typeface="+mn-lt"/>
+                <a:ea typeface="+mn-ea"/>
+                <a:cs typeface="+mn-cs"/>
+              </a:defRPr>
+            </a:lvl3pPr>
+            <a:lvl4pPr marL="1371600" algn="r" defTabSz="914400" rtl="1" eaLnBrk="1" latinLnBrk="0" hangingPunct="1">
+              <a:defRPr sz="1800" kern="1200">
+                <a:solidFill>
+                  <a:schemeClr val="lt1"/>
+                </a:solidFill>
+                <a:latin typeface="+mn-lt"/>
+                <a:ea typeface="+mn-ea"/>
+                <a:cs typeface="+mn-cs"/>
+              </a:defRPr>
+            </a:lvl4pPr>
+            <a:lvl5pPr marL="1828800" algn="r" defTabSz="914400" rtl="1" eaLnBrk="1" latinLnBrk="0" hangingPunct="1">
+              <a:defRPr sz="1800" kern="1200">
+                <a:solidFill>
+                  <a:schemeClr val="lt1"/>
+                </a:solidFill>
+                <a:latin typeface="+mn-lt"/>
+                <a:ea typeface="+mn-ea"/>
+                <a:cs typeface="+mn-cs"/>
+              </a:defRPr>
+            </a:lvl5pPr>
+            <a:lvl6pPr marL="2286000" algn="r" defTabSz="914400" rtl="1" eaLnBrk="1" latinLnBrk="0" hangingPunct="1">
+              <a:defRPr sz="1800" kern="1200">
+                <a:solidFill>
+                  <a:schemeClr val="lt1"/>
+                </a:solidFill>
+                <a:latin typeface="+mn-lt"/>
+                <a:ea typeface="+mn-ea"/>
+                <a:cs typeface="+mn-cs"/>
+              </a:defRPr>
+            </a:lvl6pPr>
+            <a:lvl7pPr marL="2743200" algn="r" defTabSz="914400" rtl="1" eaLnBrk="1" latinLnBrk="0" hangingPunct="1">
+              <a:defRPr sz="1800" kern="1200">
+                <a:solidFill>
+                  <a:schemeClr val="lt1"/>
+                </a:solidFill>
+                <a:latin typeface="+mn-lt"/>
+                <a:ea typeface="+mn-ea"/>
+                <a:cs typeface="+mn-cs"/>
+              </a:defRPr>
+            </a:lvl7pPr>
+            <a:lvl8pPr marL="3200400" algn="r" defTabSz="914400" rtl="1" eaLnBrk="1" latinLnBrk="0" hangingPunct="1">
+              <a:defRPr sz="1800" kern="1200">
+                <a:solidFill>
+                  <a:schemeClr val="lt1"/>
+                </a:solidFill>
+                <a:latin typeface="+mn-lt"/>
+                <a:ea typeface="+mn-ea"/>
+                <a:cs typeface="+mn-cs"/>
+              </a:defRPr>
+            </a:lvl8pPr>
+            <a:lvl9pPr marL="3657600" algn="r" defTabSz="914400" rtl="1" eaLnBrk="1" latinLnBrk="0" hangingPunct="1">
+              <a:defRPr sz="1800" kern="1200">
+                <a:solidFill>
+                  <a:schemeClr val="lt1"/>
+                </a:solidFill>
+                <a:latin typeface="+mn-lt"/>
+                <a:ea typeface="+mn-ea"/>
+                <a:cs typeface="+mn-cs"/>
+              </a:defRPr>
+            </a:lvl9pPr>
+          </a:lstStyle>
+          <a:p>
+            <a:pPr algn="ctr"/>
+            <a:r>
+              <a:rPr lang="he-IL" dirty="0">
+                <a:cs typeface="Arial"/>
+              </a:rPr>
+              <a:t>עדכון</a:t>
+            </a:r>
+            <a:endParaRPr lang="he-IL" dirty="0"/>
+          </a:p>
+        </p:txBody>
+      </p:sp>
+      <p:sp>
+        <p:nvSpPr>
+          <p:cNvPr id="78" name="מלבן 77">
+            <a:extLst>
+              <a:ext uri="{FF2B5EF4-FFF2-40B4-BE49-F238E27FC236}">
+                <a16:creationId xmlns:a16="http://schemas.microsoft.com/office/drawing/2014/main" id="{5F36D6B2-B248-AB8F-ACDF-277051FEA967}"/>
+              </a:ext>
+            </a:extLst>
+          </p:cNvPr>
+          <p:cNvSpPr/>
+          <p:nvPr/>
+        </p:nvSpPr>
+        <p:spPr>
+          <a:xfrm>
+            <a:off x="1113527" y="4355620"/>
+            <a:ext cx="934527" cy="345056"/>
+          </a:xfrm>
+          <a:prstGeom prst="rect">
+            <a:avLst/>
+          </a:prstGeom>
+          <a:solidFill>
+            <a:srgbClr val="C00000"/>
+          </a:solidFill>
+          <a:ln>
+            <a:noFill/>
+          </a:ln>
+        </p:spPr>
+        <p:style>
+          <a:lnRef idx="2">
+            <a:schemeClr val="accent1">
+              <a:shade val="50000"/>
+            </a:schemeClr>
+          </a:lnRef>
+          <a:fillRef idx="1">
+            <a:schemeClr val="accent1"/>
+          </a:fillRef>
+          <a:effectRef idx="0">
+            <a:schemeClr val="accent1"/>
+          </a:effectRef>
+          <a:fontRef idx="minor">
+            <a:schemeClr val="lt1"/>
+          </a:fontRef>
+        </p:style>
+        <p:txBody>
+          <a:bodyPr lIns="91440" tIns="45720" rIns="91440" bIns="45720" rtlCol="1" anchor="ctr"/>
+          <a:lstStyle>
+            <a:defPPr>
+              <a:defRPr lang="he-IL"/>
+            </a:defPPr>
+            <a:lvl1pPr marL="0" algn="r" defTabSz="914400" rtl="1" eaLnBrk="1" latinLnBrk="0" hangingPunct="1">
+              <a:defRPr sz="1800" kern="1200">
+                <a:solidFill>
+                  <a:schemeClr val="lt1"/>
+                </a:solidFill>
+                <a:latin typeface="+mn-lt"/>
+                <a:ea typeface="+mn-ea"/>
+                <a:cs typeface="+mn-cs"/>
+              </a:defRPr>
+            </a:lvl1pPr>
+            <a:lvl2pPr marL="457200" algn="r" defTabSz="914400" rtl="1" eaLnBrk="1" latinLnBrk="0" hangingPunct="1">
+              <a:defRPr sz="1800" kern="1200">
+                <a:solidFill>
+                  <a:schemeClr val="lt1"/>
+                </a:solidFill>
+                <a:latin typeface="+mn-lt"/>
+                <a:ea typeface="+mn-ea"/>
+                <a:cs typeface="+mn-cs"/>
+              </a:defRPr>
+            </a:lvl2pPr>
+            <a:lvl3pPr marL="914400" algn="r" defTabSz="914400" rtl="1" eaLnBrk="1" latinLnBrk="0" hangingPunct="1">
+              <a:defRPr sz="1800" kern="1200">
+                <a:solidFill>
+                  <a:schemeClr val="lt1"/>
+                </a:solidFill>
+                <a:latin typeface="+mn-lt"/>
+                <a:ea typeface="+mn-ea"/>
+                <a:cs typeface="+mn-cs"/>
+              </a:defRPr>
+            </a:lvl3pPr>
+            <a:lvl4pPr marL="1371600" algn="r" defTabSz="914400" rtl="1" eaLnBrk="1" latinLnBrk="0" hangingPunct="1">
+              <a:defRPr sz="1800" kern="1200">
+                <a:solidFill>
+                  <a:schemeClr val="lt1"/>
+                </a:solidFill>
+                <a:latin typeface="+mn-lt"/>
+                <a:ea typeface="+mn-ea"/>
+                <a:cs typeface="+mn-cs"/>
+              </a:defRPr>
+            </a:lvl4pPr>
+            <a:lvl5pPr marL="1828800" algn="r" defTabSz="914400" rtl="1" eaLnBrk="1" latinLnBrk="0" hangingPunct="1">
+              <a:defRPr sz="1800" kern="1200">
+                <a:solidFill>
+                  <a:schemeClr val="lt1"/>
+                </a:solidFill>
+                <a:latin typeface="+mn-lt"/>
+                <a:ea typeface="+mn-ea"/>
+                <a:cs typeface="+mn-cs"/>
+              </a:defRPr>
+            </a:lvl5pPr>
+            <a:lvl6pPr marL="2286000" algn="r" defTabSz="914400" rtl="1" eaLnBrk="1" latinLnBrk="0" hangingPunct="1">
+              <a:defRPr sz="1800" kern="1200">
+                <a:solidFill>
+                  <a:schemeClr val="lt1"/>
+                </a:solidFill>
+                <a:latin typeface="+mn-lt"/>
+                <a:ea typeface="+mn-ea"/>
+                <a:cs typeface="+mn-cs"/>
+              </a:defRPr>
+            </a:lvl6pPr>
+            <a:lvl7pPr marL="2743200" algn="r" defTabSz="914400" rtl="1" eaLnBrk="1" latinLnBrk="0" hangingPunct="1">
+              <a:defRPr sz="1800" kern="1200">
+                <a:solidFill>
+                  <a:schemeClr val="lt1"/>
+                </a:solidFill>
+                <a:latin typeface="+mn-lt"/>
+                <a:ea typeface="+mn-ea"/>
+                <a:cs typeface="+mn-cs"/>
+              </a:defRPr>
+            </a:lvl7pPr>
+            <a:lvl8pPr marL="3200400" algn="r" defTabSz="914400" rtl="1" eaLnBrk="1" latinLnBrk="0" hangingPunct="1">
+              <a:defRPr sz="1800" kern="1200">
+                <a:solidFill>
+                  <a:schemeClr val="lt1"/>
+                </a:solidFill>
+                <a:latin typeface="+mn-lt"/>
+                <a:ea typeface="+mn-ea"/>
+                <a:cs typeface="+mn-cs"/>
+              </a:defRPr>
+            </a:lvl8pPr>
+            <a:lvl9pPr marL="3657600" algn="r" defTabSz="914400" rtl="1" eaLnBrk="1" latinLnBrk="0" hangingPunct="1">
+              <a:defRPr sz="1800" kern="1200">
+                <a:solidFill>
+                  <a:schemeClr val="lt1"/>
+                </a:solidFill>
+                <a:latin typeface="+mn-lt"/>
+                <a:ea typeface="+mn-ea"/>
+                <a:cs typeface="+mn-cs"/>
+              </a:defRPr>
+            </a:lvl9pPr>
+          </a:lstStyle>
+          <a:p>
+            <a:pPr algn="ctr"/>
+            <a:r>
+              <a:rPr lang="he-IL" dirty="0">
+                <a:cs typeface="Arial"/>
+              </a:rPr>
+              <a:t>צפיה</a:t>
+            </a:r>
+            <a:endParaRPr lang="he-IL" dirty="0"/>
+          </a:p>
+        </p:txBody>
+      </p:sp>
+      <p:sp>
+        <p:nvSpPr>
+          <p:cNvPr id="79" name="מלבן 78">
+            <a:extLst>
+              <a:ext uri="{FF2B5EF4-FFF2-40B4-BE49-F238E27FC236}">
+                <a16:creationId xmlns:a16="http://schemas.microsoft.com/office/drawing/2014/main" id="{4B50DBD9-A551-5479-AFEC-C065B8AD08C6}"/>
+              </a:ext>
+            </a:extLst>
+          </p:cNvPr>
+          <p:cNvSpPr/>
+          <p:nvPr/>
+        </p:nvSpPr>
+        <p:spPr>
+          <a:xfrm>
+            <a:off x="2119941" y="4355619"/>
+            <a:ext cx="934527" cy="345056"/>
+          </a:xfrm>
+          <a:prstGeom prst="rect">
+            <a:avLst/>
+          </a:prstGeom>
+          <a:solidFill>
+            <a:srgbClr val="C00000"/>
+          </a:solidFill>
+          <a:ln>
+            <a:noFill/>
+          </a:ln>
+        </p:spPr>
+        <p:style>
+          <a:lnRef idx="2">
+            <a:schemeClr val="accent1">
+              <a:shade val="50000"/>
+            </a:schemeClr>
+          </a:lnRef>
+          <a:fillRef idx="1">
+            <a:schemeClr val="accent1"/>
+          </a:fillRef>
+          <a:effectRef idx="0">
+            <a:schemeClr val="accent1"/>
+          </a:effectRef>
+          <a:fontRef idx="minor">
+            <a:schemeClr val="lt1"/>
+          </a:fontRef>
+        </p:style>
+        <p:txBody>
+          <a:bodyPr lIns="91440" tIns="45720" rIns="91440" bIns="45720" rtlCol="1" anchor="ctr"/>
+          <a:lstStyle>
+            <a:defPPr>
+              <a:defRPr lang="he-IL"/>
+            </a:defPPr>
+            <a:lvl1pPr marL="0" algn="r" defTabSz="914400" rtl="1" eaLnBrk="1" latinLnBrk="0" hangingPunct="1">
+              <a:defRPr sz="1800" kern="1200">
+                <a:solidFill>
+                  <a:schemeClr val="lt1"/>
+                </a:solidFill>
+                <a:latin typeface="+mn-lt"/>
+                <a:ea typeface="+mn-ea"/>
+                <a:cs typeface="+mn-cs"/>
+              </a:defRPr>
+            </a:lvl1pPr>
+            <a:lvl2pPr marL="457200" algn="r" defTabSz="914400" rtl="1" eaLnBrk="1" latinLnBrk="0" hangingPunct="1">
+              <a:defRPr sz="1800" kern="1200">
+                <a:solidFill>
+                  <a:schemeClr val="lt1"/>
+                </a:solidFill>
+                <a:latin typeface="+mn-lt"/>
+                <a:ea typeface="+mn-ea"/>
+                <a:cs typeface="+mn-cs"/>
+              </a:defRPr>
+            </a:lvl2pPr>
+            <a:lvl3pPr marL="914400" algn="r" defTabSz="914400" rtl="1" eaLnBrk="1" latinLnBrk="0" hangingPunct="1">
+              <a:defRPr sz="1800" kern="1200">
+                <a:solidFill>
+                  <a:schemeClr val="lt1"/>
+                </a:solidFill>
+                <a:latin typeface="+mn-lt"/>
+                <a:ea typeface="+mn-ea"/>
+                <a:cs typeface="+mn-cs"/>
+              </a:defRPr>
+            </a:lvl3pPr>
+            <a:lvl4pPr marL="1371600" algn="r" defTabSz="914400" rtl="1" eaLnBrk="1" latinLnBrk="0" hangingPunct="1">
+              <a:defRPr sz="1800" kern="1200">
+                <a:solidFill>
+                  <a:schemeClr val="lt1"/>
+                </a:solidFill>
+                <a:latin typeface="+mn-lt"/>
+                <a:ea typeface="+mn-ea"/>
+                <a:cs typeface="+mn-cs"/>
+              </a:defRPr>
+            </a:lvl4pPr>
+            <a:lvl5pPr marL="1828800" algn="r" defTabSz="914400" rtl="1" eaLnBrk="1" latinLnBrk="0" hangingPunct="1">
+              <a:defRPr sz="1800" kern="1200">
+                <a:solidFill>
+                  <a:schemeClr val="lt1"/>
+                </a:solidFill>
+                <a:latin typeface="+mn-lt"/>
+                <a:ea typeface="+mn-ea"/>
+                <a:cs typeface="+mn-cs"/>
+              </a:defRPr>
+            </a:lvl5pPr>
+            <a:lvl6pPr marL="2286000" algn="r" defTabSz="914400" rtl="1" eaLnBrk="1" latinLnBrk="0" hangingPunct="1">
+              <a:defRPr sz="1800" kern="1200">
+                <a:solidFill>
+                  <a:schemeClr val="lt1"/>
+                </a:solidFill>
+                <a:latin typeface="+mn-lt"/>
+                <a:ea typeface="+mn-ea"/>
+                <a:cs typeface="+mn-cs"/>
+              </a:defRPr>
+            </a:lvl6pPr>
+            <a:lvl7pPr marL="2743200" algn="r" defTabSz="914400" rtl="1" eaLnBrk="1" latinLnBrk="0" hangingPunct="1">
+              <a:defRPr sz="1800" kern="1200">
+                <a:solidFill>
+                  <a:schemeClr val="lt1"/>
+                </a:solidFill>
+                <a:latin typeface="+mn-lt"/>
+                <a:ea typeface="+mn-ea"/>
+                <a:cs typeface="+mn-cs"/>
+              </a:defRPr>
+            </a:lvl7pPr>
+            <a:lvl8pPr marL="3200400" algn="r" defTabSz="914400" rtl="1" eaLnBrk="1" latinLnBrk="0" hangingPunct="1">
+              <a:defRPr sz="1800" kern="1200">
+                <a:solidFill>
+                  <a:schemeClr val="lt1"/>
+                </a:solidFill>
+                <a:latin typeface="+mn-lt"/>
+                <a:ea typeface="+mn-ea"/>
+                <a:cs typeface="+mn-cs"/>
+              </a:defRPr>
+            </a:lvl8pPr>
+            <a:lvl9pPr marL="3657600" algn="r" defTabSz="914400" rtl="1" eaLnBrk="1" latinLnBrk="0" hangingPunct="1">
+              <a:defRPr sz="1800" kern="1200">
+                <a:solidFill>
+                  <a:schemeClr val="lt1"/>
+                </a:solidFill>
+                <a:latin typeface="+mn-lt"/>
+                <a:ea typeface="+mn-ea"/>
+                <a:cs typeface="+mn-cs"/>
+              </a:defRPr>
+            </a:lvl9pPr>
+          </a:lstStyle>
+          <a:p>
+            <a:pPr algn="ctr"/>
+            <a:r>
+              <a:rPr lang="he-IL" dirty="0">
+                <a:cs typeface="Arial"/>
+              </a:rPr>
+              <a:t>מחיקה</a:t>
+            </a:r>
+            <a:endParaRPr lang="he-IL" dirty="0"/>
+          </a:p>
+        </p:txBody>
+      </p:sp>
+      <p:cxnSp>
+        <p:nvCxnSpPr>
+          <p:cNvPr id="80" name="מחבר חץ ישר 79">
+            <a:extLst>
+              <a:ext uri="{FF2B5EF4-FFF2-40B4-BE49-F238E27FC236}">
+                <a16:creationId xmlns:a16="http://schemas.microsoft.com/office/drawing/2014/main" id="{59E07A83-E99A-3466-6D33-E32FA18F68EE}"/>
+              </a:ext>
+            </a:extLst>
+          </p:cNvPr>
+          <p:cNvCxnSpPr/>
+          <p:nvPr/>
+        </p:nvCxnSpPr>
+        <p:spPr>
+          <a:xfrm flipH="1">
+            <a:off x="3680424" y="4139060"/>
+            <a:ext cx="494581" cy="152401"/>
+          </a:xfrm>
+          <a:prstGeom prst="straightConnector1">
+            <a:avLst/>
+          </a:prstGeom>
+          <a:ln>
+            <a:tailEnd type="triangle"/>
+          </a:ln>
+        </p:spPr>
+        <p:style>
+          <a:lnRef idx="1">
+            <a:schemeClr val="accent1"/>
+          </a:lnRef>
+          <a:fillRef idx="0">
+            <a:schemeClr val="accent1"/>
+          </a:fillRef>
+          <a:effectRef idx="0">
+            <a:schemeClr val="accent1"/>
+          </a:effectRef>
+          <a:fontRef idx="minor">
+            <a:schemeClr val="tx1"/>
+          </a:fontRef>
+        </p:style>
+      </p:cxnSp>
+      <p:cxnSp>
+        <p:nvCxnSpPr>
+          <p:cNvPr id="81" name="מחבר חץ ישר 80">
+            <a:extLst>
+              <a:ext uri="{FF2B5EF4-FFF2-40B4-BE49-F238E27FC236}">
+                <a16:creationId xmlns:a16="http://schemas.microsoft.com/office/drawing/2014/main" id="{88F7FAC6-BBC2-3808-5642-52A14C1D8503}"/>
+              </a:ext>
+            </a:extLst>
+          </p:cNvPr>
+          <p:cNvCxnSpPr>
+            <a:cxnSpLocks/>
+          </p:cNvCxnSpPr>
+          <p:nvPr/>
+        </p:nvCxnSpPr>
+        <p:spPr>
+          <a:xfrm flipH="1">
+            <a:off x="2702763" y="4081550"/>
+            <a:ext cx="1500995" cy="224287"/>
+          </a:xfrm>
+          <a:prstGeom prst="straightConnector1">
+            <a:avLst/>
+          </a:prstGeom>
+          <a:ln>
+            <a:tailEnd type="triangle"/>
+          </a:ln>
+        </p:spPr>
+        <p:style>
+          <a:lnRef idx="1">
+            <a:schemeClr val="accent1"/>
+          </a:lnRef>
+          <a:fillRef idx="0">
+            <a:schemeClr val="accent1"/>
+          </a:fillRef>
+          <a:effectRef idx="0">
+            <a:schemeClr val="accent1"/>
+          </a:effectRef>
+          <a:fontRef idx="minor">
+            <a:schemeClr val="tx1"/>
+          </a:fontRef>
+        </p:style>
+      </p:cxnSp>
+      <p:cxnSp>
+        <p:nvCxnSpPr>
+          <p:cNvPr id="82" name="מחבר חץ ישר 81">
+            <a:extLst>
+              <a:ext uri="{FF2B5EF4-FFF2-40B4-BE49-F238E27FC236}">
+                <a16:creationId xmlns:a16="http://schemas.microsoft.com/office/drawing/2014/main" id="{8DC45FD9-F5C3-F760-3E27-31DC1093570F}"/>
+              </a:ext>
+            </a:extLst>
+          </p:cNvPr>
+          <p:cNvCxnSpPr>
+            <a:cxnSpLocks/>
+          </p:cNvCxnSpPr>
+          <p:nvPr/>
+        </p:nvCxnSpPr>
+        <p:spPr>
+          <a:xfrm flipH="1">
+            <a:off x="1610084" y="4038419"/>
+            <a:ext cx="2493033" cy="253042"/>
+          </a:xfrm>
+          <a:prstGeom prst="straightConnector1">
+            <a:avLst/>
+          </a:prstGeom>
+          <a:ln>
+            <a:tailEnd type="triangle"/>
+          </a:ln>
+        </p:spPr>
+        <p:style>
+          <a:lnRef idx="1">
+            <a:schemeClr val="accent1"/>
+          </a:lnRef>
+          <a:fillRef idx="0">
+            <a:schemeClr val="accent1"/>
+          </a:fillRef>
+          <a:effectRef idx="0">
+            <a:schemeClr val="accent1"/>
+          </a:effectRef>
+          <a:fontRef idx="minor">
+            <a:schemeClr val="tx1"/>
+          </a:fontRef>
+        </p:style>
+      </p:cxnSp>
+      <p:cxnSp>
+        <p:nvCxnSpPr>
+          <p:cNvPr id="83" name="מחבר חץ ישר 82">
+            <a:extLst>
+              <a:ext uri="{FF2B5EF4-FFF2-40B4-BE49-F238E27FC236}">
+                <a16:creationId xmlns:a16="http://schemas.microsoft.com/office/drawing/2014/main" id="{113CCC06-5638-785F-E426-5155E5176283}"/>
+              </a:ext>
+            </a:extLst>
+          </p:cNvPr>
+          <p:cNvCxnSpPr>
+            <a:cxnSpLocks/>
+          </p:cNvCxnSpPr>
+          <p:nvPr/>
+        </p:nvCxnSpPr>
+        <p:spPr>
+          <a:xfrm flipH="1">
+            <a:off x="503028" y="3980911"/>
+            <a:ext cx="3585711" cy="324929"/>
+          </a:xfrm>
+          <a:prstGeom prst="straightConnector1">
+            <a:avLst/>
+          </a:prstGeom>
+          <a:ln>
+            <a:tailEnd type="triangle"/>
+          </a:ln>
+        </p:spPr>
+        <p:style>
+          <a:lnRef idx="1">
+            <a:schemeClr val="accent1"/>
+          </a:lnRef>
+          <a:fillRef idx="0">
+            <a:schemeClr val="accent1"/>
+          </a:fillRef>
+          <a:effectRef idx="0">
+            <a:schemeClr val="accent1"/>
+          </a:effectRef>
+          <a:fontRef idx="minor">
+            <a:schemeClr val="tx1"/>
+          </a:fontRef>
+        </p:style>
+      </p:cxnSp>
+      <p:sp>
+        <p:nvSpPr>
+          <p:cNvPr id="84" name="מלבן 83">
+            <a:extLst>
+              <a:ext uri="{FF2B5EF4-FFF2-40B4-BE49-F238E27FC236}">
+                <a16:creationId xmlns:a16="http://schemas.microsoft.com/office/drawing/2014/main" id="{7900B024-7DE0-4330-65E9-4242EF979235}"/>
+              </a:ext>
+            </a:extLst>
+          </p:cNvPr>
+          <p:cNvSpPr/>
+          <p:nvPr/>
+        </p:nvSpPr>
+        <p:spPr>
+          <a:xfrm>
+            <a:off x="3053572" y="5174232"/>
+            <a:ext cx="934527" cy="345056"/>
+          </a:xfrm>
+          <a:prstGeom prst="rect">
+            <a:avLst/>
+          </a:prstGeom>
+          <a:solidFill>
+            <a:srgbClr val="C00000"/>
+          </a:solidFill>
+          <a:ln>
+            <a:noFill/>
+          </a:ln>
+        </p:spPr>
+        <p:style>
+          <a:lnRef idx="2">
+            <a:schemeClr val="accent1">
+              <a:shade val="50000"/>
+            </a:schemeClr>
+          </a:lnRef>
+          <a:fillRef idx="1">
+            <a:schemeClr val="accent1"/>
+          </a:fillRef>
+          <a:effectRef idx="0">
+            <a:schemeClr val="accent1"/>
+          </a:effectRef>
+          <a:fontRef idx="minor">
+            <a:schemeClr val="lt1"/>
+          </a:fontRef>
+        </p:style>
+        <p:txBody>
+          <a:bodyPr rot="0" spcFirstLastPara="0" vert="horz" wrap="square" lIns="91440" tIns="45720" rIns="91440" bIns="45720" numCol="1" spcCol="0" rtlCol="1" fromWordArt="0" anchor="ctr" anchorCtr="0" forceAA="0" compatLnSpc="1">
+            <a:prstTxWarp prst="textNoShape">
+              <a:avLst/>
+            </a:prstTxWarp>
+            <a:noAutofit/>
+          </a:bodyPr>
+          <a:lstStyle>
+            <a:defPPr>
+              <a:defRPr lang="he-IL"/>
+            </a:defPPr>
+            <a:lvl1pPr marL="0" algn="r" defTabSz="914400" rtl="1" eaLnBrk="1" latinLnBrk="0" hangingPunct="1">
+              <a:defRPr sz="1800" kern="1200">
+                <a:solidFill>
+                  <a:schemeClr val="lt1"/>
+                </a:solidFill>
+                <a:latin typeface="+mn-lt"/>
+                <a:ea typeface="+mn-ea"/>
+                <a:cs typeface="+mn-cs"/>
+              </a:defRPr>
+            </a:lvl1pPr>
+            <a:lvl2pPr marL="457200" algn="r" defTabSz="914400" rtl="1" eaLnBrk="1" latinLnBrk="0" hangingPunct="1">
+              <a:defRPr sz="1800" kern="1200">
+                <a:solidFill>
+                  <a:schemeClr val="lt1"/>
+                </a:solidFill>
+                <a:latin typeface="+mn-lt"/>
+                <a:ea typeface="+mn-ea"/>
+                <a:cs typeface="+mn-cs"/>
+              </a:defRPr>
+            </a:lvl2pPr>
+            <a:lvl3pPr marL="914400" algn="r" defTabSz="914400" rtl="1" eaLnBrk="1" latinLnBrk="0" hangingPunct="1">
+              <a:defRPr sz="1800" kern="1200">
+                <a:solidFill>
+                  <a:schemeClr val="lt1"/>
+                </a:solidFill>
+                <a:latin typeface="+mn-lt"/>
+                <a:ea typeface="+mn-ea"/>
+                <a:cs typeface="+mn-cs"/>
+              </a:defRPr>
+            </a:lvl3pPr>
+            <a:lvl4pPr marL="1371600" algn="r" defTabSz="914400" rtl="1" eaLnBrk="1" latinLnBrk="0" hangingPunct="1">
+              <a:defRPr sz="1800" kern="1200">
+                <a:solidFill>
+                  <a:schemeClr val="lt1"/>
+                </a:solidFill>
+                <a:latin typeface="+mn-lt"/>
+                <a:ea typeface="+mn-ea"/>
+                <a:cs typeface="+mn-cs"/>
+              </a:defRPr>
+            </a:lvl4pPr>
+            <a:lvl5pPr marL="1828800" algn="r" defTabSz="914400" rtl="1" eaLnBrk="1" latinLnBrk="0" hangingPunct="1">
+              <a:defRPr sz="1800" kern="1200">
+                <a:solidFill>
+                  <a:schemeClr val="lt1"/>
+                </a:solidFill>
+                <a:latin typeface="+mn-lt"/>
+                <a:ea typeface="+mn-ea"/>
+                <a:cs typeface="+mn-cs"/>
+              </a:defRPr>
+            </a:lvl5pPr>
+            <a:lvl6pPr marL="2286000" algn="r" defTabSz="914400" rtl="1" eaLnBrk="1" latinLnBrk="0" hangingPunct="1">
+              <a:defRPr sz="1800" kern="1200">
+                <a:solidFill>
+                  <a:schemeClr val="lt1"/>
+                </a:solidFill>
+                <a:latin typeface="+mn-lt"/>
+                <a:ea typeface="+mn-ea"/>
+                <a:cs typeface="+mn-cs"/>
+              </a:defRPr>
+            </a:lvl6pPr>
+            <a:lvl7pPr marL="2743200" algn="r" defTabSz="914400" rtl="1" eaLnBrk="1" latinLnBrk="0" hangingPunct="1">
+              <a:defRPr sz="1800" kern="1200">
+                <a:solidFill>
+                  <a:schemeClr val="lt1"/>
+                </a:solidFill>
+                <a:latin typeface="+mn-lt"/>
+                <a:ea typeface="+mn-ea"/>
+                <a:cs typeface="+mn-cs"/>
+              </a:defRPr>
+            </a:lvl7pPr>
+            <a:lvl8pPr marL="3200400" algn="r" defTabSz="914400" rtl="1" eaLnBrk="1" latinLnBrk="0" hangingPunct="1">
+              <a:defRPr sz="1800" kern="1200">
+                <a:solidFill>
+                  <a:schemeClr val="lt1"/>
+                </a:solidFill>
+                <a:latin typeface="+mn-lt"/>
+                <a:ea typeface="+mn-ea"/>
+                <a:cs typeface="+mn-cs"/>
+              </a:defRPr>
+            </a:lvl8pPr>
+            <a:lvl9pPr marL="3657600" algn="r" defTabSz="914400" rtl="1" eaLnBrk="1" latinLnBrk="0" hangingPunct="1">
+              <a:defRPr sz="1800" kern="1200">
+                <a:solidFill>
+                  <a:schemeClr val="lt1"/>
+                </a:solidFill>
+                <a:latin typeface="+mn-lt"/>
+                <a:ea typeface="+mn-ea"/>
+                <a:cs typeface="+mn-cs"/>
+              </a:defRPr>
+            </a:lvl9pPr>
+          </a:lstStyle>
+          <a:p>
+            <a:pPr algn="ctr"/>
+            <a:r>
+              <a:rPr lang="he-IL" dirty="0">
+                <a:cs typeface="Arial"/>
+              </a:rPr>
+              <a:t>עדכון</a:t>
+            </a:r>
+            <a:endParaRPr lang="he-IL" dirty="0"/>
+          </a:p>
+        </p:txBody>
+      </p:sp>
+      <p:sp>
+        <p:nvSpPr>
+          <p:cNvPr id="86" name="מלבן 85">
+            <a:extLst>
+              <a:ext uri="{FF2B5EF4-FFF2-40B4-BE49-F238E27FC236}">
+                <a16:creationId xmlns:a16="http://schemas.microsoft.com/office/drawing/2014/main" id="{5F36D6B2-B248-AB8F-ACDF-277051FEA967}"/>
+              </a:ext>
+            </a:extLst>
+          </p:cNvPr>
+          <p:cNvSpPr/>
+          <p:nvPr/>
+        </p:nvSpPr>
+        <p:spPr>
+          <a:xfrm>
+            <a:off x="1040742" y="5159855"/>
+            <a:ext cx="934527" cy="345056"/>
+          </a:xfrm>
+          <a:prstGeom prst="rect">
+            <a:avLst/>
+          </a:prstGeom>
+          <a:solidFill>
+            <a:srgbClr val="C00000"/>
+          </a:solidFill>
+          <a:ln>
+            <a:noFill/>
+          </a:ln>
+        </p:spPr>
+        <p:style>
+          <a:lnRef idx="2">
+            <a:schemeClr val="accent1">
+              <a:shade val="50000"/>
+            </a:schemeClr>
+          </a:lnRef>
+          <a:fillRef idx="1">
+            <a:schemeClr val="accent1"/>
+          </a:fillRef>
+          <a:effectRef idx="0">
+            <a:schemeClr val="accent1"/>
+          </a:effectRef>
+          <a:fontRef idx="minor">
+            <a:schemeClr val="lt1"/>
+          </a:fontRef>
+        </p:style>
+        <p:txBody>
+          <a:bodyPr lIns="91440" tIns="45720" rIns="91440" bIns="45720" rtlCol="1" anchor="ctr"/>
+          <a:lstStyle>
+            <a:defPPr>
+              <a:defRPr lang="he-IL"/>
+            </a:defPPr>
+            <a:lvl1pPr marL="0" algn="r" defTabSz="914400" rtl="1" eaLnBrk="1" latinLnBrk="0" hangingPunct="1">
+              <a:defRPr sz="1800" kern="1200">
+                <a:solidFill>
+                  <a:schemeClr val="lt1"/>
+                </a:solidFill>
+                <a:latin typeface="+mn-lt"/>
+                <a:ea typeface="+mn-ea"/>
+                <a:cs typeface="+mn-cs"/>
+              </a:defRPr>
+            </a:lvl1pPr>
+            <a:lvl2pPr marL="457200" algn="r" defTabSz="914400" rtl="1" eaLnBrk="1" latinLnBrk="0" hangingPunct="1">
+              <a:defRPr sz="1800" kern="1200">
+                <a:solidFill>
+                  <a:schemeClr val="lt1"/>
+                </a:solidFill>
+                <a:latin typeface="+mn-lt"/>
+                <a:ea typeface="+mn-ea"/>
+                <a:cs typeface="+mn-cs"/>
+              </a:defRPr>
+            </a:lvl2pPr>
+            <a:lvl3pPr marL="914400" algn="r" defTabSz="914400" rtl="1" eaLnBrk="1" latinLnBrk="0" hangingPunct="1">
+              <a:defRPr sz="1800" kern="1200">
+                <a:solidFill>
+                  <a:schemeClr val="lt1"/>
+                </a:solidFill>
+                <a:latin typeface="+mn-lt"/>
+                <a:ea typeface="+mn-ea"/>
+                <a:cs typeface="+mn-cs"/>
+              </a:defRPr>
+            </a:lvl3pPr>
+            <a:lvl4pPr marL="1371600" algn="r" defTabSz="914400" rtl="1" eaLnBrk="1" latinLnBrk="0" hangingPunct="1">
+              <a:defRPr sz="1800" kern="1200">
+                <a:solidFill>
+                  <a:schemeClr val="lt1"/>
+                </a:solidFill>
+                <a:latin typeface="+mn-lt"/>
+                <a:ea typeface="+mn-ea"/>
+                <a:cs typeface="+mn-cs"/>
+              </a:defRPr>
+            </a:lvl4pPr>
+            <a:lvl5pPr marL="1828800" algn="r" defTabSz="914400" rtl="1" eaLnBrk="1" latinLnBrk="0" hangingPunct="1">
+              <a:defRPr sz="1800" kern="1200">
+                <a:solidFill>
+                  <a:schemeClr val="lt1"/>
+                </a:solidFill>
+                <a:latin typeface="+mn-lt"/>
+                <a:ea typeface="+mn-ea"/>
+                <a:cs typeface="+mn-cs"/>
+              </a:defRPr>
+            </a:lvl5pPr>
+            <a:lvl6pPr marL="2286000" algn="r" defTabSz="914400" rtl="1" eaLnBrk="1" latinLnBrk="0" hangingPunct="1">
+              <a:defRPr sz="1800" kern="1200">
+                <a:solidFill>
+                  <a:schemeClr val="lt1"/>
+                </a:solidFill>
+                <a:latin typeface="+mn-lt"/>
+                <a:ea typeface="+mn-ea"/>
+                <a:cs typeface="+mn-cs"/>
+              </a:defRPr>
+            </a:lvl6pPr>
+            <a:lvl7pPr marL="2743200" algn="r" defTabSz="914400" rtl="1" eaLnBrk="1" latinLnBrk="0" hangingPunct="1">
+              <a:defRPr sz="1800" kern="1200">
+                <a:solidFill>
+                  <a:schemeClr val="lt1"/>
+                </a:solidFill>
+                <a:latin typeface="+mn-lt"/>
+                <a:ea typeface="+mn-ea"/>
+                <a:cs typeface="+mn-cs"/>
+              </a:defRPr>
+            </a:lvl7pPr>
+            <a:lvl8pPr marL="3200400" algn="r" defTabSz="914400" rtl="1" eaLnBrk="1" latinLnBrk="0" hangingPunct="1">
+              <a:defRPr sz="1800" kern="1200">
+                <a:solidFill>
+                  <a:schemeClr val="lt1"/>
+                </a:solidFill>
+                <a:latin typeface="+mn-lt"/>
+                <a:ea typeface="+mn-ea"/>
+                <a:cs typeface="+mn-cs"/>
+              </a:defRPr>
+            </a:lvl8pPr>
+            <a:lvl9pPr marL="3657600" algn="r" defTabSz="914400" rtl="1" eaLnBrk="1" latinLnBrk="0" hangingPunct="1">
+              <a:defRPr sz="1800" kern="1200">
+                <a:solidFill>
+                  <a:schemeClr val="lt1"/>
+                </a:solidFill>
+                <a:latin typeface="+mn-lt"/>
+                <a:ea typeface="+mn-ea"/>
+                <a:cs typeface="+mn-cs"/>
+              </a:defRPr>
+            </a:lvl9pPr>
+          </a:lstStyle>
+          <a:p>
+            <a:pPr algn="ctr"/>
+            <a:r>
+              <a:rPr lang="he-IL" dirty="0">
+                <a:cs typeface="Arial"/>
+              </a:rPr>
+              <a:t>צפיה</a:t>
+            </a:r>
+            <a:endParaRPr lang="he-IL" dirty="0"/>
+          </a:p>
+        </p:txBody>
+      </p:sp>
+      <p:cxnSp>
+        <p:nvCxnSpPr>
+          <p:cNvPr id="88" name="מחבר חץ ישר 87">
+            <a:extLst>
+              <a:ext uri="{FF2B5EF4-FFF2-40B4-BE49-F238E27FC236}">
+                <a16:creationId xmlns:a16="http://schemas.microsoft.com/office/drawing/2014/main" id="{59E07A83-E99A-3466-6D33-E32FA18F68EE}"/>
+              </a:ext>
+            </a:extLst>
+          </p:cNvPr>
+          <p:cNvCxnSpPr/>
+          <p:nvPr/>
+        </p:nvCxnSpPr>
+        <p:spPr>
+          <a:xfrm flipH="1">
+            <a:off x="3607639" y="4943295"/>
+            <a:ext cx="494581" cy="152401"/>
+          </a:xfrm>
+          <a:prstGeom prst="straightConnector1">
+            <a:avLst/>
+          </a:prstGeom>
+          <a:ln>
+            <a:tailEnd type="triangle"/>
+          </a:ln>
+        </p:spPr>
+        <p:style>
+          <a:lnRef idx="1">
+            <a:schemeClr val="accent1"/>
+          </a:lnRef>
+          <a:fillRef idx="0">
+            <a:schemeClr val="accent1"/>
+          </a:fillRef>
+          <a:effectRef idx="0">
+            <a:schemeClr val="accent1"/>
+          </a:effectRef>
+          <a:fontRef idx="minor">
+            <a:schemeClr val="tx1"/>
+          </a:fontRef>
+        </p:style>
+      </p:cxnSp>
+      <p:cxnSp>
+        <p:nvCxnSpPr>
+          <p:cNvPr id="90" name="מחבר חץ ישר 89">
+            <a:extLst>
+              <a:ext uri="{FF2B5EF4-FFF2-40B4-BE49-F238E27FC236}">
+                <a16:creationId xmlns:a16="http://schemas.microsoft.com/office/drawing/2014/main" id="{8DC45FD9-F5C3-F760-3E27-31DC1093570F}"/>
+              </a:ext>
+            </a:extLst>
+          </p:cNvPr>
+          <p:cNvCxnSpPr>
+            <a:cxnSpLocks/>
+          </p:cNvCxnSpPr>
+          <p:nvPr/>
+        </p:nvCxnSpPr>
+        <p:spPr>
+          <a:xfrm flipH="1">
+            <a:off x="1537299" y="4842654"/>
+            <a:ext cx="2493033" cy="253042"/>
+          </a:xfrm>
+          <a:prstGeom prst="straightConnector1">
+            <a:avLst/>
+          </a:prstGeom>
+          <a:ln>
+            <a:tailEnd type="triangle"/>
+          </a:ln>
+        </p:spPr>
+        <p:style>
+          <a:lnRef idx="1">
+            <a:schemeClr val="accent1"/>
+          </a:lnRef>
+          <a:fillRef idx="0">
+            <a:schemeClr val="accent1"/>
+          </a:fillRef>
+          <a:effectRef idx="0">
+            <a:schemeClr val="accent1"/>
+          </a:effectRef>
+          <a:fontRef idx="minor">
+            <a:schemeClr val="tx1"/>
+          </a:fontRef>
+        </p:style>
+      </p:cxnSp>
+      <p:sp>
+        <p:nvSpPr>
+          <p:cNvPr id="100" name="מלבן 99">
+            <a:extLst>
+              <a:ext uri="{FF2B5EF4-FFF2-40B4-BE49-F238E27FC236}">
+                <a16:creationId xmlns:a16="http://schemas.microsoft.com/office/drawing/2014/main" id="{7900B024-7DE0-4330-65E9-4242EF979235}"/>
+              </a:ext>
+            </a:extLst>
+          </p:cNvPr>
+          <p:cNvSpPr/>
+          <p:nvPr/>
+        </p:nvSpPr>
+        <p:spPr>
+          <a:xfrm>
+            <a:off x="3080529" y="5934434"/>
+            <a:ext cx="934527" cy="345056"/>
+          </a:xfrm>
+          <a:prstGeom prst="rect">
+            <a:avLst/>
+          </a:prstGeom>
+          <a:solidFill>
+            <a:srgbClr val="C00000"/>
+          </a:solidFill>
+          <a:ln>
+            <a:noFill/>
+          </a:ln>
+        </p:spPr>
+        <p:style>
+          <a:lnRef idx="2">
+            <a:schemeClr val="accent1">
+              <a:shade val="50000"/>
+            </a:schemeClr>
+          </a:lnRef>
+          <a:fillRef idx="1">
+            <a:schemeClr val="accent1"/>
+          </a:fillRef>
+          <a:effectRef idx="0">
+            <a:schemeClr val="accent1"/>
+          </a:effectRef>
+          <a:fontRef idx="minor">
+            <a:schemeClr val="lt1"/>
+          </a:fontRef>
+        </p:style>
+        <p:txBody>
+          <a:bodyPr rot="0" spcFirstLastPara="0" vert="horz" wrap="square" lIns="91440" tIns="45720" rIns="91440" bIns="45720" numCol="1" spcCol="0" rtlCol="1" fromWordArt="0" anchor="ctr" anchorCtr="0" forceAA="0" compatLnSpc="1">
+            <a:prstTxWarp prst="textNoShape">
+              <a:avLst/>
+            </a:prstTxWarp>
+            <a:noAutofit/>
+          </a:bodyPr>
+          <a:lstStyle>
+            <a:defPPr>
+              <a:defRPr lang="he-IL"/>
+            </a:defPPr>
+            <a:lvl1pPr marL="0" algn="r" defTabSz="914400" rtl="1" eaLnBrk="1" latinLnBrk="0" hangingPunct="1">
+              <a:defRPr sz="1800" kern="1200">
+                <a:solidFill>
+                  <a:schemeClr val="lt1"/>
+                </a:solidFill>
+                <a:latin typeface="+mn-lt"/>
+                <a:ea typeface="+mn-ea"/>
+                <a:cs typeface="+mn-cs"/>
+              </a:defRPr>
+            </a:lvl1pPr>
+            <a:lvl2pPr marL="457200" algn="r" defTabSz="914400" rtl="1" eaLnBrk="1" latinLnBrk="0" hangingPunct="1">
+              <a:defRPr sz="1800" kern="1200">
+                <a:solidFill>
+                  <a:schemeClr val="lt1"/>
+                </a:solidFill>
+                <a:latin typeface="+mn-lt"/>
+                <a:ea typeface="+mn-ea"/>
+                <a:cs typeface="+mn-cs"/>
+              </a:defRPr>
+            </a:lvl2pPr>
+            <a:lvl3pPr marL="914400" algn="r" defTabSz="914400" rtl="1" eaLnBrk="1" latinLnBrk="0" hangingPunct="1">
+              <a:defRPr sz="1800" kern="1200">
+                <a:solidFill>
+                  <a:schemeClr val="lt1"/>
+                </a:solidFill>
+                <a:latin typeface="+mn-lt"/>
+                <a:ea typeface="+mn-ea"/>
+                <a:cs typeface="+mn-cs"/>
+              </a:defRPr>
+            </a:lvl3pPr>
+            <a:lvl4pPr marL="1371600" algn="r" defTabSz="914400" rtl="1" eaLnBrk="1" latinLnBrk="0" hangingPunct="1">
+              <a:defRPr sz="1800" kern="1200">
+                <a:solidFill>
+                  <a:schemeClr val="lt1"/>
+                </a:solidFill>
+                <a:latin typeface="+mn-lt"/>
+                <a:ea typeface="+mn-ea"/>
+                <a:cs typeface="+mn-cs"/>
+              </a:defRPr>
+            </a:lvl4pPr>
+            <a:lvl5pPr marL="1828800" algn="r" defTabSz="914400" rtl="1" eaLnBrk="1" latinLnBrk="0" hangingPunct="1">
+              <a:defRPr sz="1800" kern="1200">
+                <a:solidFill>
+                  <a:schemeClr val="lt1"/>
+                </a:solidFill>
+                <a:latin typeface="+mn-lt"/>
+                <a:ea typeface="+mn-ea"/>
+                <a:cs typeface="+mn-cs"/>
+              </a:defRPr>
+            </a:lvl5pPr>
+            <a:lvl6pPr marL="2286000" algn="r" defTabSz="914400" rtl="1" eaLnBrk="1" latinLnBrk="0" hangingPunct="1">
+              <a:defRPr sz="1800" kern="1200">
+                <a:solidFill>
+                  <a:schemeClr val="lt1"/>
+                </a:solidFill>
+                <a:latin typeface="+mn-lt"/>
+                <a:ea typeface="+mn-ea"/>
+                <a:cs typeface="+mn-cs"/>
+              </a:defRPr>
+            </a:lvl6pPr>
+            <a:lvl7pPr marL="2743200" algn="r" defTabSz="914400" rtl="1" eaLnBrk="1" latinLnBrk="0" hangingPunct="1">
+              <a:defRPr sz="1800" kern="1200">
+                <a:solidFill>
+                  <a:schemeClr val="lt1"/>
+                </a:solidFill>
+                <a:latin typeface="+mn-lt"/>
+                <a:ea typeface="+mn-ea"/>
+                <a:cs typeface="+mn-cs"/>
+              </a:defRPr>
+            </a:lvl7pPr>
+            <a:lvl8pPr marL="3200400" algn="r" defTabSz="914400" rtl="1" eaLnBrk="1" latinLnBrk="0" hangingPunct="1">
+              <a:defRPr sz="1800" kern="1200">
+                <a:solidFill>
+                  <a:schemeClr val="lt1"/>
+                </a:solidFill>
+                <a:latin typeface="+mn-lt"/>
+                <a:ea typeface="+mn-ea"/>
+                <a:cs typeface="+mn-cs"/>
+              </a:defRPr>
+            </a:lvl8pPr>
+            <a:lvl9pPr marL="3657600" algn="r" defTabSz="914400" rtl="1" eaLnBrk="1" latinLnBrk="0" hangingPunct="1">
+              <a:defRPr sz="1800" kern="1200">
+                <a:solidFill>
+                  <a:schemeClr val="lt1"/>
+                </a:solidFill>
+                <a:latin typeface="+mn-lt"/>
+                <a:ea typeface="+mn-ea"/>
+                <a:cs typeface="+mn-cs"/>
+              </a:defRPr>
+            </a:lvl9pPr>
+          </a:lstStyle>
+          <a:p>
+            <a:pPr algn="ctr"/>
+            <a:r>
+              <a:rPr lang="he-IL" dirty="0">
+                <a:cs typeface="Arial"/>
+              </a:rPr>
+              <a:t>הוספה</a:t>
+            </a:r>
+            <a:endParaRPr lang="he-IL" dirty="0"/>
+          </a:p>
+        </p:txBody>
+      </p:sp>
+      <p:sp>
+        <p:nvSpPr>
+          <p:cNvPr id="101" name="מלבן 100">
+            <a:extLst>
+              <a:ext uri="{FF2B5EF4-FFF2-40B4-BE49-F238E27FC236}">
+                <a16:creationId xmlns:a16="http://schemas.microsoft.com/office/drawing/2014/main" id="{D9DD9983-2BD8-7DFC-1700-7577A25786D2}"/>
+              </a:ext>
+            </a:extLst>
+          </p:cNvPr>
+          <p:cNvSpPr/>
+          <p:nvPr/>
+        </p:nvSpPr>
+        <p:spPr>
+          <a:xfrm>
+            <a:off x="75660" y="5934433"/>
+            <a:ext cx="934527" cy="345056"/>
+          </a:xfrm>
+          <a:prstGeom prst="rect">
+            <a:avLst/>
+          </a:prstGeom>
+          <a:solidFill>
+            <a:srgbClr val="C00000"/>
+          </a:solidFill>
+          <a:ln>
+            <a:noFill/>
+          </a:ln>
+        </p:spPr>
+        <p:style>
+          <a:lnRef idx="2">
+            <a:schemeClr val="accent1">
+              <a:shade val="50000"/>
+            </a:schemeClr>
+          </a:lnRef>
+          <a:fillRef idx="1">
+            <a:schemeClr val="accent1"/>
+          </a:fillRef>
+          <a:effectRef idx="0">
+            <a:schemeClr val="accent1"/>
+          </a:effectRef>
+          <a:fontRef idx="minor">
+            <a:schemeClr val="lt1"/>
+          </a:fontRef>
+        </p:style>
+        <p:txBody>
+          <a:bodyPr lIns="91440" tIns="45720" rIns="91440" bIns="45720" rtlCol="1" anchor="ctr"/>
+          <a:lstStyle>
+            <a:defPPr>
+              <a:defRPr lang="he-IL"/>
+            </a:defPPr>
+            <a:lvl1pPr marL="0" algn="r" defTabSz="914400" rtl="1" eaLnBrk="1" latinLnBrk="0" hangingPunct="1">
+              <a:defRPr sz="1800" kern="1200">
+                <a:solidFill>
+                  <a:schemeClr val="lt1"/>
+                </a:solidFill>
+                <a:latin typeface="+mn-lt"/>
+                <a:ea typeface="+mn-ea"/>
+                <a:cs typeface="+mn-cs"/>
+              </a:defRPr>
+            </a:lvl1pPr>
+            <a:lvl2pPr marL="457200" algn="r" defTabSz="914400" rtl="1" eaLnBrk="1" latinLnBrk="0" hangingPunct="1">
+              <a:defRPr sz="1800" kern="1200">
+                <a:solidFill>
+                  <a:schemeClr val="lt1"/>
+                </a:solidFill>
+                <a:latin typeface="+mn-lt"/>
+                <a:ea typeface="+mn-ea"/>
+                <a:cs typeface="+mn-cs"/>
+              </a:defRPr>
+            </a:lvl2pPr>
+            <a:lvl3pPr marL="914400" algn="r" defTabSz="914400" rtl="1" eaLnBrk="1" latinLnBrk="0" hangingPunct="1">
+              <a:defRPr sz="1800" kern="1200">
+                <a:solidFill>
+                  <a:schemeClr val="lt1"/>
+                </a:solidFill>
+                <a:latin typeface="+mn-lt"/>
+                <a:ea typeface="+mn-ea"/>
+                <a:cs typeface="+mn-cs"/>
+              </a:defRPr>
+            </a:lvl3pPr>
+            <a:lvl4pPr marL="1371600" algn="r" defTabSz="914400" rtl="1" eaLnBrk="1" latinLnBrk="0" hangingPunct="1">
+              <a:defRPr sz="1800" kern="1200">
+                <a:solidFill>
+                  <a:schemeClr val="lt1"/>
+                </a:solidFill>
+                <a:latin typeface="+mn-lt"/>
+                <a:ea typeface="+mn-ea"/>
+                <a:cs typeface="+mn-cs"/>
+              </a:defRPr>
+            </a:lvl4pPr>
+            <a:lvl5pPr marL="1828800" algn="r" defTabSz="914400" rtl="1" eaLnBrk="1" latinLnBrk="0" hangingPunct="1">
+              <a:defRPr sz="1800" kern="1200">
+                <a:solidFill>
+                  <a:schemeClr val="lt1"/>
+                </a:solidFill>
+                <a:latin typeface="+mn-lt"/>
+                <a:ea typeface="+mn-ea"/>
+                <a:cs typeface="+mn-cs"/>
+              </a:defRPr>
+            </a:lvl5pPr>
+            <a:lvl6pPr marL="2286000" algn="r" defTabSz="914400" rtl="1" eaLnBrk="1" latinLnBrk="0" hangingPunct="1">
+              <a:defRPr sz="1800" kern="1200">
+                <a:solidFill>
+                  <a:schemeClr val="lt1"/>
+                </a:solidFill>
+                <a:latin typeface="+mn-lt"/>
+                <a:ea typeface="+mn-ea"/>
+                <a:cs typeface="+mn-cs"/>
+              </a:defRPr>
+            </a:lvl6pPr>
+            <a:lvl7pPr marL="2743200" algn="r" defTabSz="914400" rtl="1" eaLnBrk="1" latinLnBrk="0" hangingPunct="1">
+              <a:defRPr sz="1800" kern="1200">
+                <a:solidFill>
+                  <a:schemeClr val="lt1"/>
+                </a:solidFill>
+                <a:latin typeface="+mn-lt"/>
+                <a:ea typeface="+mn-ea"/>
+                <a:cs typeface="+mn-cs"/>
+              </a:defRPr>
+            </a:lvl7pPr>
+            <a:lvl8pPr marL="3200400" algn="r" defTabSz="914400" rtl="1" eaLnBrk="1" latinLnBrk="0" hangingPunct="1">
+              <a:defRPr sz="1800" kern="1200">
+                <a:solidFill>
+                  <a:schemeClr val="lt1"/>
+                </a:solidFill>
+                <a:latin typeface="+mn-lt"/>
+                <a:ea typeface="+mn-ea"/>
+                <a:cs typeface="+mn-cs"/>
+              </a:defRPr>
+            </a:lvl8pPr>
+            <a:lvl9pPr marL="3657600" algn="r" defTabSz="914400" rtl="1" eaLnBrk="1" latinLnBrk="0" hangingPunct="1">
+              <a:defRPr sz="1800" kern="1200">
+                <a:solidFill>
+                  <a:schemeClr val="lt1"/>
+                </a:solidFill>
+                <a:latin typeface="+mn-lt"/>
+                <a:ea typeface="+mn-ea"/>
+                <a:cs typeface="+mn-cs"/>
+              </a:defRPr>
+            </a:lvl9pPr>
+          </a:lstStyle>
+          <a:p>
+            <a:pPr algn="ctr"/>
+            <a:r>
+              <a:rPr lang="he-IL" dirty="0">
+                <a:cs typeface="Arial"/>
+              </a:rPr>
+              <a:t>עדכון</a:t>
+            </a:r>
+            <a:endParaRPr lang="he-IL" dirty="0"/>
+          </a:p>
+        </p:txBody>
+      </p:sp>
+      <p:sp>
+        <p:nvSpPr>
+          <p:cNvPr id="102" name="מלבן 101">
+            <a:extLst>
+              <a:ext uri="{FF2B5EF4-FFF2-40B4-BE49-F238E27FC236}">
+                <a16:creationId xmlns:a16="http://schemas.microsoft.com/office/drawing/2014/main" id="{5F36D6B2-B248-AB8F-ACDF-277051FEA967}"/>
+              </a:ext>
+            </a:extLst>
+          </p:cNvPr>
+          <p:cNvSpPr/>
+          <p:nvPr/>
+        </p:nvSpPr>
+        <p:spPr>
+          <a:xfrm>
+            <a:off x="1067699" y="5920058"/>
+            <a:ext cx="934527" cy="345056"/>
+          </a:xfrm>
+          <a:prstGeom prst="rect">
+            <a:avLst/>
+          </a:prstGeom>
+          <a:solidFill>
+            <a:srgbClr val="C00000"/>
+          </a:solidFill>
+          <a:ln>
+            <a:noFill/>
+          </a:ln>
+        </p:spPr>
+        <p:style>
+          <a:lnRef idx="2">
+            <a:schemeClr val="accent1">
+              <a:shade val="50000"/>
+            </a:schemeClr>
+          </a:lnRef>
+          <a:fillRef idx="1">
+            <a:schemeClr val="accent1"/>
+          </a:fillRef>
+          <a:effectRef idx="0">
+            <a:schemeClr val="accent1"/>
+          </a:effectRef>
+          <a:fontRef idx="minor">
+            <a:schemeClr val="lt1"/>
+          </a:fontRef>
+        </p:style>
+        <p:txBody>
+          <a:bodyPr lIns="91440" tIns="45720" rIns="91440" bIns="45720" rtlCol="1" anchor="ctr"/>
+          <a:lstStyle>
+            <a:defPPr>
+              <a:defRPr lang="he-IL"/>
+            </a:defPPr>
+            <a:lvl1pPr marL="0" algn="r" defTabSz="914400" rtl="1" eaLnBrk="1" latinLnBrk="0" hangingPunct="1">
+              <a:defRPr sz="1800" kern="1200">
+                <a:solidFill>
+                  <a:schemeClr val="lt1"/>
+                </a:solidFill>
+                <a:latin typeface="+mn-lt"/>
+                <a:ea typeface="+mn-ea"/>
+                <a:cs typeface="+mn-cs"/>
+              </a:defRPr>
+            </a:lvl1pPr>
+            <a:lvl2pPr marL="457200" algn="r" defTabSz="914400" rtl="1" eaLnBrk="1" latinLnBrk="0" hangingPunct="1">
+              <a:defRPr sz="1800" kern="1200">
+                <a:solidFill>
+                  <a:schemeClr val="lt1"/>
+                </a:solidFill>
+                <a:latin typeface="+mn-lt"/>
+                <a:ea typeface="+mn-ea"/>
+                <a:cs typeface="+mn-cs"/>
+              </a:defRPr>
+            </a:lvl2pPr>
+            <a:lvl3pPr marL="914400" algn="r" defTabSz="914400" rtl="1" eaLnBrk="1" latinLnBrk="0" hangingPunct="1">
+              <a:defRPr sz="1800" kern="1200">
+                <a:solidFill>
+                  <a:schemeClr val="lt1"/>
+                </a:solidFill>
+                <a:latin typeface="+mn-lt"/>
+                <a:ea typeface="+mn-ea"/>
+                <a:cs typeface="+mn-cs"/>
+              </a:defRPr>
+            </a:lvl3pPr>
+            <a:lvl4pPr marL="1371600" algn="r" defTabSz="914400" rtl="1" eaLnBrk="1" latinLnBrk="0" hangingPunct="1">
+              <a:defRPr sz="1800" kern="1200">
+                <a:solidFill>
+                  <a:schemeClr val="lt1"/>
+                </a:solidFill>
+                <a:latin typeface="+mn-lt"/>
+                <a:ea typeface="+mn-ea"/>
+                <a:cs typeface="+mn-cs"/>
+              </a:defRPr>
+            </a:lvl4pPr>
+            <a:lvl5pPr marL="1828800" algn="r" defTabSz="914400" rtl="1" eaLnBrk="1" latinLnBrk="0" hangingPunct="1">
+              <a:defRPr sz="1800" kern="1200">
+                <a:solidFill>
+                  <a:schemeClr val="lt1"/>
+                </a:solidFill>
+                <a:latin typeface="+mn-lt"/>
+                <a:ea typeface="+mn-ea"/>
+                <a:cs typeface="+mn-cs"/>
+              </a:defRPr>
+            </a:lvl5pPr>
+            <a:lvl6pPr marL="2286000" algn="r" defTabSz="914400" rtl="1" eaLnBrk="1" latinLnBrk="0" hangingPunct="1">
+              <a:defRPr sz="1800" kern="1200">
+                <a:solidFill>
+                  <a:schemeClr val="lt1"/>
+                </a:solidFill>
+                <a:latin typeface="+mn-lt"/>
+                <a:ea typeface="+mn-ea"/>
+                <a:cs typeface="+mn-cs"/>
+              </a:defRPr>
+            </a:lvl6pPr>
+            <a:lvl7pPr marL="2743200" algn="r" defTabSz="914400" rtl="1" eaLnBrk="1" latinLnBrk="0" hangingPunct="1">
+              <a:defRPr sz="1800" kern="1200">
+                <a:solidFill>
+                  <a:schemeClr val="lt1"/>
+                </a:solidFill>
+                <a:latin typeface="+mn-lt"/>
+                <a:ea typeface="+mn-ea"/>
+                <a:cs typeface="+mn-cs"/>
+              </a:defRPr>
+            </a:lvl7pPr>
+            <a:lvl8pPr marL="3200400" algn="r" defTabSz="914400" rtl="1" eaLnBrk="1" latinLnBrk="0" hangingPunct="1">
+              <a:defRPr sz="1800" kern="1200">
+                <a:solidFill>
+                  <a:schemeClr val="lt1"/>
+                </a:solidFill>
+                <a:latin typeface="+mn-lt"/>
+                <a:ea typeface="+mn-ea"/>
+                <a:cs typeface="+mn-cs"/>
+              </a:defRPr>
+            </a:lvl8pPr>
+            <a:lvl9pPr marL="3657600" algn="r" defTabSz="914400" rtl="1" eaLnBrk="1" latinLnBrk="0" hangingPunct="1">
+              <a:defRPr sz="1800" kern="1200">
+                <a:solidFill>
+                  <a:schemeClr val="lt1"/>
+                </a:solidFill>
+                <a:latin typeface="+mn-lt"/>
+                <a:ea typeface="+mn-ea"/>
+                <a:cs typeface="+mn-cs"/>
+              </a:defRPr>
+            </a:lvl9pPr>
+          </a:lstStyle>
+          <a:p>
+            <a:pPr algn="ctr"/>
+            <a:r>
+              <a:rPr lang="he-IL" dirty="0">
+                <a:cs typeface="Arial"/>
+              </a:rPr>
+              <a:t>צפיה</a:t>
+            </a:r>
+            <a:endParaRPr lang="he-IL" dirty="0"/>
+          </a:p>
+        </p:txBody>
+      </p:sp>
+      <p:sp>
+        <p:nvSpPr>
+          <p:cNvPr id="103" name="מלבן 102">
+            <a:extLst>
+              <a:ext uri="{FF2B5EF4-FFF2-40B4-BE49-F238E27FC236}">
+                <a16:creationId xmlns:a16="http://schemas.microsoft.com/office/drawing/2014/main" id="{4B50DBD9-A551-5479-AFEC-C065B8AD08C6}"/>
+              </a:ext>
+            </a:extLst>
+          </p:cNvPr>
+          <p:cNvSpPr/>
+          <p:nvPr/>
+        </p:nvSpPr>
+        <p:spPr>
+          <a:xfrm>
+            <a:off x="2074113" y="5920057"/>
+            <a:ext cx="934527" cy="345056"/>
+          </a:xfrm>
+          <a:prstGeom prst="rect">
+            <a:avLst/>
+          </a:prstGeom>
+          <a:solidFill>
+            <a:srgbClr val="C00000"/>
+          </a:solidFill>
+          <a:ln>
+            <a:noFill/>
+          </a:ln>
+        </p:spPr>
+        <p:style>
+          <a:lnRef idx="2">
+            <a:schemeClr val="accent1">
+              <a:shade val="50000"/>
+            </a:schemeClr>
+          </a:lnRef>
+          <a:fillRef idx="1">
+            <a:schemeClr val="accent1"/>
+          </a:fillRef>
+          <a:effectRef idx="0">
+            <a:schemeClr val="accent1"/>
+          </a:effectRef>
+          <a:fontRef idx="minor">
+            <a:schemeClr val="lt1"/>
+          </a:fontRef>
+        </p:style>
+        <p:txBody>
+          <a:bodyPr lIns="91440" tIns="45720" rIns="91440" bIns="45720" rtlCol="1" anchor="ctr"/>
+          <a:lstStyle>
+            <a:defPPr>
+              <a:defRPr lang="he-IL"/>
+            </a:defPPr>
+            <a:lvl1pPr marL="0" algn="r" defTabSz="914400" rtl="1" eaLnBrk="1" latinLnBrk="0" hangingPunct="1">
+              <a:defRPr sz="1800" kern="1200">
+                <a:solidFill>
+                  <a:schemeClr val="lt1"/>
+                </a:solidFill>
+                <a:latin typeface="+mn-lt"/>
+                <a:ea typeface="+mn-ea"/>
+                <a:cs typeface="+mn-cs"/>
+              </a:defRPr>
+            </a:lvl1pPr>
+            <a:lvl2pPr marL="457200" algn="r" defTabSz="914400" rtl="1" eaLnBrk="1" latinLnBrk="0" hangingPunct="1">
+              <a:defRPr sz="1800" kern="1200">
+                <a:solidFill>
+                  <a:schemeClr val="lt1"/>
+                </a:solidFill>
+                <a:latin typeface="+mn-lt"/>
+                <a:ea typeface="+mn-ea"/>
+                <a:cs typeface="+mn-cs"/>
+              </a:defRPr>
+            </a:lvl2pPr>
+            <a:lvl3pPr marL="914400" algn="r" defTabSz="914400" rtl="1" eaLnBrk="1" latinLnBrk="0" hangingPunct="1">
+              <a:defRPr sz="1800" kern="1200">
+                <a:solidFill>
+                  <a:schemeClr val="lt1"/>
+                </a:solidFill>
+                <a:latin typeface="+mn-lt"/>
+                <a:ea typeface="+mn-ea"/>
+                <a:cs typeface="+mn-cs"/>
+              </a:defRPr>
+            </a:lvl3pPr>
+            <a:lvl4pPr marL="1371600" algn="r" defTabSz="914400" rtl="1" eaLnBrk="1" latinLnBrk="0" hangingPunct="1">
+              <a:defRPr sz="1800" kern="1200">
+                <a:solidFill>
+                  <a:schemeClr val="lt1"/>
+                </a:solidFill>
+                <a:latin typeface="+mn-lt"/>
+                <a:ea typeface="+mn-ea"/>
+                <a:cs typeface="+mn-cs"/>
+              </a:defRPr>
+            </a:lvl4pPr>
+            <a:lvl5pPr marL="1828800" algn="r" defTabSz="914400" rtl="1" eaLnBrk="1" latinLnBrk="0" hangingPunct="1">
+              <a:defRPr sz="1800" kern="1200">
+                <a:solidFill>
+                  <a:schemeClr val="lt1"/>
+                </a:solidFill>
+                <a:latin typeface="+mn-lt"/>
+                <a:ea typeface="+mn-ea"/>
+                <a:cs typeface="+mn-cs"/>
+              </a:defRPr>
+            </a:lvl5pPr>
+            <a:lvl6pPr marL="2286000" algn="r" defTabSz="914400" rtl="1" eaLnBrk="1" latinLnBrk="0" hangingPunct="1">
+              <a:defRPr sz="1800" kern="1200">
+                <a:solidFill>
+                  <a:schemeClr val="lt1"/>
+                </a:solidFill>
+                <a:latin typeface="+mn-lt"/>
+                <a:ea typeface="+mn-ea"/>
+                <a:cs typeface="+mn-cs"/>
+              </a:defRPr>
+            </a:lvl6pPr>
+            <a:lvl7pPr marL="2743200" algn="r" defTabSz="914400" rtl="1" eaLnBrk="1" latinLnBrk="0" hangingPunct="1">
+              <a:defRPr sz="1800" kern="1200">
+                <a:solidFill>
+                  <a:schemeClr val="lt1"/>
+                </a:solidFill>
+                <a:latin typeface="+mn-lt"/>
+                <a:ea typeface="+mn-ea"/>
+                <a:cs typeface="+mn-cs"/>
+              </a:defRPr>
+            </a:lvl7pPr>
+            <a:lvl8pPr marL="3200400" algn="r" defTabSz="914400" rtl="1" eaLnBrk="1" latinLnBrk="0" hangingPunct="1">
+              <a:defRPr sz="1800" kern="1200">
+                <a:solidFill>
+                  <a:schemeClr val="lt1"/>
+                </a:solidFill>
+                <a:latin typeface="+mn-lt"/>
+                <a:ea typeface="+mn-ea"/>
+                <a:cs typeface="+mn-cs"/>
+              </a:defRPr>
+            </a:lvl8pPr>
+            <a:lvl9pPr marL="3657600" algn="r" defTabSz="914400" rtl="1" eaLnBrk="1" latinLnBrk="0" hangingPunct="1">
+              <a:defRPr sz="1800" kern="1200">
+                <a:solidFill>
+                  <a:schemeClr val="lt1"/>
+                </a:solidFill>
+                <a:latin typeface="+mn-lt"/>
+                <a:ea typeface="+mn-ea"/>
+                <a:cs typeface="+mn-cs"/>
+              </a:defRPr>
+            </a:lvl9pPr>
+          </a:lstStyle>
+          <a:p>
+            <a:pPr algn="ctr"/>
+            <a:r>
+              <a:rPr lang="he-IL" dirty="0">
+                <a:cs typeface="Arial"/>
+              </a:rPr>
+              <a:t>מחיקה</a:t>
+            </a:r>
+            <a:endParaRPr lang="he-IL" dirty="0"/>
+          </a:p>
+        </p:txBody>
+      </p:sp>
+      <p:cxnSp>
+        <p:nvCxnSpPr>
+          <p:cNvPr id="104" name="מחבר חץ ישר 103">
+            <a:extLst>
+              <a:ext uri="{FF2B5EF4-FFF2-40B4-BE49-F238E27FC236}">
+                <a16:creationId xmlns:a16="http://schemas.microsoft.com/office/drawing/2014/main" id="{59E07A83-E99A-3466-6D33-E32FA18F68EE}"/>
+              </a:ext>
+            </a:extLst>
+          </p:cNvPr>
+          <p:cNvCxnSpPr/>
+          <p:nvPr/>
+        </p:nvCxnSpPr>
+        <p:spPr>
+          <a:xfrm flipH="1">
+            <a:off x="3634596" y="5703497"/>
+            <a:ext cx="494581" cy="152401"/>
+          </a:xfrm>
+          <a:prstGeom prst="straightConnector1">
+            <a:avLst/>
+          </a:prstGeom>
+          <a:ln>
+            <a:tailEnd type="triangle"/>
+          </a:ln>
+        </p:spPr>
+        <p:style>
+          <a:lnRef idx="1">
+            <a:schemeClr val="accent1"/>
+          </a:lnRef>
+          <a:fillRef idx="0">
+            <a:schemeClr val="accent1"/>
+          </a:fillRef>
+          <a:effectRef idx="0">
+            <a:schemeClr val="accent1"/>
+          </a:effectRef>
+          <a:fontRef idx="minor">
+            <a:schemeClr val="tx1"/>
+          </a:fontRef>
+        </p:style>
+      </p:cxnSp>
+      <p:cxnSp>
+        <p:nvCxnSpPr>
+          <p:cNvPr id="105" name="מחבר חץ ישר 104">
+            <a:extLst>
+              <a:ext uri="{FF2B5EF4-FFF2-40B4-BE49-F238E27FC236}">
+                <a16:creationId xmlns:a16="http://schemas.microsoft.com/office/drawing/2014/main" id="{88F7FAC6-BBC2-3808-5642-52A14C1D8503}"/>
+              </a:ext>
+            </a:extLst>
+          </p:cNvPr>
+          <p:cNvCxnSpPr>
+            <a:cxnSpLocks/>
+          </p:cNvCxnSpPr>
+          <p:nvPr/>
+        </p:nvCxnSpPr>
+        <p:spPr>
+          <a:xfrm flipH="1">
+            <a:off x="2656935" y="5645987"/>
+            <a:ext cx="1500995" cy="224287"/>
+          </a:xfrm>
+          <a:prstGeom prst="straightConnector1">
+            <a:avLst/>
+          </a:prstGeom>
+          <a:ln>
+            <a:tailEnd type="triangle"/>
+          </a:ln>
+        </p:spPr>
+        <p:style>
+          <a:lnRef idx="1">
+            <a:schemeClr val="accent1"/>
+          </a:lnRef>
+          <a:fillRef idx="0">
+            <a:schemeClr val="accent1"/>
+          </a:fillRef>
+          <a:effectRef idx="0">
+            <a:schemeClr val="accent1"/>
+          </a:effectRef>
+          <a:fontRef idx="minor">
+            <a:schemeClr val="tx1"/>
+          </a:fontRef>
+        </p:style>
+      </p:cxnSp>
+      <p:cxnSp>
+        <p:nvCxnSpPr>
+          <p:cNvPr id="106" name="מחבר חץ ישר 105">
+            <a:extLst>
+              <a:ext uri="{FF2B5EF4-FFF2-40B4-BE49-F238E27FC236}">
+                <a16:creationId xmlns:a16="http://schemas.microsoft.com/office/drawing/2014/main" id="{8DC45FD9-F5C3-F760-3E27-31DC1093570F}"/>
+              </a:ext>
+            </a:extLst>
+          </p:cNvPr>
+          <p:cNvCxnSpPr>
+            <a:cxnSpLocks/>
+          </p:cNvCxnSpPr>
+          <p:nvPr/>
+        </p:nvCxnSpPr>
+        <p:spPr>
+          <a:xfrm flipH="1">
+            <a:off x="1564256" y="5602856"/>
+            <a:ext cx="2493033" cy="253042"/>
+          </a:xfrm>
+          <a:prstGeom prst="straightConnector1">
+            <a:avLst/>
+          </a:prstGeom>
+          <a:ln>
+            <a:tailEnd type="triangle"/>
+          </a:ln>
+        </p:spPr>
+        <p:style>
+          <a:lnRef idx="1">
+            <a:schemeClr val="accent1"/>
+          </a:lnRef>
+          <a:fillRef idx="0">
+            <a:schemeClr val="accent1"/>
+          </a:fillRef>
+          <a:effectRef idx="0">
+            <a:schemeClr val="accent1"/>
+          </a:effectRef>
+          <a:fontRef idx="minor">
+            <a:schemeClr val="tx1"/>
+          </a:fontRef>
+        </p:style>
+      </p:cxnSp>
+      <p:cxnSp>
+        <p:nvCxnSpPr>
+          <p:cNvPr id="107" name="מחבר חץ ישר 106">
+            <a:extLst>
+              <a:ext uri="{FF2B5EF4-FFF2-40B4-BE49-F238E27FC236}">
+                <a16:creationId xmlns:a16="http://schemas.microsoft.com/office/drawing/2014/main" id="{113CCC06-5638-785F-E426-5155E5176283}"/>
+              </a:ext>
+            </a:extLst>
+          </p:cNvPr>
+          <p:cNvCxnSpPr>
+            <a:cxnSpLocks/>
+          </p:cNvCxnSpPr>
+          <p:nvPr/>
+        </p:nvCxnSpPr>
+        <p:spPr>
+          <a:xfrm flipH="1">
+            <a:off x="557841" y="5530970"/>
+            <a:ext cx="3585711" cy="324929"/>
+          </a:xfrm>
+          <a:prstGeom prst="straightConnector1">
+            <a:avLst/>
+          </a:prstGeom>
+          <a:ln>
+            <a:tailEnd type="triangle"/>
+          </a:ln>
+        </p:spPr>
+        <p:style>
+          <a:lnRef idx="1">
+            <a:schemeClr val="accent1"/>
+          </a:lnRef>
+          <a:fillRef idx="0">
+            <a:schemeClr val="accent1"/>
+          </a:fillRef>
+          <a:effectRef idx="0">
+            <a:schemeClr val="accent1"/>
+          </a:effectRef>
+          <a:fontRef idx="minor">
+            <a:schemeClr val="tx1"/>
+          </a:fontRef>
+        </p:style>
+      </p:cxnSp>
+      <p:sp>
+        <p:nvSpPr>
+          <p:cNvPr id="108" name="מלבן 107">
+            <a:extLst>
+              <a:ext uri="{FF2B5EF4-FFF2-40B4-BE49-F238E27FC236}">
+                <a16:creationId xmlns:a16="http://schemas.microsoft.com/office/drawing/2014/main" id="{945CB3B2-4E18-9599-ED13-753B6D6BADF1}"/>
+              </a:ext>
+            </a:extLst>
+          </p:cNvPr>
+          <p:cNvSpPr/>
+          <p:nvPr/>
+        </p:nvSpPr>
+        <p:spPr>
+          <a:xfrm>
+            <a:off x="7681283" y="5963188"/>
+            <a:ext cx="934527" cy="345056"/>
+          </a:xfrm>
+          <a:prstGeom prst="rect">
+            <a:avLst/>
+          </a:prstGeom>
+          <a:solidFill>
+            <a:srgbClr val="C00000"/>
+          </a:solidFill>
+          <a:ln>
+            <a:noFill/>
+          </a:ln>
+        </p:spPr>
+        <p:style>
+          <a:lnRef idx="2">
+            <a:schemeClr val="accent1">
+              <a:shade val="50000"/>
+            </a:schemeClr>
+          </a:lnRef>
+          <a:fillRef idx="1">
+            <a:schemeClr val="accent1"/>
+          </a:fillRef>
+          <a:effectRef idx="0">
+            <a:schemeClr val="accent1"/>
+          </a:effectRef>
+          <a:fontRef idx="minor">
+            <a:schemeClr val="lt1"/>
+          </a:fontRef>
+        </p:style>
+        <p:txBody>
+          <a:bodyPr rot="0" spcFirstLastPara="0" vert="horz" wrap="square" lIns="91440" tIns="45720" rIns="91440" bIns="45720" numCol="1" spcCol="0" rtlCol="1" fromWordArt="0" anchor="ctr" anchorCtr="0" forceAA="0" compatLnSpc="1">
+            <a:prstTxWarp prst="textNoShape">
+              <a:avLst/>
+            </a:prstTxWarp>
+            <a:noAutofit/>
+          </a:bodyPr>
+          <a:lstStyle>
+            <a:defPPr>
+              <a:defRPr lang="he-IL"/>
+            </a:defPPr>
+            <a:lvl1pPr marL="0" algn="r" defTabSz="914400" rtl="1" eaLnBrk="1" latinLnBrk="0" hangingPunct="1">
+              <a:defRPr sz="1800" kern="1200">
+                <a:solidFill>
+                  <a:schemeClr val="lt1"/>
+                </a:solidFill>
+                <a:latin typeface="+mn-lt"/>
+                <a:ea typeface="+mn-ea"/>
+                <a:cs typeface="+mn-cs"/>
+              </a:defRPr>
+            </a:lvl1pPr>
+            <a:lvl2pPr marL="457200" algn="r" defTabSz="914400" rtl="1" eaLnBrk="1" latinLnBrk="0" hangingPunct="1">
+              <a:defRPr sz="1800" kern="1200">
+                <a:solidFill>
+                  <a:schemeClr val="lt1"/>
+                </a:solidFill>
+                <a:latin typeface="+mn-lt"/>
+                <a:ea typeface="+mn-ea"/>
+                <a:cs typeface="+mn-cs"/>
+              </a:defRPr>
+            </a:lvl2pPr>
+            <a:lvl3pPr marL="914400" algn="r" defTabSz="914400" rtl="1" eaLnBrk="1" latinLnBrk="0" hangingPunct="1">
+              <a:defRPr sz="1800" kern="1200">
+                <a:solidFill>
+                  <a:schemeClr val="lt1"/>
+                </a:solidFill>
+                <a:latin typeface="+mn-lt"/>
+                <a:ea typeface="+mn-ea"/>
+                <a:cs typeface="+mn-cs"/>
+              </a:defRPr>
+            </a:lvl3pPr>
+            <a:lvl4pPr marL="1371600" algn="r" defTabSz="914400" rtl="1" eaLnBrk="1" latinLnBrk="0" hangingPunct="1">
+              <a:defRPr sz="1800" kern="1200">
+                <a:solidFill>
+                  <a:schemeClr val="lt1"/>
+                </a:solidFill>
+                <a:latin typeface="+mn-lt"/>
+                <a:ea typeface="+mn-ea"/>
+                <a:cs typeface="+mn-cs"/>
+              </a:defRPr>
+            </a:lvl4pPr>
+            <a:lvl5pPr marL="1828800" algn="r" defTabSz="914400" rtl="1" eaLnBrk="1" latinLnBrk="0" hangingPunct="1">
+              <a:defRPr sz="1800" kern="1200">
+                <a:solidFill>
+                  <a:schemeClr val="lt1"/>
+                </a:solidFill>
+                <a:latin typeface="+mn-lt"/>
+                <a:ea typeface="+mn-ea"/>
+                <a:cs typeface="+mn-cs"/>
+              </a:defRPr>
+            </a:lvl5pPr>
+            <a:lvl6pPr marL="2286000" algn="r" defTabSz="914400" rtl="1" eaLnBrk="1" latinLnBrk="0" hangingPunct="1">
+              <a:defRPr sz="1800" kern="1200">
+                <a:solidFill>
+                  <a:schemeClr val="lt1"/>
+                </a:solidFill>
+                <a:latin typeface="+mn-lt"/>
+                <a:ea typeface="+mn-ea"/>
+                <a:cs typeface="+mn-cs"/>
+              </a:defRPr>
+            </a:lvl6pPr>
+            <a:lvl7pPr marL="2743200" algn="r" defTabSz="914400" rtl="1" eaLnBrk="1" latinLnBrk="0" hangingPunct="1">
+              <a:defRPr sz="1800" kern="1200">
+                <a:solidFill>
+                  <a:schemeClr val="lt1"/>
+                </a:solidFill>
+                <a:latin typeface="+mn-lt"/>
+                <a:ea typeface="+mn-ea"/>
+                <a:cs typeface="+mn-cs"/>
+              </a:defRPr>
+            </a:lvl7pPr>
+            <a:lvl8pPr marL="3200400" algn="r" defTabSz="914400" rtl="1" eaLnBrk="1" latinLnBrk="0" hangingPunct="1">
+              <a:defRPr sz="1800" kern="1200">
+                <a:solidFill>
+                  <a:schemeClr val="lt1"/>
+                </a:solidFill>
+                <a:latin typeface="+mn-lt"/>
+                <a:ea typeface="+mn-ea"/>
+                <a:cs typeface="+mn-cs"/>
+              </a:defRPr>
+            </a:lvl8pPr>
+            <a:lvl9pPr marL="3657600" algn="r" defTabSz="914400" rtl="1" eaLnBrk="1" latinLnBrk="0" hangingPunct="1">
+              <a:defRPr sz="1800" kern="1200">
+                <a:solidFill>
+                  <a:schemeClr val="lt1"/>
+                </a:solidFill>
+                <a:latin typeface="+mn-lt"/>
+                <a:ea typeface="+mn-ea"/>
+                <a:cs typeface="+mn-cs"/>
+              </a:defRPr>
+            </a:lvl9pPr>
+          </a:lstStyle>
+          <a:p>
+            <a:pPr algn="ctr"/>
+            <a:r>
+              <a:rPr lang="he-IL" dirty="0">
+                <a:cs typeface="Arial"/>
+              </a:rPr>
+              <a:t>הוספה</a:t>
+            </a:r>
+            <a:endParaRPr lang="he-IL" dirty="0"/>
+          </a:p>
+        </p:txBody>
+      </p:sp>
+      <p:sp>
+        <p:nvSpPr>
+          <p:cNvPr id="109" name="מלבן 108">
+            <a:extLst>
+              <a:ext uri="{FF2B5EF4-FFF2-40B4-BE49-F238E27FC236}">
+                <a16:creationId xmlns:a16="http://schemas.microsoft.com/office/drawing/2014/main" id="{6A98EC60-D2D1-7028-EACB-F8A12F8E6966}"/>
+              </a:ext>
+            </a:extLst>
+          </p:cNvPr>
+          <p:cNvSpPr/>
+          <p:nvPr/>
+        </p:nvSpPr>
+        <p:spPr>
+          <a:xfrm>
+            <a:off x="6027887" y="6423264"/>
+            <a:ext cx="934527" cy="345056"/>
+          </a:xfrm>
+          <a:prstGeom prst="rect">
+            <a:avLst/>
+          </a:prstGeom>
+          <a:solidFill>
+            <a:srgbClr val="C00000"/>
+          </a:solidFill>
+          <a:ln>
+            <a:noFill/>
+          </a:ln>
+        </p:spPr>
+        <p:style>
+          <a:lnRef idx="2">
+            <a:schemeClr val="accent1">
+              <a:shade val="50000"/>
+            </a:schemeClr>
+          </a:lnRef>
+          <a:fillRef idx="1">
+            <a:schemeClr val="accent1"/>
+          </a:fillRef>
+          <a:effectRef idx="0">
+            <a:schemeClr val="accent1"/>
+          </a:effectRef>
+          <a:fontRef idx="minor">
+            <a:schemeClr val="lt1"/>
+          </a:fontRef>
+        </p:style>
+        <p:txBody>
+          <a:bodyPr lIns="91440" tIns="45720" rIns="91440" bIns="45720" rtlCol="1" anchor="ctr"/>
+          <a:lstStyle>
+            <a:defPPr>
+              <a:defRPr lang="he-IL"/>
+            </a:defPPr>
+            <a:lvl1pPr marL="0" algn="r" defTabSz="914400" rtl="1" eaLnBrk="1" latinLnBrk="0" hangingPunct="1">
+              <a:defRPr sz="1800" kern="1200">
+                <a:solidFill>
+                  <a:schemeClr val="lt1"/>
+                </a:solidFill>
+                <a:latin typeface="+mn-lt"/>
+                <a:ea typeface="+mn-ea"/>
+                <a:cs typeface="+mn-cs"/>
+              </a:defRPr>
+            </a:lvl1pPr>
+            <a:lvl2pPr marL="457200" algn="r" defTabSz="914400" rtl="1" eaLnBrk="1" latinLnBrk="0" hangingPunct="1">
+              <a:defRPr sz="1800" kern="1200">
+                <a:solidFill>
+                  <a:schemeClr val="lt1"/>
+                </a:solidFill>
+                <a:latin typeface="+mn-lt"/>
+                <a:ea typeface="+mn-ea"/>
+                <a:cs typeface="+mn-cs"/>
+              </a:defRPr>
+            </a:lvl2pPr>
+            <a:lvl3pPr marL="914400" algn="r" defTabSz="914400" rtl="1" eaLnBrk="1" latinLnBrk="0" hangingPunct="1">
+              <a:defRPr sz="1800" kern="1200">
+                <a:solidFill>
+                  <a:schemeClr val="lt1"/>
+                </a:solidFill>
+                <a:latin typeface="+mn-lt"/>
+                <a:ea typeface="+mn-ea"/>
+                <a:cs typeface="+mn-cs"/>
+              </a:defRPr>
+            </a:lvl3pPr>
+            <a:lvl4pPr marL="1371600" algn="r" defTabSz="914400" rtl="1" eaLnBrk="1" latinLnBrk="0" hangingPunct="1">
+              <a:defRPr sz="1800" kern="1200">
+                <a:solidFill>
+                  <a:schemeClr val="lt1"/>
+                </a:solidFill>
+                <a:latin typeface="+mn-lt"/>
+                <a:ea typeface="+mn-ea"/>
+                <a:cs typeface="+mn-cs"/>
+              </a:defRPr>
+            </a:lvl4pPr>
+            <a:lvl5pPr marL="1828800" algn="r" defTabSz="914400" rtl="1" eaLnBrk="1" latinLnBrk="0" hangingPunct="1">
+              <a:defRPr sz="1800" kern="1200">
+                <a:solidFill>
+                  <a:schemeClr val="lt1"/>
+                </a:solidFill>
+                <a:latin typeface="+mn-lt"/>
+                <a:ea typeface="+mn-ea"/>
+                <a:cs typeface="+mn-cs"/>
+              </a:defRPr>
+            </a:lvl5pPr>
+            <a:lvl6pPr marL="2286000" algn="r" defTabSz="914400" rtl="1" eaLnBrk="1" latinLnBrk="0" hangingPunct="1">
+              <a:defRPr sz="1800" kern="1200">
+                <a:solidFill>
+                  <a:schemeClr val="lt1"/>
+                </a:solidFill>
+                <a:latin typeface="+mn-lt"/>
+                <a:ea typeface="+mn-ea"/>
+                <a:cs typeface="+mn-cs"/>
+              </a:defRPr>
+            </a:lvl6pPr>
+            <a:lvl7pPr marL="2743200" algn="r" defTabSz="914400" rtl="1" eaLnBrk="1" latinLnBrk="0" hangingPunct="1">
+              <a:defRPr sz="1800" kern="1200">
+                <a:solidFill>
+                  <a:schemeClr val="lt1"/>
+                </a:solidFill>
+                <a:latin typeface="+mn-lt"/>
+                <a:ea typeface="+mn-ea"/>
+                <a:cs typeface="+mn-cs"/>
+              </a:defRPr>
+            </a:lvl7pPr>
+            <a:lvl8pPr marL="3200400" algn="r" defTabSz="914400" rtl="1" eaLnBrk="1" latinLnBrk="0" hangingPunct="1">
+              <a:defRPr sz="1800" kern="1200">
+                <a:solidFill>
+                  <a:schemeClr val="lt1"/>
+                </a:solidFill>
+                <a:latin typeface="+mn-lt"/>
+                <a:ea typeface="+mn-ea"/>
+                <a:cs typeface="+mn-cs"/>
+              </a:defRPr>
+            </a:lvl8pPr>
+            <a:lvl9pPr marL="3657600" algn="r" defTabSz="914400" rtl="1" eaLnBrk="1" latinLnBrk="0" hangingPunct="1">
+              <a:defRPr sz="1800" kern="1200">
+                <a:solidFill>
+                  <a:schemeClr val="lt1"/>
+                </a:solidFill>
+                <a:latin typeface="+mn-lt"/>
+                <a:ea typeface="+mn-ea"/>
+                <a:cs typeface="+mn-cs"/>
+              </a:defRPr>
+            </a:lvl9pPr>
+          </a:lstStyle>
+          <a:p>
+            <a:pPr algn="ctr"/>
+            <a:r>
+              <a:rPr lang="he-IL" dirty="0">
+                <a:cs typeface="Arial"/>
+              </a:rPr>
+              <a:t>צפיה</a:t>
+            </a:r>
+            <a:endParaRPr lang="he-IL" dirty="0"/>
+          </a:p>
+        </p:txBody>
+      </p:sp>
+      <p:sp>
+        <p:nvSpPr>
+          <p:cNvPr id="110" name="מלבן 109">
+            <a:extLst>
+              <a:ext uri="{FF2B5EF4-FFF2-40B4-BE49-F238E27FC236}">
+                <a16:creationId xmlns:a16="http://schemas.microsoft.com/office/drawing/2014/main" id="{9395C326-67D2-8405-D41D-833CC6D0FB2D}"/>
+              </a:ext>
+            </a:extLst>
+          </p:cNvPr>
+          <p:cNvSpPr/>
+          <p:nvPr/>
+        </p:nvSpPr>
+        <p:spPr>
+          <a:xfrm>
+            <a:off x="6459207" y="5848169"/>
+            <a:ext cx="934527" cy="345056"/>
+          </a:xfrm>
+          <a:prstGeom prst="rect">
+            <a:avLst/>
+          </a:prstGeom>
+          <a:solidFill>
+            <a:srgbClr val="C00000"/>
+          </a:solidFill>
+          <a:ln>
+            <a:noFill/>
+          </a:ln>
+        </p:spPr>
+        <p:style>
+          <a:lnRef idx="2">
+            <a:schemeClr val="accent1">
+              <a:shade val="50000"/>
+            </a:schemeClr>
+          </a:lnRef>
+          <a:fillRef idx="1">
+            <a:schemeClr val="accent1"/>
+          </a:fillRef>
+          <a:effectRef idx="0">
+            <a:schemeClr val="accent1"/>
+          </a:effectRef>
+          <a:fontRef idx="minor">
+            <a:schemeClr val="lt1"/>
+          </a:fontRef>
+        </p:style>
+        <p:txBody>
+          <a:bodyPr lIns="91440" tIns="45720" rIns="91440" bIns="45720" rtlCol="1" anchor="ctr"/>
+          <a:lstStyle>
+            <a:defPPr>
+              <a:defRPr lang="he-IL"/>
+            </a:defPPr>
+            <a:lvl1pPr marL="0" algn="r" defTabSz="914400" rtl="1" eaLnBrk="1" latinLnBrk="0" hangingPunct="1">
+              <a:defRPr sz="1800" kern="1200">
+                <a:solidFill>
+                  <a:schemeClr val="lt1"/>
+                </a:solidFill>
+                <a:latin typeface="+mn-lt"/>
+                <a:ea typeface="+mn-ea"/>
+                <a:cs typeface="+mn-cs"/>
+              </a:defRPr>
+            </a:lvl1pPr>
+            <a:lvl2pPr marL="457200" algn="r" defTabSz="914400" rtl="1" eaLnBrk="1" latinLnBrk="0" hangingPunct="1">
+              <a:defRPr sz="1800" kern="1200">
+                <a:solidFill>
+                  <a:schemeClr val="lt1"/>
+                </a:solidFill>
+                <a:latin typeface="+mn-lt"/>
+                <a:ea typeface="+mn-ea"/>
+                <a:cs typeface="+mn-cs"/>
+              </a:defRPr>
+            </a:lvl2pPr>
+            <a:lvl3pPr marL="914400" algn="r" defTabSz="914400" rtl="1" eaLnBrk="1" latinLnBrk="0" hangingPunct="1">
+              <a:defRPr sz="1800" kern="1200">
+                <a:solidFill>
+                  <a:schemeClr val="lt1"/>
+                </a:solidFill>
+                <a:latin typeface="+mn-lt"/>
+                <a:ea typeface="+mn-ea"/>
+                <a:cs typeface="+mn-cs"/>
+              </a:defRPr>
+            </a:lvl3pPr>
+            <a:lvl4pPr marL="1371600" algn="r" defTabSz="914400" rtl="1" eaLnBrk="1" latinLnBrk="0" hangingPunct="1">
+              <a:defRPr sz="1800" kern="1200">
+                <a:solidFill>
+                  <a:schemeClr val="lt1"/>
+                </a:solidFill>
+                <a:latin typeface="+mn-lt"/>
+                <a:ea typeface="+mn-ea"/>
+                <a:cs typeface="+mn-cs"/>
+              </a:defRPr>
+            </a:lvl4pPr>
+            <a:lvl5pPr marL="1828800" algn="r" defTabSz="914400" rtl="1" eaLnBrk="1" latinLnBrk="0" hangingPunct="1">
+              <a:defRPr sz="1800" kern="1200">
+                <a:solidFill>
+                  <a:schemeClr val="lt1"/>
+                </a:solidFill>
+                <a:latin typeface="+mn-lt"/>
+                <a:ea typeface="+mn-ea"/>
+                <a:cs typeface="+mn-cs"/>
+              </a:defRPr>
+            </a:lvl5pPr>
+            <a:lvl6pPr marL="2286000" algn="r" defTabSz="914400" rtl="1" eaLnBrk="1" latinLnBrk="0" hangingPunct="1">
+              <a:defRPr sz="1800" kern="1200">
+                <a:solidFill>
+                  <a:schemeClr val="lt1"/>
+                </a:solidFill>
+                <a:latin typeface="+mn-lt"/>
+                <a:ea typeface="+mn-ea"/>
+                <a:cs typeface="+mn-cs"/>
+              </a:defRPr>
+            </a:lvl6pPr>
+            <a:lvl7pPr marL="2743200" algn="r" defTabSz="914400" rtl="1" eaLnBrk="1" latinLnBrk="0" hangingPunct="1">
+              <a:defRPr sz="1800" kern="1200">
+                <a:solidFill>
+                  <a:schemeClr val="lt1"/>
+                </a:solidFill>
+                <a:latin typeface="+mn-lt"/>
+                <a:ea typeface="+mn-ea"/>
+                <a:cs typeface="+mn-cs"/>
+              </a:defRPr>
+            </a:lvl7pPr>
+            <a:lvl8pPr marL="3200400" algn="r" defTabSz="914400" rtl="1" eaLnBrk="1" latinLnBrk="0" hangingPunct="1">
+              <a:defRPr sz="1800" kern="1200">
+                <a:solidFill>
+                  <a:schemeClr val="lt1"/>
+                </a:solidFill>
+                <a:latin typeface="+mn-lt"/>
+                <a:ea typeface="+mn-ea"/>
+                <a:cs typeface="+mn-cs"/>
+              </a:defRPr>
+            </a:lvl8pPr>
+            <a:lvl9pPr marL="3657600" algn="r" defTabSz="914400" rtl="1" eaLnBrk="1" latinLnBrk="0" hangingPunct="1">
+              <a:defRPr sz="1800" kern="1200">
+                <a:solidFill>
+                  <a:schemeClr val="lt1"/>
+                </a:solidFill>
+                <a:latin typeface="+mn-lt"/>
+                <a:ea typeface="+mn-ea"/>
+                <a:cs typeface="+mn-cs"/>
+              </a:defRPr>
+            </a:lvl9pPr>
+          </a:lstStyle>
+          <a:p>
+            <a:pPr algn="ctr"/>
+            <a:r>
+              <a:rPr lang="he-IL" dirty="0">
+                <a:cs typeface="Arial"/>
+              </a:rPr>
+              <a:t>מחיקה</a:t>
+            </a:r>
+            <a:endParaRPr lang="he-IL" dirty="0"/>
+          </a:p>
+        </p:txBody>
+      </p:sp>
+      <p:cxnSp>
+        <p:nvCxnSpPr>
+          <p:cNvPr id="111" name="מחבר חץ ישר 110">
+            <a:extLst>
+              <a:ext uri="{FF2B5EF4-FFF2-40B4-BE49-F238E27FC236}">
+                <a16:creationId xmlns:a16="http://schemas.microsoft.com/office/drawing/2014/main" id="{731ACE64-E5A4-8ECB-D40D-FE0A749B976D}"/>
+              </a:ext>
+            </a:extLst>
+          </p:cNvPr>
+          <p:cNvCxnSpPr>
+            <a:cxnSpLocks/>
+          </p:cNvCxnSpPr>
+          <p:nvPr/>
+        </p:nvCxnSpPr>
+        <p:spPr>
+          <a:xfrm>
+            <a:off x="5653177" y="6436743"/>
+            <a:ext cx="310550" cy="94891"/>
+          </a:xfrm>
+          <a:prstGeom prst="straightConnector1">
+            <a:avLst/>
+          </a:prstGeom>
+          <a:ln>
+            <a:tailEnd type="triangle"/>
+          </a:ln>
+        </p:spPr>
+        <p:style>
+          <a:lnRef idx="1">
+            <a:schemeClr val="accent1"/>
+          </a:lnRef>
+          <a:fillRef idx="0">
+            <a:schemeClr val="accent1"/>
+          </a:fillRef>
+          <a:effectRef idx="0">
+            <a:schemeClr val="accent1"/>
+          </a:effectRef>
+          <a:fontRef idx="minor">
+            <a:schemeClr val="tx1"/>
+          </a:fontRef>
+        </p:style>
+      </p:cxnSp>
+      <p:sp>
+        <p:nvSpPr>
+          <p:cNvPr id="114" name="מלבן 113">
+            <a:extLst>
+              <a:ext uri="{FF2B5EF4-FFF2-40B4-BE49-F238E27FC236}">
+                <a16:creationId xmlns:a16="http://schemas.microsoft.com/office/drawing/2014/main" id="{B8C5624E-003B-2630-E5D3-CECC59277202}"/>
+              </a:ext>
+            </a:extLst>
+          </p:cNvPr>
+          <p:cNvSpPr/>
+          <p:nvPr/>
+        </p:nvSpPr>
+        <p:spPr>
+          <a:xfrm>
+            <a:off x="7221206" y="6423262"/>
+            <a:ext cx="934527" cy="345056"/>
+          </a:xfrm>
+          <a:prstGeom prst="rect">
+            <a:avLst/>
+          </a:prstGeom>
+          <a:solidFill>
+            <a:srgbClr val="C00000"/>
+          </a:solidFill>
+          <a:ln>
+            <a:noFill/>
+          </a:ln>
+        </p:spPr>
+        <p:style>
+          <a:lnRef idx="2">
+            <a:schemeClr val="accent1">
+              <a:shade val="50000"/>
+            </a:schemeClr>
+          </a:lnRef>
+          <a:fillRef idx="1">
+            <a:schemeClr val="accent1"/>
+          </a:fillRef>
+          <a:effectRef idx="0">
+            <a:schemeClr val="accent1"/>
+          </a:effectRef>
+          <a:fontRef idx="minor">
+            <a:schemeClr val="lt1"/>
+          </a:fontRef>
+        </p:style>
+        <p:txBody>
+          <a:bodyPr lIns="91440" tIns="45720" rIns="91440" bIns="45720" rtlCol="1" anchor="ctr"/>
+          <a:lstStyle>
+            <a:defPPr>
+              <a:defRPr lang="he-IL"/>
+            </a:defPPr>
+            <a:lvl1pPr marL="0" algn="r" defTabSz="914400" rtl="1" eaLnBrk="1" latinLnBrk="0" hangingPunct="1">
+              <a:defRPr sz="1800" kern="1200">
+                <a:solidFill>
+                  <a:schemeClr val="lt1"/>
+                </a:solidFill>
+                <a:latin typeface="+mn-lt"/>
+                <a:ea typeface="+mn-ea"/>
+                <a:cs typeface="+mn-cs"/>
+              </a:defRPr>
+            </a:lvl1pPr>
+            <a:lvl2pPr marL="457200" algn="r" defTabSz="914400" rtl="1" eaLnBrk="1" latinLnBrk="0" hangingPunct="1">
+              <a:defRPr sz="1800" kern="1200">
+                <a:solidFill>
+                  <a:schemeClr val="lt1"/>
+                </a:solidFill>
+                <a:latin typeface="+mn-lt"/>
+                <a:ea typeface="+mn-ea"/>
+                <a:cs typeface="+mn-cs"/>
+              </a:defRPr>
+            </a:lvl2pPr>
+            <a:lvl3pPr marL="914400" algn="r" defTabSz="914400" rtl="1" eaLnBrk="1" latinLnBrk="0" hangingPunct="1">
+              <a:defRPr sz="1800" kern="1200">
+                <a:solidFill>
+                  <a:schemeClr val="lt1"/>
+                </a:solidFill>
+                <a:latin typeface="+mn-lt"/>
+                <a:ea typeface="+mn-ea"/>
+                <a:cs typeface="+mn-cs"/>
+              </a:defRPr>
+            </a:lvl3pPr>
+            <a:lvl4pPr marL="1371600" algn="r" defTabSz="914400" rtl="1" eaLnBrk="1" latinLnBrk="0" hangingPunct="1">
+              <a:defRPr sz="1800" kern="1200">
+                <a:solidFill>
+                  <a:schemeClr val="lt1"/>
+                </a:solidFill>
+                <a:latin typeface="+mn-lt"/>
+                <a:ea typeface="+mn-ea"/>
+                <a:cs typeface="+mn-cs"/>
+              </a:defRPr>
+            </a:lvl4pPr>
+            <a:lvl5pPr marL="1828800" algn="r" defTabSz="914400" rtl="1" eaLnBrk="1" latinLnBrk="0" hangingPunct="1">
+              <a:defRPr sz="1800" kern="1200">
+                <a:solidFill>
+                  <a:schemeClr val="lt1"/>
+                </a:solidFill>
+                <a:latin typeface="+mn-lt"/>
+                <a:ea typeface="+mn-ea"/>
+                <a:cs typeface="+mn-cs"/>
+              </a:defRPr>
+            </a:lvl5pPr>
+            <a:lvl6pPr marL="2286000" algn="r" defTabSz="914400" rtl="1" eaLnBrk="1" latinLnBrk="0" hangingPunct="1">
+              <a:defRPr sz="1800" kern="1200">
+                <a:solidFill>
+                  <a:schemeClr val="lt1"/>
+                </a:solidFill>
+                <a:latin typeface="+mn-lt"/>
+                <a:ea typeface="+mn-ea"/>
+                <a:cs typeface="+mn-cs"/>
+              </a:defRPr>
+            </a:lvl6pPr>
+            <a:lvl7pPr marL="2743200" algn="r" defTabSz="914400" rtl="1" eaLnBrk="1" latinLnBrk="0" hangingPunct="1">
+              <a:defRPr sz="1800" kern="1200">
+                <a:solidFill>
+                  <a:schemeClr val="lt1"/>
+                </a:solidFill>
+                <a:latin typeface="+mn-lt"/>
+                <a:ea typeface="+mn-ea"/>
+                <a:cs typeface="+mn-cs"/>
+              </a:defRPr>
+            </a:lvl7pPr>
+            <a:lvl8pPr marL="3200400" algn="r" defTabSz="914400" rtl="1" eaLnBrk="1" latinLnBrk="0" hangingPunct="1">
+              <a:defRPr sz="1800" kern="1200">
+                <a:solidFill>
+                  <a:schemeClr val="lt1"/>
+                </a:solidFill>
+                <a:latin typeface="+mn-lt"/>
+                <a:ea typeface="+mn-ea"/>
+                <a:cs typeface="+mn-cs"/>
+              </a:defRPr>
+            </a:lvl8pPr>
+            <a:lvl9pPr marL="3657600" algn="r" defTabSz="914400" rtl="1" eaLnBrk="1" latinLnBrk="0" hangingPunct="1">
+              <a:defRPr sz="1800" kern="1200">
+                <a:solidFill>
+                  <a:schemeClr val="lt1"/>
+                </a:solidFill>
+                <a:latin typeface="+mn-lt"/>
+                <a:ea typeface="+mn-ea"/>
+                <a:cs typeface="+mn-cs"/>
+              </a:defRPr>
+            </a:lvl9pPr>
+          </a:lstStyle>
+          <a:p>
+            <a:pPr algn="ctr"/>
+            <a:r>
+              <a:rPr lang="he-IL" dirty="0">
+                <a:cs typeface="Arial"/>
+              </a:rPr>
+              <a:t>עדכון</a:t>
+            </a:r>
+            <a:endParaRPr lang="he-IL" dirty="0"/>
+          </a:p>
+        </p:txBody>
+      </p:sp>
+      <p:cxnSp>
+        <p:nvCxnSpPr>
+          <p:cNvPr id="116" name="מחבר חץ ישר 115">
+            <a:extLst>
+              <a:ext uri="{FF2B5EF4-FFF2-40B4-BE49-F238E27FC236}">
+                <a16:creationId xmlns:a16="http://schemas.microsoft.com/office/drawing/2014/main" id="{2F615161-F3DF-DE05-94B5-CAEC793DBBBE}"/>
+              </a:ext>
+            </a:extLst>
+          </p:cNvPr>
+          <p:cNvCxnSpPr>
+            <a:cxnSpLocks/>
+          </p:cNvCxnSpPr>
+          <p:nvPr/>
+        </p:nvCxnSpPr>
+        <p:spPr>
+          <a:xfrm flipV="1">
+            <a:off x="5653177" y="6028426"/>
+            <a:ext cx="770625" cy="250165"/>
+          </a:xfrm>
+          <a:prstGeom prst="straightConnector1">
+            <a:avLst/>
+          </a:prstGeom>
+          <a:ln>
+            <a:tailEnd type="triangle"/>
+          </a:ln>
+        </p:spPr>
+        <p:style>
+          <a:lnRef idx="1">
+            <a:schemeClr val="accent1"/>
+          </a:lnRef>
+          <a:fillRef idx="0">
+            <a:schemeClr val="accent1"/>
+          </a:fillRef>
+          <a:effectRef idx="0">
+            <a:schemeClr val="accent1"/>
+          </a:effectRef>
+          <a:fontRef idx="minor">
+            <a:schemeClr val="tx1"/>
+          </a:fontRef>
+        </p:style>
+      </p:cxnSp>
+      <p:cxnSp>
+        <p:nvCxnSpPr>
+          <p:cNvPr id="117" name="מחבר חץ ישר 116">
+            <a:extLst>
+              <a:ext uri="{FF2B5EF4-FFF2-40B4-BE49-F238E27FC236}">
+                <a16:creationId xmlns:a16="http://schemas.microsoft.com/office/drawing/2014/main" id="{A9B3E2EA-CC61-876A-E54A-145FA519AE02}"/>
+              </a:ext>
+            </a:extLst>
+          </p:cNvPr>
+          <p:cNvCxnSpPr>
+            <a:cxnSpLocks/>
+          </p:cNvCxnSpPr>
+          <p:nvPr/>
+        </p:nvCxnSpPr>
+        <p:spPr>
+          <a:xfrm flipV="1">
+            <a:off x="5638800" y="6344729"/>
+            <a:ext cx="1805794" cy="5750"/>
+          </a:xfrm>
+          <a:prstGeom prst="straightConnector1">
+            <a:avLst/>
+          </a:prstGeom>
+          <a:ln>
+            <a:tailEnd type="triangle"/>
+          </a:ln>
+        </p:spPr>
+        <p:style>
+          <a:lnRef idx="1">
+            <a:schemeClr val="accent1"/>
+          </a:lnRef>
+          <a:fillRef idx="0">
+            <a:schemeClr val="accent1"/>
+          </a:fillRef>
+          <a:effectRef idx="0">
+            <a:schemeClr val="accent1"/>
+          </a:effectRef>
+          <a:fontRef idx="minor">
+            <a:schemeClr val="tx1"/>
+          </a:fontRef>
+        </p:style>
+      </p:cxnSp>
+      <p:cxnSp>
+        <p:nvCxnSpPr>
+          <p:cNvPr id="118" name="מחבר חץ ישר 117">
+            <a:extLst>
+              <a:ext uri="{FF2B5EF4-FFF2-40B4-BE49-F238E27FC236}">
+                <a16:creationId xmlns:a16="http://schemas.microsoft.com/office/drawing/2014/main" id="{04523AF3-279D-BFBB-8751-AD78F27798EA}"/>
+              </a:ext>
+            </a:extLst>
+          </p:cNvPr>
+          <p:cNvCxnSpPr>
+            <a:cxnSpLocks/>
+          </p:cNvCxnSpPr>
+          <p:nvPr/>
+        </p:nvCxnSpPr>
+        <p:spPr>
+          <a:xfrm flipV="1">
+            <a:off x="5739441" y="6172200"/>
+            <a:ext cx="1935191" cy="135146"/>
+          </a:xfrm>
+          <a:prstGeom prst="straightConnector1">
+            <a:avLst/>
+          </a:prstGeom>
+          <a:ln>
+            <a:tailEnd type="triangle"/>
+          </a:ln>
+        </p:spPr>
+        <p:style>
+          <a:lnRef idx="1">
+            <a:schemeClr val="accent1"/>
+          </a:lnRef>
+          <a:fillRef idx="0">
+            <a:schemeClr val="accent1"/>
+          </a:fillRef>
+          <a:effectRef idx="0">
+            <a:schemeClr val="accent1"/>
+          </a:effectRef>
+          <a:fontRef idx="minor">
+            <a:schemeClr val="tx1"/>
+          </a:fontRef>
+        </p:style>
+      </p:cxnSp>
     </p:spTree>
     <p:extLst>
       <p:ext uri="{BB962C8B-B14F-4D97-AF65-F5344CB8AC3E}">

--- a/ספר פרויקט/מצגת  לפרויקט.pptx
+++ b/ספר פרויקט/מצגת  לפרויקט.pptx
@@ -125,8 +125,8 @@
 <p1510:revInfo xmlns:a="http://schemas.openxmlformats.org/drawingml/2006/main" xmlns:r="http://schemas.openxmlformats.org/officeDocument/2006/relationships" xmlns:p1510="http://schemas.microsoft.com/office/powerpoint/2015/10/main">
   <p1510:revLst>
     <p1510:client id="{395D2C45-312F-42A4-871A-FF853D44858E}" v="555" dt="2022-05-10T21:12:07.600"/>
+    <p1510:client id="{ABE43378-C7D2-4A11-A4BB-383B9D218D6A}" v="2" dt="2022-05-09T17:40:29.426"/>
     <p1510:client id="{81D8F962-51D2-4555-B596-8907E3088BF9}" v="706" dt="2022-05-17T00:42:14.505"/>
-    <p1510:client id="{ABE43378-C7D2-4A11-A4BB-383B9D218D6A}" v="2" dt="2022-05-09T17:40:29.426"/>
   </p1510:revLst>
 </p1510:revInfo>
 </file>
@@ -278,7 +278,7 @@
           <a:p>
             <a:fld id="{A95A5026-5970-4C01-AA04-F4A694AF9966}" type="datetimeFigureOut">
               <a:rPr lang="he-IL" smtClean="0"/>
-              <a:t>ט"ו/אייר/תשפ"ב</a:t>
+              <a:t>ט"ז/אייר/תשפ"ב</a:t>
             </a:fld>
             <a:endParaRPr lang="he-IL"/>
           </a:p>
@@ -476,7 +476,7 @@
           <a:p>
             <a:fld id="{A95A5026-5970-4C01-AA04-F4A694AF9966}" type="datetimeFigureOut">
               <a:rPr lang="he-IL" smtClean="0"/>
-              <a:t>ט"ו/אייר/תשפ"ב</a:t>
+              <a:t>ט"ז/אייר/תשפ"ב</a:t>
             </a:fld>
             <a:endParaRPr lang="he-IL"/>
           </a:p>
@@ -684,7 +684,7 @@
           <a:p>
             <a:fld id="{A95A5026-5970-4C01-AA04-F4A694AF9966}" type="datetimeFigureOut">
               <a:rPr lang="he-IL" smtClean="0"/>
-              <a:t>ט"ו/אייר/תשפ"ב</a:t>
+              <a:t>ט"ז/אייר/תשפ"ב</a:t>
             </a:fld>
             <a:endParaRPr lang="he-IL"/>
           </a:p>
@@ -882,7 +882,7 @@
           <a:p>
             <a:fld id="{A95A5026-5970-4C01-AA04-F4A694AF9966}" type="datetimeFigureOut">
               <a:rPr lang="he-IL" smtClean="0"/>
-              <a:t>ט"ו/אייר/תשפ"ב</a:t>
+              <a:t>ט"ז/אייר/תשפ"ב</a:t>
             </a:fld>
             <a:endParaRPr lang="he-IL"/>
           </a:p>
@@ -1157,7 +1157,7 @@
           <a:p>
             <a:fld id="{A95A5026-5970-4C01-AA04-F4A694AF9966}" type="datetimeFigureOut">
               <a:rPr lang="he-IL" smtClean="0"/>
-              <a:t>ט"ו/אייר/תשפ"ב</a:t>
+              <a:t>ט"ז/אייר/תשפ"ב</a:t>
             </a:fld>
             <a:endParaRPr lang="he-IL"/>
           </a:p>
@@ -1422,7 +1422,7 @@
           <a:p>
             <a:fld id="{A95A5026-5970-4C01-AA04-F4A694AF9966}" type="datetimeFigureOut">
               <a:rPr lang="he-IL" smtClean="0"/>
-              <a:t>ט"ו/אייר/תשפ"ב</a:t>
+              <a:t>ט"ז/אייר/תשפ"ב</a:t>
             </a:fld>
             <a:endParaRPr lang="he-IL"/>
           </a:p>
@@ -1834,7 +1834,7 @@
           <a:p>
             <a:fld id="{A95A5026-5970-4C01-AA04-F4A694AF9966}" type="datetimeFigureOut">
               <a:rPr lang="he-IL" smtClean="0"/>
-              <a:t>ט"ו/אייר/תשפ"ב</a:t>
+              <a:t>ט"ז/אייר/תשפ"ב</a:t>
             </a:fld>
             <a:endParaRPr lang="he-IL"/>
           </a:p>
@@ -1975,7 +1975,7 @@
           <a:p>
             <a:fld id="{A95A5026-5970-4C01-AA04-F4A694AF9966}" type="datetimeFigureOut">
               <a:rPr lang="he-IL" smtClean="0"/>
-              <a:t>ט"ו/אייר/תשפ"ב</a:t>
+              <a:t>ט"ז/אייר/תשפ"ב</a:t>
             </a:fld>
             <a:endParaRPr lang="he-IL"/>
           </a:p>
@@ -2088,7 +2088,7 @@
           <a:p>
             <a:fld id="{A95A5026-5970-4C01-AA04-F4A694AF9966}" type="datetimeFigureOut">
               <a:rPr lang="he-IL" smtClean="0"/>
-              <a:t>ט"ו/אייר/תשפ"ב</a:t>
+              <a:t>ט"ז/אייר/תשפ"ב</a:t>
             </a:fld>
             <a:endParaRPr lang="he-IL"/>
           </a:p>
@@ -2399,7 +2399,7 @@
           <a:p>
             <a:fld id="{A95A5026-5970-4C01-AA04-F4A694AF9966}" type="datetimeFigureOut">
               <a:rPr lang="he-IL" smtClean="0"/>
-              <a:t>ט"ו/אייר/תשפ"ב</a:t>
+              <a:t>ט"ז/אייר/תשפ"ב</a:t>
             </a:fld>
             <a:endParaRPr lang="he-IL"/>
           </a:p>
@@ -2687,7 +2687,7 @@
           <a:p>
             <a:fld id="{A95A5026-5970-4C01-AA04-F4A694AF9966}" type="datetimeFigureOut">
               <a:rPr lang="he-IL" smtClean="0"/>
-              <a:t>ט"ו/אייר/תשפ"ב</a:t>
+              <a:t>ט"ז/אייר/תשפ"ב</a:t>
             </a:fld>
             <a:endParaRPr lang="he-IL"/>
           </a:p>
@@ -2928,7 +2928,7 @@
           <a:p>
             <a:fld id="{A95A5026-5970-4C01-AA04-F4A694AF9966}" type="datetimeFigureOut">
               <a:rPr lang="he-IL" smtClean="0"/>
-              <a:t>ט"ו/אייר/תשפ"ב</a:t>
+              <a:t>ט"ז/אייר/תשפ"ב</a:t>
             </a:fld>
             <a:endParaRPr lang="he-IL"/>
           </a:p>
@@ -10613,7 +10613,7 @@
           </a:prstGeom>
           <a:ln>
             <a:solidFill>
-              <a:schemeClr val="tx1"/>
+              <a:srgbClr val="002060"/>
             </a:solidFill>
             <a:tailEnd type="triangle"/>
           </a:ln>
@@ -10657,7 +10657,7 @@
           </a:prstGeom>
           <a:ln>
             <a:solidFill>
-              <a:schemeClr val="tx1"/>
+              <a:srgbClr val="002060"/>
             </a:solidFill>
             <a:tailEnd type="triangle"/>
           </a:ln>
@@ -10701,7 +10701,7 @@
           </a:prstGeom>
           <a:ln>
             <a:solidFill>
-              <a:schemeClr val="tx1"/>
+              <a:srgbClr val="002060"/>
             </a:solidFill>
             <a:tailEnd type="triangle"/>
           </a:ln>
@@ -10745,7 +10745,7 @@
           </a:prstGeom>
           <a:ln>
             <a:solidFill>
-              <a:schemeClr val="tx1"/>
+              <a:srgbClr val="002060"/>
             </a:solidFill>
             <a:tailEnd type="triangle"/>
           </a:ln>
@@ -10811,10 +10811,10 @@
       </p:cxnSp>
       <p:sp>
         <p:nvSpPr>
-          <p:cNvPr id="20" name="מלבן 19">
-            <a:extLst>
-              <a:ext uri="{FF2B5EF4-FFF2-40B4-BE49-F238E27FC236}">
-                <a16:creationId xmlns:a16="http://schemas.microsoft.com/office/drawing/2014/main" id="{3429277E-EC90-FA1D-584F-403573D7E81F}"/>
+          <p:cNvPr id="68" name="מלבן 67">
+            <a:extLst>
+              <a:ext uri="{FF2B5EF4-FFF2-40B4-BE49-F238E27FC236}">
+                <a16:creationId xmlns:a16="http://schemas.microsoft.com/office/drawing/2014/main" id="{84815AF0-E629-69AF-496C-8B5D943E9AE5}"/>
               </a:ext>
             </a:extLst>
           </p:cNvPr>
@@ -10823,7 +10823,7 @@
         </p:nvSpPr>
         <p:spPr>
           <a:xfrm>
-            <a:off x="3040093" y="2845998"/>
+            <a:off x="3097602" y="3636752"/>
             <a:ext cx="934527" cy="345056"/>
           </a:xfrm>
           <a:prstGeom prst="rect">
@@ -10869,10 +10869,10 @@
       </p:sp>
       <p:sp>
         <p:nvSpPr>
-          <p:cNvPr id="53" name="מלבן 52">
-            <a:extLst>
-              <a:ext uri="{FF2B5EF4-FFF2-40B4-BE49-F238E27FC236}">
-                <a16:creationId xmlns:a16="http://schemas.microsoft.com/office/drawing/2014/main" id="{32D0F97D-9D13-F2F2-8052-B58714ED73B7}"/>
+          <p:cNvPr id="69" name="מלבן 68">
+            <a:extLst>
+              <a:ext uri="{FF2B5EF4-FFF2-40B4-BE49-F238E27FC236}">
+                <a16:creationId xmlns:a16="http://schemas.microsoft.com/office/drawing/2014/main" id="{72F0AB52-D80E-04C5-5173-12CA71AC0E0D}"/>
               </a:ext>
             </a:extLst>
           </p:cNvPr>
@@ -10881,7 +10881,7 @@
         </p:nvSpPr>
         <p:spPr>
           <a:xfrm>
-            <a:off x="1027263" y="2831621"/>
+            <a:off x="92733" y="3636751"/>
             <a:ext cx="934527" cy="345056"/>
           </a:xfrm>
           <a:prstGeom prst="rect">
@@ -10919,7 +10919,7 @@
               <a:rPr lang="he-IL" dirty="0">
                 <a:cs typeface="Arial"/>
               </a:rPr>
-              <a:t>צפיה</a:t>
+              <a:t>עדכון</a:t>
             </a:r>
             <a:endParaRPr lang="he-IL" dirty="0"/>
           </a:p>
@@ -10927,10 +10927,10 @@
       </p:sp>
       <p:sp>
         <p:nvSpPr>
-          <p:cNvPr id="56" name="מלבן 55">
-            <a:extLst>
-              <a:ext uri="{FF2B5EF4-FFF2-40B4-BE49-F238E27FC236}">
-                <a16:creationId xmlns:a16="http://schemas.microsoft.com/office/drawing/2014/main" id="{B0E7B861-9B3D-2CDE-805E-B1C935ED9574}"/>
+          <p:cNvPr id="70" name="מלבן 69">
+            <a:extLst>
+              <a:ext uri="{FF2B5EF4-FFF2-40B4-BE49-F238E27FC236}">
+                <a16:creationId xmlns:a16="http://schemas.microsoft.com/office/drawing/2014/main" id="{592D7933-9322-029D-35D1-6E6C32932E3F}"/>
               </a:ext>
             </a:extLst>
           </p:cNvPr>
@@ -10939,7 +10939,7 @@
         </p:nvSpPr>
         <p:spPr>
           <a:xfrm>
-            <a:off x="2033677" y="2831620"/>
+            <a:off x="1084772" y="3622375"/>
             <a:ext cx="934527" cy="345056"/>
           </a:xfrm>
           <a:prstGeom prst="rect">
@@ -10977,139 +10977,18 @@
               <a:rPr lang="he-IL" dirty="0">
                 <a:cs typeface="Arial"/>
               </a:rPr>
-              <a:t>מחיקה</a:t>
+              <a:t>צפיה</a:t>
             </a:r>
             <a:endParaRPr lang="he-IL" dirty="0"/>
           </a:p>
         </p:txBody>
       </p:sp>
-      <p:cxnSp>
-        <p:nvCxnSpPr>
-          <p:cNvPr id="21" name="מחבר חץ ישר 20">
-            <a:extLst>
-              <a:ext uri="{FF2B5EF4-FFF2-40B4-BE49-F238E27FC236}">
-                <a16:creationId xmlns:a16="http://schemas.microsoft.com/office/drawing/2014/main" id="{2975A5BF-CE26-9C5B-25A4-80E16011A43B}"/>
-              </a:ext>
-            </a:extLst>
-          </p:cNvPr>
-          <p:cNvCxnSpPr/>
-          <p:nvPr/>
-        </p:nvCxnSpPr>
-        <p:spPr>
-          <a:xfrm flipH="1">
-            <a:off x="3594160" y="2615061"/>
-            <a:ext cx="494581" cy="152401"/>
-          </a:xfrm>
-          <a:prstGeom prst="straightConnector1">
-            <a:avLst/>
-          </a:prstGeom>
-          <a:ln>
-            <a:tailEnd type="triangle"/>
-          </a:ln>
-        </p:spPr>
-        <p:style>
-          <a:lnRef idx="1">
-            <a:schemeClr val="accent1"/>
-          </a:lnRef>
-          <a:fillRef idx="0">
-            <a:schemeClr val="accent1"/>
-          </a:fillRef>
-          <a:effectRef idx="0">
-            <a:schemeClr val="accent1"/>
-          </a:effectRef>
-          <a:fontRef idx="minor">
-            <a:schemeClr val="tx1"/>
-          </a:fontRef>
-        </p:style>
-      </p:cxnSp>
-      <p:cxnSp>
-        <p:nvCxnSpPr>
-          <p:cNvPr id="64" name="מחבר חץ ישר 63">
-            <a:extLst>
-              <a:ext uri="{FF2B5EF4-FFF2-40B4-BE49-F238E27FC236}">
-                <a16:creationId xmlns:a16="http://schemas.microsoft.com/office/drawing/2014/main" id="{46712A05-E8D1-242B-652D-150D5DE17A3B}"/>
-              </a:ext>
-            </a:extLst>
-          </p:cNvPr>
-          <p:cNvCxnSpPr>
-            <a:cxnSpLocks/>
-          </p:cNvCxnSpPr>
-          <p:nvPr/>
-        </p:nvCxnSpPr>
-        <p:spPr>
-          <a:xfrm flipH="1">
-            <a:off x="2616499" y="2557551"/>
-            <a:ext cx="1500995" cy="224287"/>
-          </a:xfrm>
-          <a:prstGeom prst="straightConnector1">
-            <a:avLst/>
-          </a:prstGeom>
-          <a:ln>
-            <a:tailEnd type="triangle"/>
-          </a:ln>
-        </p:spPr>
-        <p:style>
-          <a:lnRef idx="1">
-            <a:schemeClr val="accent1"/>
-          </a:lnRef>
-          <a:fillRef idx="0">
-            <a:schemeClr val="accent1"/>
-          </a:fillRef>
-          <a:effectRef idx="0">
-            <a:schemeClr val="accent1"/>
-          </a:effectRef>
-          <a:fontRef idx="minor">
-            <a:schemeClr val="tx1"/>
-          </a:fontRef>
-        </p:style>
-      </p:cxnSp>
-      <p:cxnSp>
-        <p:nvCxnSpPr>
-          <p:cNvPr id="65" name="מחבר חץ ישר 64">
-            <a:extLst>
-              <a:ext uri="{FF2B5EF4-FFF2-40B4-BE49-F238E27FC236}">
-                <a16:creationId xmlns:a16="http://schemas.microsoft.com/office/drawing/2014/main" id="{CABF35A4-17FC-3F8A-6753-B59F40FA5E7F}"/>
-              </a:ext>
-            </a:extLst>
-          </p:cNvPr>
-          <p:cNvCxnSpPr>
-            <a:cxnSpLocks/>
-          </p:cNvCxnSpPr>
-          <p:nvPr/>
-        </p:nvCxnSpPr>
-        <p:spPr>
-          <a:xfrm flipH="1">
-            <a:off x="1523820" y="2514420"/>
-            <a:ext cx="2493033" cy="253042"/>
-          </a:xfrm>
-          <a:prstGeom prst="straightConnector1">
-            <a:avLst/>
-          </a:prstGeom>
-          <a:ln>
-            <a:tailEnd type="triangle"/>
-          </a:ln>
-        </p:spPr>
-        <p:style>
-          <a:lnRef idx="1">
-            <a:schemeClr val="accent1"/>
-          </a:lnRef>
-          <a:fillRef idx="0">
-            <a:schemeClr val="accent1"/>
-          </a:fillRef>
-          <a:effectRef idx="0">
-            <a:schemeClr val="accent1"/>
-          </a:effectRef>
-          <a:fontRef idx="minor">
-            <a:schemeClr val="tx1"/>
-          </a:fontRef>
-        </p:style>
-      </p:cxnSp>
-      <p:sp>
-        <p:nvSpPr>
-          <p:cNvPr id="68" name="מלבן 67">
-            <a:extLst>
-              <a:ext uri="{FF2B5EF4-FFF2-40B4-BE49-F238E27FC236}">
-                <a16:creationId xmlns:a16="http://schemas.microsoft.com/office/drawing/2014/main" id="{84815AF0-E629-69AF-496C-8B5D943E9AE5}"/>
+      <p:sp>
+        <p:nvSpPr>
+          <p:cNvPr id="71" name="מלבן 70">
+            <a:extLst>
+              <a:ext uri="{FF2B5EF4-FFF2-40B4-BE49-F238E27FC236}">
+                <a16:creationId xmlns:a16="http://schemas.microsoft.com/office/drawing/2014/main" id="{24C6825F-E6ED-0304-C589-C02ACDA6F32D}"/>
               </a:ext>
             </a:extLst>
           </p:cNvPr>
@@ -11118,7 +10997,7 @@
         </p:nvSpPr>
         <p:spPr>
           <a:xfrm>
-            <a:off x="3097602" y="3636752"/>
+            <a:off x="2091186" y="3622374"/>
             <a:ext cx="934527" cy="345056"/>
           </a:xfrm>
           <a:prstGeom prst="rect">
@@ -11148,180 +11027,6 @@
           </a:fontRef>
         </p:style>
         <p:txBody>
-          <a:bodyPr rtlCol="1" anchor="ctr"/>
-          <a:lstStyle/>
-          <a:p>
-            <a:pPr algn="ctr"/>
-            <a:r>
-              <a:rPr lang="he-IL" dirty="0">
-                <a:cs typeface="Arial"/>
-              </a:rPr>
-              <a:t>הוספה</a:t>
-            </a:r>
-            <a:endParaRPr lang="he-IL" dirty="0"/>
-          </a:p>
-        </p:txBody>
-      </p:sp>
-      <p:sp>
-        <p:nvSpPr>
-          <p:cNvPr id="69" name="מלבן 68">
-            <a:extLst>
-              <a:ext uri="{FF2B5EF4-FFF2-40B4-BE49-F238E27FC236}">
-                <a16:creationId xmlns:a16="http://schemas.microsoft.com/office/drawing/2014/main" id="{72F0AB52-D80E-04C5-5173-12CA71AC0E0D}"/>
-              </a:ext>
-            </a:extLst>
-          </p:cNvPr>
-          <p:cNvSpPr/>
-          <p:nvPr/>
-        </p:nvSpPr>
-        <p:spPr>
-          <a:xfrm>
-            <a:off x="92733" y="3636751"/>
-            <a:ext cx="934527" cy="345056"/>
-          </a:xfrm>
-          <a:prstGeom prst="rect">
-            <a:avLst/>
-          </a:prstGeom>
-          <a:solidFill>
-            <a:srgbClr val="C00000"/>
-          </a:solidFill>
-          <a:ln>
-            <a:noFill/>
-          </a:ln>
-        </p:spPr>
-        <p:style>
-          <a:lnRef idx="2">
-            <a:schemeClr val="accent1">
-              <a:shade val="50000"/>
-            </a:schemeClr>
-          </a:lnRef>
-          <a:fillRef idx="1">
-            <a:schemeClr val="accent1"/>
-          </a:fillRef>
-          <a:effectRef idx="0">
-            <a:schemeClr val="accent1"/>
-          </a:effectRef>
-          <a:fontRef idx="minor">
-            <a:schemeClr val="lt1"/>
-          </a:fontRef>
-        </p:style>
-        <p:txBody>
-          <a:bodyPr lIns="91440" tIns="45720" rIns="91440" bIns="45720" rtlCol="1" anchor="ctr"/>
-          <a:lstStyle/>
-          <a:p>
-            <a:pPr algn="ctr"/>
-            <a:r>
-              <a:rPr lang="he-IL" dirty="0">
-                <a:cs typeface="Arial"/>
-              </a:rPr>
-              <a:t>עדכון</a:t>
-            </a:r>
-            <a:endParaRPr lang="he-IL" dirty="0"/>
-          </a:p>
-        </p:txBody>
-      </p:sp>
-      <p:sp>
-        <p:nvSpPr>
-          <p:cNvPr id="70" name="מלבן 69">
-            <a:extLst>
-              <a:ext uri="{FF2B5EF4-FFF2-40B4-BE49-F238E27FC236}">
-                <a16:creationId xmlns:a16="http://schemas.microsoft.com/office/drawing/2014/main" id="{592D7933-9322-029D-35D1-6E6C32932E3F}"/>
-              </a:ext>
-            </a:extLst>
-          </p:cNvPr>
-          <p:cNvSpPr/>
-          <p:nvPr/>
-        </p:nvSpPr>
-        <p:spPr>
-          <a:xfrm>
-            <a:off x="1084772" y="3622375"/>
-            <a:ext cx="934527" cy="345056"/>
-          </a:xfrm>
-          <a:prstGeom prst="rect">
-            <a:avLst/>
-          </a:prstGeom>
-          <a:solidFill>
-            <a:srgbClr val="C00000"/>
-          </a:solidFill>
-          <a:ln>
-            <a:noFill/>
-          </a:ln>
-        </p:spPr>
-        <p:style>
-          <a:lnRef idx="2">
-            <a:schemeClr val="accent1">
-              <a:shade val="50000"/>
-            </a:schemeClr>
-          </a:lnRef>
-          <a:fillRef idx="1">
-            <a:schemeClr val="accent1"/>
-          </a:fillRef>
-          <a:effectRef idx="0">
-            <a:schemeClr val="accent1"/>
-          </a:effectRef>
-          <a:fontRef idx="minor">
-            <a:schemeClr val="lt1"/>
-          </a:fontRef>
-        </p:style>
-        <p:txBody>
-          <a:bodyPr lIns="91440" tIns="45720" rIns="91440" bIns="45720" rtlCol="1" anchor="ctr"/>
-          <a:lstStyle/>
-          <a:p>
-            <a:pPr algn="ctr"/>
-            <a:r>
-              <a:rPr lang="he-IL" dirty="0">
-                <a:cs typeface="Arial"/>
-              </a:rPr>
-              <a:t>צפיה</a:t>
-            </a:r>
-            <a:endParaRPr lang="he-IL" dirty="0"/>
-          </a:p>
-        </p:txBody>
-      </p:sp>
-      <p:sp>
-        <p:nvSpPr>
-          <p:cNvPr id="71" name="מלבן 70">
-            <a:extLst>
-              <a:ext uri="{FF2B5EF4-FFF2-40B4-BE49-F238E27FC236}">
-                <a16:creationId xmlns:a16="http://schemas.microsoft.com/office/drawing/2014/main" id="{24C6825F-E6ED-0304-C589-C02ACDA6F32D}"/>
-              </a:ext>
-            </a:extLst>
-          </p:cNvPr>
-          <p:cNvSpPr/>
-          <p:nvPr/>
-        </p:nvSpPr>
-        <p:spPr>
-          <a:xfrm>
-            <a:off x="2091186" y="3622374"/>
-            <a:ext cx="934527" cy="345056"/>
-          </a:xfrm>
-          <a:prstGeom prst="rect">
-            <a:avLst/>
-          </a:prstGeom>
-          <a:solidFill>
-            <a:srgbClr val="C00000"/>
-          </a:solidFill>
-          <a:ln>
-            <a:noFill/>
-          </a:ln>
-        </p:spPr>
-        <p:style>
-          <a:lnRef idx="2">
-            <a:schemeClr val="accent1">
-              <a:shade val="50000"/>
-            </a:schemeClr>
-          </a:lnRef>
-          <a:fillRef idx="1">
-            <a:schemeClr val="accent1"/>
-          </a:fillRef>
-          <a:effectRef idx="0">
-            <a:schemeClr val="accent1"/>
-          </a:effectRef>
-          <a:fontRef idx="minor">
-            <a:schemeClr val="lt1"/>
-          </a:fontRef>
-        </p:style>
-        <p:txBody>
           <a:bodyPr lIns="91440" tIns="45720" rIns="91440" bIns="45720" rtlCol="1" anchor="ctr"/>
           <a:lstStyle/>
           <a:p>
@@ -11359,6 +11064,9 @@
             <a:avLst/>
           </a:prstGeom>
           <a:ln>
+            <a:solidFill>
+              <a:srgbClr val="002060"/>
+            </a:solidFill>
             <a:tailEnd type="triangle"/>
           </a:ln>
         </p:spPr>
@@ -11400,6 +11108,9 @@
             <a:avLst/>
           </a:prstGeom>
           <a:ln>
+            <a:solidFill>
+              <a:srgbClr val="002060"/>
+            </a:solidFill>
             <a:tailEnd type="triangle"/>
           </a:ln>
         </p:spPr>
@@ -11441,6 +11152,9 @@
             <a:avLst/>
           </a:prstGeom>
           <a:ln>
+            <a:solidFill>
+              <a:srgbClr val="002060"/>
+            </a:solidFill>
             <a:tailEnd type="triangle"/>
           </a:ln>
         </p:spPr>
@@ -11482,658 +11196,9 @@
             <a:avLst/>
           </a:prstGeom>
           <a:ln>
-            <a:tailEnd type="triangle"/>
-          </a:ln>
-        </p:spPr>
-        <p:style>
-          <a:lnRef idx="1">
-            <a:schemeClr val="accent1"/>
-          </a:lnRef>
-          <a:fillRef idx="0">
-            <a:schemeClr val="accent1"/>
-          </a:fillRef>
-          <a:effectRef idx="0">
-            <a:schemeClr val="accent1"/>
-          </a:effectRef>
-          <a:fontRef idx="minor">
-            <a:schemeClr val="tx1"/>
-          </a:fontRef>
-        </p:style>
-      </p:cxnSp>
-      <p:sp>
-        <p:nvSpPr>
-          <p:cNvPr id="76" name="מלבן 75">
-            <a:extLst>
-              <a:ext uri="{FF2B5EF4-FFF2-40B4-BE49-F238E27FC236}">
-                <a16:creationId xmlns:a16="http://schemas.microsoft.com/office/drawing/2014/main" id="{7900B024-7DE0-4330-65E9-4242EF979235}"/>
-              </a:ext>
-            </a:extLst>
-          </p:cNvPr>
-          <p:cNvSpPr/>
-          <p:nvPr/>
-        </p:nvSpPr>
-        <p:spPr>
-          <a:xfrm>
-            <a:off x="3126357" y="4369997"/>
-            <a:ext cx="934527" cy="345056"/>
-          </a:xfrm>
-          <a:prstGeom prst="rect">
-            <a:avLst/>
-          </a:prstGeom>
-          <a:solidFill>
-            <a:srgbClr val="C00000"/>
-          </a:solidFill>
-          <a:ln>
-            <a:noFill/>
-          </a:ln>
-        </p:spPr>
-        <p:style>
-          <a:lnRef idx="2">
-            <a:schemeClr val="accent1">
-              <a:shade val="50000"/>
-            </a:schemeClr>
-          </a:lnRef>
-          <a:fillRef idx="1">
-            <a:schemeClr val="accent1"/>
-          </a:fillRef>
-          <a:effectRef idx="0">
-            <a:schemeClr val="accent1"/>
-          </a:effectRef>
-          <a:fontRef idx="minor">
-            <a:schemeClr val="lt1"/>
-          </a:fontRef>
-        </p:style>
-        <p:txBody>
-          <a:bodyPr rot="0" spcFirstLastPara="0" vert="horz" wrap="square" lIns="91440" tIns="45720" rIns="91440" bIns="45720" numCol="1" spcCol="0" rtlCol="1" fromWordArt="0" anchor="ctr" anchorCtr="0" forceAA="0" compatLnSpc="1">
-            <a:prstTxWarp prst="textNoShape">
-              <a:avLst/>
-            </a:prstTxWarp>
-            <a:noAutofit/>
-          </a:bodyPr>
-          <a:lstStyle>
-            <a:defPPr>
-              <a:defRPr lang="he-IL"/>
-            </a:defPPr>
-            <a:lvl1pPr marL="0" algn="r" defTabSz="914400" rtl="1" eaLnBrk="1" latinLnBrk="0" hangingPunct="1">
-              <a:defRPr sz="1800" kern="1200">
-                <a:solidFill>
-                  <a:schemeClr val="lt1"/>
-                </a:solidFill>
-                <a:latin typeface="+mn-lt"/>
-                <a:ea typeface="+mn-ea"/>
-                <a:cs typeface="+mn-cs"/>
-              </a:defRPr>
-            </a:lvl1pPr>
-            <a:lvl2pPr marL="457200" algn="r" defTabSz="914400" rtl="1" eaLnBrk="1" latinLnBrk="0" hangingPunct="1">
-              <a:defRPr sz="1800" kern="1200">
-                <a:solidFill>
-                  <a:schemeClr val="lt1"/>
-                </a:solidFill>
-                <a:latin typeface="+mn-lt"/>
-                <a:ea typeface="+mn-ea"/>
-                <a:cs typeface="+mn-cs"/>
-              </a:defRPr>
-            </a:lvl2pPr>
-            <a:lvl3pPr marL="914400" algn="r" defTabSz="914400" rtl="1" eaLnBrk="1" latinLnBrk="0" hangingPunct="1">
-              <a:defRPr sz="1800" kern="1200">
-                <a:solidFill>
-                  <a:schemeClr val="lt1"/>
-                </a:solidFill>
-                <a:latin typeface="+mn-lt"/>
-                <a:ea typeface="+mn-ea"/>
-                <a:cs typeface="+mn-cs"/>
-              </a:defRPr>
-            </a:lvl3pPr>
-            <a:lvl4pPr marL="1371600" algn="r" defTabSz="914400" rtl="1" eaLnBrk="1" latinLnBrk="0" hangingPunct="1">
-              <a:defRPr sz="1800" kern="1200">
-                <a:solidFill>
-                  <a:schemeClr val="lt1"/>
-                </a:solidFill>
-                <a:latin typeface="+mn-lt"/>
-                <a:ea typeface="+mn-ea"/>
-                <a:cs typeface="+mn-cs"/>
-              </a:defRPr>
-            </a:lvl4pPr>
-            <a:lvl5pPr marL="1828800" algn="r" defTabSz="914400" rtl="1" eaLnBrk="1" latinLnBrk="0" hangingPunct="1">
-              <a:defRPr sz="1800" kern="1200">
-                <a:solidFill>
-                  <a:schemeClr val="lt1"/>
-                </a:solidFill>
-                <a:latin typeface="+mn-lt"/>
-                <a:ea typeface="+mn-ea"/>
-                <a:cs typeface="+mn-cs"/>
-              </a:defRPr>
-            </a:lvl5pPr>
-            <a:lvl6pPr marL="2286000" algn="r" defTabSz="914400" rtl="1" eaLnBrk="1" latinLnBrk="0" hangingPunct="1">
-              <a:defRPr sz="1800" kern="1200">
-                <a:solidFill>
-                  <a:schemeClr val="lt1"/>
-                </a:solidFill>
-                <a:latin typeface="+mn-lt"/>
-                <a:ea typeface="+mn-ea"/>
-                <a:cs typeface="+mn-cs"/>
-              </a:defRPr>
-            </a:lvl6pPr>
-            <a:lvl7pPr marL="2743200" algn="r" defTabSz="914400" rtl="1" eaLnBrk="1" latinLnBrk="0" hangingPunct="1">
-              <a:defRPr sz="1800" kern="1200">
-                <a:solidFill>
-                  <a:schemeClr val="lt1"/>
-                </a:solidFill>
-                <a:latin typeface="+mn-lt"/>
-                <a:ea typeface="+mn-ea"/>
-                <a:cs typeface="+mn-cs"/>
-              </a:defRPr>
-            </a:lvl7pPr>
-            <a:lvl8pPr marL="3200400" algn="r" defTabSz="914400" rtl="1" eaLnBrk="1" latinLnBrk="0" hangingPunct="1">
-              <a:defRPr sz="1800" kern="1200">
-                <a:solidFill>
-                  <a:schemeClr val="lt1"/>
-                </a:solidFill>
-                <a:latin typeface="+mn-lt"/>
-                <a:ea typeface="+mn-ea"/>
-                <a:cs typeface="+mn-cs"/>
-              </a:defRPr>
-            </a:lvl8pPr>
-            <a:lvl9pPr marL="3657600" algn="r" defTabSz="914400" rtl="1" eaLnBrk="1" latinLnBrk="0" hangingPunct="1">
-              <a:defRPr sz="1800" kern="1200">
-                <a:solidFill>
-                  <a:schemeClr val="lt1"/>
-                </a:solidFill>
-                <a:latin typeface="+mn-lt"/>
-                <a:ea typeface="+mn-ea"/>
-                <a:cs typeface="+mn-cs"/>
-              </a:defRPr>
-            </a:lvl9pPr>
-          </a:lstStyle>
-          <a:p>
-            <a:pPr algn="ctr"/>
-            <a:r>
-              <a:rPr lang="he-IL" dirty="0">
-                <a:cs typeface="Arial"/>
-              </a:rPr>
-              <a:t>הוספה</a:t>
-            </a:r>
-            <a:endParaRPr lang="he-IL" dirty="0"/>
-          </a:p>
-        </p:txBody>
-      </p:sp>
-      <p:sp>
-        <p:nvSpPr>
-          <p:cNvPr id="77" name="מלבן 76">
-            <a:extLst>
-              <a:ext uri="{FF2B5EF4-FFF2-40B4-BE49-F238E27FC236}">
-                <a16:creationId xmlns:a16="http://schemas.microsoft.com/office/drawing/2014/main" id="{D9DD9983-2BD8-7DFC-1700-7577A25786D2}"/>
-              </a:ext>
-            </a:extLst>
-          </p:cNvPr>
-          <p:cNvSpPr/>
-          <p:nvPr/>
-        </p:nvSpPr>
-        <p:spPr>
-          <a:xfrm>
-            <a:off x="35223" y="4369996"/>
-            <a:ext cx="934527" cy="345056"/>
-          </a:xfrm>
-          <a:prstGeom prst="rect">
-            <a:avLst/>
-          </a:prstGeom>
-          <a:solidFill>
-            <a:srgbClr val="C00000"/>
-          </a:solidFill>
-          <a:ln>
-            <a:noFill/>
-          </a:ln>
-        </p:spPr>
-        <p:style>
-          <a:lnRef idx="2">
-            <a:schemeClr val="accent1">
-              <a:shade val="50000"/>
-            </a:schemeClr>
-          </a:lnRef>
-          <a:fillRef idx="1">
-            <a:schemeClr val="accent1"/>
-          </a:fillRef>
-          <a:effectRef idx="0">
-            <a:schemeClr val="accent1"/>
-          </a:effectRef>
-          <a:fontRef idx="minor">
-            <a:schemeClr val="lt1"/>
-          </a:fontRef>
-        </p:style>
-        <p:txBody>
-          <a:bodyPr lIns="91440" tIns="45720" rIns="91440" bIns="45720" rtlCol="1" anchor="ctr"/>
-          <a:lstStyle>
-            <a:defPPr>
-              <a:defRPr lang="he-IL"/>
-            </a:defPPr>
-            <a:lvl1pPr marL="0" algn="r" defTabSz="914400" rtl="1" eaLnBrk="1" latinLnBrk="0" hangingPunct="1">
-              <a:defRPr sz="1800" kern="1200">
-                <a:solidFill>
-                  <a:schemeClr val="lt1"/>
-                </a:solidFill>
-                <a:latin typeface="+mn-lt"/>
-                <a:ea typeface="+mn-ea"/>
-                <a:cs typeface="+mn-cs"/>
-              </a:defRPr>
-            </a:lvl1pPr>
-            <a:lvl2pPr marL="457200" algn="r" defTabSz="914400" rtl="1" eaLnBrk="1" latinLnBrk="0" hangingPunct="1">
-              <a:defRPr sz="1800" kern="1200">
-                <a:solidFill>
-                  <a:schemeClr val="lt1"/>
-                </a:solidFill>
-                <a:latin typeface="+mn-lt"/>
-                <a:ea typeface="+mn-ea"/>
-                <a:cs typeface="+mn-cs"/>
-              </a:defRPr>
-            </a:lvl2pPr>
-            <a:lvl3pPr marL="914400" algn="r" defTabSz="914400" rtl="1" eaLnBrk="1" latinLnBrk="0" hangingPunct="1">
-              <a:defRPr sz="1800" kern="1200">
-                <a:solidFill>
-                  <a:schemeClr val="lt1"/>
-                </a:solidFill>
-                <a:latin typeface="+mn-lt"/>
-                <a:ea typeface="+mn-ea"/>
-                <a:cs typeface="+mn-cs"/>
-              </a:defRPr>
-            </a:lvl3pPr>
-            <a:lvl4pPr marL="1371600" algn="r" defTabSz="914400" rtl="1" eaLnBrk="1" latinLnBrk="0" hangingPunct="1">
-              <a:defRPr sz="1800" kern="1200">
-                <a:solidFill>
-                  <a:schemeClr val="lt1"/>
-                </a:solidFill>
-                <a:latin typeface="+mn-lt"/>
-                <a:ea typeface="+mn-ea"/>
-                <a:cs typeface="+mn-cs"/>
-              </a:defRPr>
-            </a:lvl4pPr>
-            <a:lvl5pPr marL="1828800" algn="r" defTabSz="914400" rtl="1" eaLnBrk="1" latinLnBrk="0" hangingPunct="1">
-              <a:defRPr sz="1800" kern="1200">
-                <a:solidFill>
-                  <a:schemeClr val="lt1"/>
-                </a:solidFill>
-                <a:latin typeface="+mn-lt"/>
-                <a:ea typeface="+mn-ea"/>
-                <a:cs typeface="+mn-cs"/>
-              </a:defRPr>
-            </a:lvl5pPr>
-            <a:lvl6pPr marL="2286000" algn="r" defTabSz="914400" rtl="1" eaLnBrk="1" latinLnBrk="0" hangingPunct="1">
-              <a:defRPr sz="1800" kern="1200">
-                <a:solidFill>
-                  <a:schemeClr val="lt1"/>
-                </a:solidFill>
-                <a:latin typeface="+mn-lt"/>
-                <a:ea typeface="+mn-ea"/>
-                <a:cs typeface="+mn-cs"/>
-              </a:defRPr>
-            </a:lvl6pPr>
-            <a:lvl7pPr marL="2743200" algn="r" defTabSz="914400" rtl="1" eaLnBrk="1" latinLnBrk="0" hangingPunct="1">
-              <a:defRPr sz="1800" kern="1200">
-                <a:solidFill>
-                  <a:schemeClr val="lt1"/>
-                </a:solidFill>
-                <a:latin typeface="+mn-lt"/>
-                <a:ea typeface="+mn-ea"/>
-                <a:cs typeface="+mn-cs"/>
-              </a:defRPr>
-            </a:lvl7pPr>
-            <a:lvl8pPr marL="3200400" algn="r" defTabSz="914400" rtl="1" eaLnBrk="1" latinLnBrk="0" hangingPunct="1">
-              <a:defRPr sz="1800" kern="1200">
-                <a:solidFill>
-                  <a:schemeClr val="lt1"/>
-                </a:solidFill>
-                <a:latin typeface="+mn-lt"/>
-                <a:ea typeface="+mn-ea"/>
-                <a:cs typeface="+mn-cs"/>
-              </a:defRPr>
-            </a:lvl8pPr>
-            <a:lvl9pPr marL="3657600" algn="r" defTabSz="914400" rtl="1" eaLnBrk="1" latinLnBrk="0" hangingPunct="1">
-              <a:defRPr sz="1800" kern="1200">
-                <a:solidFill>
-                  <a:schemeClr val="lt1"/>
-                </a:solidFill>
-                <a:latin typeface="+mn-lt"/>
-                <a:ea typeface="+mn-ea"/>
-                <a:cs typeface="+mn-cs"/>
-              </a:defRPr>
-            </a:lvl9pPr>
-          </a:lstStyle>
-          <a:p>
-            <a:pPr algn="ctr"/>
-            <a:r>
-              <a:rPr lang="he-IL" dirty="0">
-                <a:cs typeface="Arial"/>
-              </a:rPr>
-              <a:t>עדכון</a:t>
-            </a:r>
-            <a:endParaRPr lang="he-IL" dirty="0"/>
-          </a:p>
-        </p:txBody>
-      </p:sp>
-      <p:sp>
-        <p:nvSpPr>
-          <p:cNvPr id="78" name="מלבן 77">
-            <a:extLst>
-              <a:ext uri="{FF2B5EF4-FFF2-40B4-BE49-F238E27FC236}">
-                <a16:creationId xmlns:a16="http://schemas.microsoft.com/office/drawing/2014/main" id="{5F36D6B2-B248-AB8F-ACDF-277051FEA967}"/>
-              </a:ext>
-            </a:extLst>
-          </p:cNvPr>
-          <p:cNvSpPr/>
-          <p:nvPr/>
-        </p:nvSpPr>
-        <p:spPr>
-          <a:xfrm>
-            <a:off x="1113527" y="4355620"/>
-            <a:ext cx="934527" cy="345056"/>
-          </a:xfrm>
-          <a:prstGeom prst="rect">
-            <a:avLst/>
-          </a:prstGeom>
-          <a:solidFill>
-            <a:srgbClr val="C00000"/>
-          </a:solidFill>
-          <a:ln>
-            <a:noFill/>
-          </a:ln>
-        </p:spPr>
-        <p:style>
-          <a:lnRef idx="2">
-            <a:schemeClr val="accent1">
-              <a:shade val="50000"/>
-            </a:schemeClr>
-          </a:lnRef>
-          <a:fillRef idx="1">
-            <a:schemeClr val="accent1"/>
-          </a:fillRef>
-          <a:effectRef idx="0">
-            <a:schemeClr val="accent1"/>
-          </a:effectRef>
-          <a:fontRef idx="minor">
-            <a:schemeClr val="lt1"/>
-          </a:fontRef>
-        </p:style>
-        <p:txBody>
-          <a:bodyPr lIns="91440" tIns="45720" rIns="91440" bIns="45720" rtlCol="1" anchor="ctr"/>
-          <a:lstStyle>
-            <a:defPPr>
-              <a:defRPr lang="he-IL"/>
-            </a:defPPr>
-            <a:lvl1pPr marL="0" algn="r" defTabSz="914400" rtl="1" eaLnBrk="1" latinLnBrk="0" hangingPunct="1">
-              <a:defRPr sz="1800" kern="1200">
-                <a:solidFill>
-                  <a:schemeClr val="lt1"/>
-                </a:solidFill>
-                <a:latin typeface="+mn-lt"/>
-                <a:ea typeface="+mn-ea"/>
-                <a:cs typeface="+mn-cs"/>
-              </a:defRPr>
-            </a:lvl1pPr>
-            <a:lvl2pPr marL="457200" algn="r" defTabSz="914400" rtl="1" eaLnBrk="1" latinLnBrk="0" hangingPunct="1">
-              <a:defRPr sz="1800" kern="1200">
-                <a:solidFill>
-                  <a:schemeClr val="lt1"/>
-                </a:solidFill>
-                <a:latin typeface="+mn-lt"/>
-                <a:ea typeface="+mn-ea"/>
-                <a:cs typeface="+mn-cs"/>
-              </a:defRPr>
-            </a:lvl2pPr>
-            <a:lvl3pPr marL="914400" algn="r" defTabSz="914400" rtl="1" eaLnBrk="1" latinLnBrk="0" hangingPunct="1">
-              <a:defRPr sz="1800" kern="1200">
-                <a:solidFill>
-                  <a:schemeClr val="lt1"/>
-                </a:solidFill>
-                <a:latin typeface="+mn-lt"/>
-                <a:ea typeface="+mn-ea"/>
-                <a:cs typeface="+mn-cs"/>
-              </a:defRPr>
-            </a:lvl3pPr>
-            <a:lvl4pPr marL="1371600" algn="r" defTabSz="914400" rtl="1" eaLnBrk="1" latinLnBrk="0" hangingPunct="1">
-              <a:defRPr sz="1800" kern="1200">
-                <a:solidFill>
-                  <a:schemeClr val="lt1"/>
-                </a:solidFill>
-                <a:latin typeface="+mn-lt"/>
-                <a:ea typeface="+mn-ea"/>
-                <a:cs typeface="+mn-cs"/>
-              </a:defRPr>
-            </a:lvl4pPr>
-            <a:lvl5pPr marL="1828800" algn="r" defTabSz="914400" rtl="1" eaLnBrk="1" latinLnBrk="0" hangingPunct="1">
-              <a:defRPr sz="1800" kern="1200">
-                <a:solidFill>
-                  <a:schemeClr val="lt1"/>
-                </a:solidFill>
-                <a:latin typeface="+mn-lt"/>
-                <a:ea typeface="+mn-ea"/>
-                <a:cs typeface="+mn-cs"/>
-              </a:defRPr>
-            </a:lvl5pPr>
-            <a:lvl6pPr marL="2286000" algn="r" defTabSz="914400" rtl="1" eaLnBrk="1" latinLnBrk="0" hangingPunct="1">
-              <a:defRPr sz="1800" kern="1200">
-                <a:solidFill>
-                  <a:schemeClr val="lt1"/>
-                </a:solidFill>
-                <a:latin typeface="+mn-lt"/>
-                <a:ea typeface="+mn-ea"/>
-                <a:cs typeface="+mn-cs"/>
-              </a:defRPr>
-            </a:lvl6pPr>
-            <a:lvl7pPr marL="2743200" algn="r" defTabSz="914400" rtl="1" eaLnBrk="1" latinLnBrk="0" hangingPunct="1">
-              <a:defRPr sz="1800" kern="1200">
-                <a:solidFill>
-                  <a:schemeClr val="lt1"/>
-                </a:solidFill>
-                <a:latin typeface="+mn-lt"/>
-                <a:ea typeface="+mn-ea"/>
-                <a:cs typeface="+mn-cs"/>
-              </a:defRPr>
-            </a:lvl7pPr>
-            <a:lvl8pPr marL="3200400" algn="r" defTabSz="914400" rtl="1" eaLnBrk="1" latinLnBrk="0" hangingPunct="1">
-              <a:defRPr sz="1800" kern="1200">
-                <a:solidFill>
-                  <a:schemeClr val="lt1"/>
-                </a:solidFill>
-                <a:latin typeface="+mn-lt"/>
-                <a:ea typeface="+mn-ea"/>
-                <a:cs typeface="+mn-cs"/>
-              </a:defRPr>
-            </a:lvl8pPr>
-            <a:lvl9pPr marL="3657600" algn="r" defTabSz="914400" rtl="1" eaLnBrk="1" latinLnBrk="0" hangingPunct="1">
-              <a:defRPr sz="1800" kern="1200">
-                <a:solidFill>
-                  <a:schemeClr val="lt1"/>
-                </a:solidFill>
-                <a:latin typeface="+mn-lt"/>
-                <a:ea typeface="+mn-ea"/>
-                <a:cs typeface="+mn-cs"/>
-              </a:defRPr>
-            </a:lvl9pPr>
-          </a:lstStyle>
-          <a:p>
-            <a:pPr algn="ctr"/>
-            <a:r>
-              <a:rPr lang="he-IL" dirty="0">
-                <a:cs typeface="Arial"/>
-              </a:rPr>
-              <a:t>צפיה</a:t>
-            </a:r>
-            <a:endParaRPr lang="he-IL" dirty="0"/>
-          </a:p>
-        </p:txBody>
-      </p:sp>
-      <p:sp>
-        <p:nvSpPr>
-          <p:cNvPr id="79" name="מלבן 78">
-            <a:extLst>
-              <a:ext uri="{FF2B5EF4-FFF2-40B4-BE49-F238E27FC236}">
-                <a16:creationId xmlns:a16="http://schemas.microsoft.com/office/drawing/2014/main" id="{4B50DBD9-A551-5479-AFEC-C065B8AD08C6}"/>
-              </a:ext>
-            </a:extLst>
-          </p:cNvPr>
-          <p:cNvSpPr/>
-          <p:nvPr/>
-        </p:nvSpPr>
-        <p:spPr>
-          <a:xfrm>
-            <a:off x="2119941" y="4355619"/>
-            <a:ext cx="934527" cy="345056"/>
-          </a:xfrm>
-          <a:prstGeom prst="rect">
-            <a:avLst/>
-          </a:prstGeom>
-          <a:solidFill>
-            <a:srgbClr val="C00000"/>
-          </a:solidFill>
-          <a:ln>
-            <a:noFill/>
-          </a:ln>
-        </p:spPr>
-        <p:style>
-          <a:lnRef idx="2">
-            <a:schemeClr val="accent1">
-              <a:shade val="50000"/>
-            </a:schemeClr>
-          </a:lnRef>
-          <a:fillRef idx="1">
-            <a:schemeClr val="accent1"/>
-          </a:fillRef>
-          <a:effectRef idx="0">
-            <a:schemeClr val="accent1"/>
-          </a:effectRef>
-          <a:fontRef idx="minor">
-            <a:schemeClr val="lt1"/>
-          </a:fontRef>
-        </p:style>
-        <p:txBody>
-          <a:bodyPr lIns="91440" tIns="45720" rIns="91440" bIns="45720" rtlCol="1" anchor="ctr"/>
-          <a:lstStyle>
-            <a:defPPr>
-              <a:defRPr lang="he-IL"/>
-            </a:defPPr>
-            <a:lvl1pPr marL="0" algn="r" defTabSz="914400" rtl="1" eaLnBrk="1" latinLnBrk="0" hangingPunct="1">
-              <a:defRPr sz="1800" kern="1200">
-                <a:solidFill>
-                  <a:schemeClr val="lt1"/>
-                </a:solidFill>
-                <a:latin typeface="+mn-lt"/>
-                <a:ea typeface="+mn-ea"/>
-                <a:cs typeface="+mn-cs"/>
-              </a:defRPr>
-            </a:lvl1pPr>
-            <a:lvl2pPr marL="457200" algn="r" defTabSz="914400" rtl="1" eaLnBrk="1" latinLnBrk="0" hangingPunct="1">
-              <a:defRPr sz="1800" kern="1200">
-                <a:solidFill>
-                  <a:schemeClr val="lt1"/>
-                </a:solidFill>
-                <a:latin typeface="+mn-lt"/>
-                <a:ea typeface="+mn-ea"/>
-                <a:cs typeface="+mn-cs"/>
-              </a:defRPr>
-            </a:lvl2pPr>
-            <a:lvl3pPr marL="914400" algn="r" defTabSz="914400" rtl="1" eaLnBrk="1" latinLnBrk="0" hangingPunct="1">
-              <a:defRPr sz="1800" kern="1200">
-                <a:solidFill>
-                  <a:schemeClr val="lt1"/>
-                </a:solidFill>
-                <a:latin typeface="+mn-lt"/>
-                <a:ea typeface="+mn-ea"/>
-                <a:cs typeface="+mn-cs"/>
-              </a:defRPr>
-            </a:lvl3pPr>
-            <a:lvl4pPr marL="1371600" algn="r" defTabSz="914400" rtl="1" eaLnBrk="1" latinLnBrk="0" hangingPunct="1">
-              <a:defRPr sz="1800" kern="1200">
-                <a:solidFill>
-                  <a:schemeClr val="lt1"/>
-                </a:solidFill>
-                <a:latin typeface="+mn-lt"/>
-                <a:ea typeface="+mn-ea"/>
-                <a:cs typeface="+mn-cs"/>
-              </a:defRPr>
-            </a:lvl4pPr>
-            <a:lvl5pPr marL="1828800" algn="r" defTabSz="914400" rtl="1" eaLnBrk="1" latinLnBrk="0" hangingPunct="1">
-              <a:defRPr sz="1800" kern="1200">
-                <a:solidFill>
-                  <a:schemeClr val="lt1"/>
-                </a:solidFill>
-                <a:latin typeface="+mn-lt"/>
-                <a:ea typeface="+mn-ea"/>
-                <a:cs typeface="+mn-cs"/>
-              </a:defRPr>
-            </a:lvl5pPr>
-            <a:lvl6pPr marL="2286000" algn="r" defTabSz="914400" rtl="1" eaLnBrk="1" latinLnBrk="0" hangingPunct="1">
-              <a:defRPr sz="1800" kern="1200">
-                <a:solidFill>
-                  <a:schemeClr val="lt1"/>
-                </a:solidFill>
-                <a:latin typeface="+mn-lt"/>
-                <a:ea typeface="+mn-ea"/>
-                <a:cs typeface="+mn-cs"/>
-              </a:defRPr>
-            </a:lvl6pPr>
-            <a:lvl7pPr marL="2743200" algn="r" defTabSz="914400" rtl="1" eaLnBrk="1" latinLnBrk="0" hangingPunct="1">
-              <a:defRPr sz="1800" kern="1200">
-                <a:solidFill>
-                  <a:schemeClr val="lt1"/>
-                </a:solidFill>
-                <a:latin typeface="+mn-lt"/>
-                <a:ea typeface="+mn-ea"/>
-                <a:cs typeface="+mn-cs"/>
-              </a:defRPr>
-            </a:lvl7pPr>
-            <a:lvl8pPr marL="3200400" algn="r" defTabSz="914400" rtl="1" eaLnBrk="1" latinLnBrk="0" hangingPunct="1">
-              <a:defRPr sz="1800" kern="1200">
-                <a:solidFill>
-                  <a:schemeClr val="lt1"/>
-                </a:solidFill>
-                <a:latin typeface="+mn-lt"/>
-                <a:ea typeface="+mn-ea"/>
-                <a:cs typeface="+mn-cs"/>
-              </a:defRPr>
-            </a:lvl8pPr>
-            <a:lvl9pPr marL="3657600" algn="r" defTabSz="914400" rtl="1" eaLnBrk="1" latinLnBrk="0" hangingPunct="1">
-              <a:defRPr sz="1800" kern="1200">
-                <a:solidFill>
-                  <a:schemeClr val="lt1"/>
-                </a:solidFill>
-                <a:latin typeface="+mn-lt"/>
-                <a:ea typeface="+mn-ea"/>
-                <a:cs typeface="+mn-cs"/>
-              </a:defRPr>
-            </a:lvl9pPr>
-          </a:lstStyle>
-          <a:p>
-            <a:pPr algn="ctr"/>
-            <a:r>
-              <a:rPr lang="he-IL" dirty="0">
-                <a:cs typeface="Arial"/>
-              </a:rPr>
-              <a:t>מחיקה</a:t>
-            </a:r>
-            <a:endParaRPr lang="he-IL" dirty="0"/>
-          </a:p>
-        </p:txBody>
-      </p:sp>
-      <p:cxnSp>
-        <p:nvCxnSpPr>
-          <p:cNvPr id="80" name="מחבר חץ ישר 79">
-            <a:extLst>
-              <a:ext uri="{FF2B5EF4-FFF2-40B4-BE49-F238E27FC236}">
-                <a16:creationId xmlns:a16="http://schemas.microsoft.com/office/drawing/2014/main" id="{59E07A83-E99A-3466-6D33-E32FA18F68EE}"/>
-              </a:ext>
-            </a:extLst>
-          </p:cNvPr>
-          <p:cNvCxnSpPr/>
-          <p:nvPr/>
-        </p:nvCxnSpPr>
-        <p:spPr>
-          <a:xfrm flipH="1">
-            <a:off x="3680424" y="4139060"/>
-            <a:ext cx="494581" cy="152401"/>
-          </a:xfrm>
-          <a:prstGeom prst="straightConnector1">
-            <a:avLst/>
-          </a:prstGeom>
-          <a:ln>
+            <a:solidFill>
+              <a:srgbClr val="002060"/>
+            </a:solidFill>
             <a:tailEnd type="triangle"/>
           </a:ln>
         </p:spPr>
@@ -12154,27 +11219,30 @@
       </p:cxnSp>
       <p:cxnSp>
         <p:nvCxnSpPr>
-          <p:cNvPr id="81" name="מחבר חץ ישר 80">
-            <a:extLst>
-              <a:ext uri="{FF2B5EF4-FFF2-40B4-BE49-F238E27FC236}">
-                <a16:creationId xmlns:a16="http://schemas.microsoft.com/office/drawing/2014/main" id="{88F7FAC6-BBC2-3808-5642-52A14C1D8503}"/>
+          <p:cNvPr id="6" name="מחבר חץ ישר 5">
+            <a:extLst>
+              <a:ext uri="{FF2B5EF4-FFF2-40B4-BE49-F238E27FC236}">
+                <a16:creationId xmlns:a16="http://schemas.microsoft.com/office/drawing/2014/main" id="{4CB133A2-02A4-4C15-95E1-2F6BF9338722}"/>
               </a:ext>
             </a:extLst>
           </p:cNvPr>
           <p:cNvCxnSpPr>
-            <a:cxnSpLocks/>
+            <a:stCxn id="32" idx="1"/>
           </p:cNvCxnSpPr>
           <p:nvPr/>
         </p:nvCxnSpPr>
         <p:spPr>
           <a:xfrm flipH="1">
-            <a:off x="2702763" y="4081550"/>
-            <a:ext cx="1500995" cy="224287"/>
+            <a:off x="1581329" y="2633265"/>
+            <a:ext cx="2643363" cy="924951"/>
           </a:xfrm>
           <a:prstGeom prst="straightConnector1">
             <a:avLst/>
           </a:prstGeom>
           <a:ln>
+            <a:solidFill>
+              <a:srgbClr val="002060"/>
+            </a:solidFill>
             <a:tailEnd type="triangle"/>
           </a:ln>
         </p:spPr>
@@ -12195,27 +11263,30 @@
       </p:cxnSp>
       <p:cxnSp>
         <p:nvCxnSpPr>
-          <p:cNvPr id="82" name="מחבר חץ ישר 81">
-            <a:extLst>
-              <a:ext uri="{FF2B5EF4-FFF2-40B4-BE49-F238E27FC236}">
-                <a16:creationId xmlns:a16="http://schemas.microsoft.com/office/drawing/2014/main" id="{8DC45FD9-F5C3-F760-3E27-31DC1093570F}"/>
+          <p:cNvPr id="8" name="מחבר חץ ישר 7">
+            <a:extLst>
+              <a:ext uri="{FF2B5EF4-FFF2-40B4-BE49-F238E27FC236}">
+                <a16:creationId xmlns:a16="http://schemas.microsoft.com/office/drawing/2014/main" id="{5623CAB3-0E92-401D-B305-3ACEBF0C08D8}"/>
               </a:ext>
             </a:extLst>
           </p:cNvPr>
           <p:cNvCxnSpPr>
-            <a:cxnSpLocks/>
+            <a:stCxn id="32" idx="1"/>
           </p:cNvCxnSpPr>
           <p:nvPr/>
         </p:nvCxnSpPr>
         <p:spPr>
           <a:xfrm flipH="1">
-            <a:off x="1610084" y="4038419"/>
-            <a:ext cx="2493033" cy="253042"/>
+            <a:off x="2404997" y="2633265"/>
+            <a:ext cx="1819695" cy="939327"/>
           </a:xfrm>
           <a:prstGeom prst="straightConnector1">
             <a:avLst/>
           </a:prstGeom>
           <a:ln>
+            <a:solidFill>
+              <a:srgbClr val="002060"/>
+            </a:solidFill>
             <a:tailEnd type="triangle"/>
           </a:ln>
         </p:spPr>
@@ -12236,375 +11307,28 @@
       </p:cxnSp>
       <p:cxnSp>
         <p:nvCxnSpPr>
-          <p:cNvPr id="83" name="מחבר חץ ישר 82">
-            <a:extLst>
-              <a:ext uri="{FF2B5EF4-FFF2-40B4-BE49-F238E27FC236}">
-                <a16:creationId xmlns:a16="http://schemas.microsoft.com/office/drawing/2014/main" id="{113CCC06-5638-785F-E426-5155E5176283}"/>
-              </a:ext>
-            </a:extLst>
-          </p:cNvPr>
-          <p:cNvCxnSpPr>
-            <a:cxnSpLocks/>
-          </p:cNvCxnSpPr>
+          <p:cNvPr id="10" name="מחבר חץ ישר 9">
+            <a:extLst>
+              <a:ext uri="{FF2B5EF4-FFF2-40B4-BE49-F238E27FC236}">
+                <a16:creationId xmlns:a16="http://schemas.microsoft.com/office/drawing/2014/main" id="{61EB57DB-FF5D-4965-8AB4-C3EBF8D5CDB1}"/>
+              </a:ext>
+            </a:extLst>
+          </p:cNvPr>
+          <p:cNvCxnSpPr/>
           <p:nvPr/>
         </p:nvCxnSpPr>
         <p:spPr>
           <a:xfrm flipH="1">
-            <a:off x="503028" y="3980911"/>
-            <a:ext cx="3585711" cy="324929"/>
+            <a:off x="3432132" y="2902793"/>
+            <a:ext cx="778183" cy="655423"/>
           </a:xfrm>
           <a:prstGeom prst="straightConnector1">
             <a:avLst/>
           </a:prstGeom>
           <a:ln>
-            <a:tailEnd type="triangle"/>
-          </a:ln>
-        </p:spPr>
-        <p:style>
-          <a:lnRef idx="1">
-            <a:schemeClr val="accent1"/>
-          </a:lnRef>
-          <a:fillRef idx="0">
-            <a:schemeClr val="accent1"/>
-          </a:fillRef>
-          <a:effectRef idx="0">
-            <a:schemeClr val="accent1"/>
-          </a:effectRef>
-          <a:fontRef idx="minor">
-            <a:schemeClr val="tx1"/>
-          </a:fontRef>
-        </p:style>
-      </p:cxnSp>
-      <p:sp>
-        <p:nvSpPr>
-          <p:cNvPr id="84" name="מלבן 83">
-            <a:extLst>
-              <a:ext uri="{FF2B5EF4-FFF2-40B4-BE49-F238E27FC236}">
-                <a16:creationId xmlns:a16="http://schemas.microsoft.com/office/drawing/2014/main" id="{7900B024-7DE0-4330-65E9-4242EF979235}"/>
-              </a:ext>
-            </a:extLst>
-          </p:cNvPr>
-          <p:cNvSpPr/>
-          <p:nvPr/>
-        </p:nvSpPr>
-        <p:spPr>
-          <a:xfrm>
-            <a:off x="3053572" y="5174232"/>
-            <a:ext cx="934527" cy="345056"/>
-          </a:xfrm>
-          <a:prstGeom prst="rect">
-            <a:avLst/>
-          </a:prstGeom>
-          <a:solidFill>
-            <a:srgbClr val="C00000"/>
-          </a:solidFill>
-          <a:ln>
-            <a:noFill/>
-          </a:ln>
-        </p:spPr>
-        <p:style>
-          <a:lnRef idx="2">
-            <a:schemeClr val="accent1">
-              <a:shade val="50000"/>
-            </a:schemeClr>
-          </a:lnRef>
-          <a:fillRef idx="1">
-            <a:schemeClr val="accent1"/>
-          </a:fillRef>
-          <a:effectRef idx="0">
-            <a:schemeClr val="accent1"/>
-          </a:effectRef>
-          <a:fontRef idx="minor">
-            <a:schemeClr val="lt1"/>
-          </a:fontRef>
-        </p:style>
-        <p:txBody>
-          <a:bodyPr rot="0" spcFirstLastPara="0" vert="horz" wrap="square" lIns="91440" tIns="45720" rIns="91440" bIns="45720" numCol="1" spcCol="0" rtlCol="1" fromWordArt="0" anchor="ctr" anchorCtr="0" forceAA="0" compatLnSpc="1">
-            <a:prstTxWarp prst="textNoShape">
-              <a:avLst/>
-            </a:prstTxWarp>
-            <a:noAutofit/>
-          </a:bodyPr>
-          <a:lstStyle>
-            <a:defPPr>
-              <a:defRPr lang="he-IL"/>
-            </a:defPPr>
-            <a:lvl1pPr marL="0" algn="r" defTabSz="914400" rtl="1" eaLnBrk="1" latinLnBrk="0" hangingPunct="1">
-              <a:defRPr sz="1800" kern="1200">
-                <a:solidFill>
-                  <a:schemeClr val="lt1"/>
-                </a:solidFill>
-                <a:latin typeface="+mn-lt"/>
-                <a:ea typeface="+mn-ea"/>
-                <a:cs typeface="+mn-cs"/>
-              </a:defRPr>
-            </a:lvl1pPr>
-            <a:lvl2pPr marL="457200" algn="r" defTabSz="914400" rtl="1" eaLnBrk="1" latinLnBrk="0" hangingPunct="1">
-              <a:defRPr sz="1800" kern="1200">
-                <a:solidFill>
-                  <a:schemeClr val="lt1"/>
-                </a:solidFill>
-                <a:latin typeface="+mn-lt"/>
-                <a:ea typeface="+mn-ea"/>
-                <a:cs typeface="+mn-cs"/>
-              </a:defRPr>
-            </a:lvl2pPr>
-            <a:lvl3pPr marL="914400" algn="r" defTabSz="914400" rtl="1" eaLnBrk="1" latinLnBrk="0" hangingPunct="1">
-              <a:defRPr sz="1800" kern="1200">
-                <a:solidFill>
-                  <a:schemeClr val="lt1"/>
-                </a:solidFill>
-                <a:latin typeface="+mn-lt"/>
-                <a:ea typeface="+mn-ea"/>
-                <a:cs typeface="+mn-cs"/>
-              </a:defRPr>
-            </a:lvl3pPr>
-            <a:lvl4pPr marL="1371600" algn="r" defTabSz="914400" rtl="1" eaLnBrk="1" latinLnBrk="0" hangingPunct="1">
-              <a:defRPr sz="1800" kern="1200">
-                <a:solidFill>
-                  <a:schemeClr val="lt1"/>
-                </a:solidFill>
-                <a:latin typeface="+mn-lt"/>
-                <a:ea typeface="+mn-ea"/>
-                <a:cs typeface="+mn-cs"/>
-              </a:defRPr>
-            </a:lvl4pPr>
-            <a:lvl5pPr marL="1828800" algn="r" defTabSz="914400" rtl="1" eaLnBrk="1" latinLnBrk="0" hangingPunct="1">
-              <a:defRPr sz="1800" kern="1200">
-                <a:solidFill>
-                  <a:schemeClr val="lt1"/>
-                </a:solidFill>
-                <a:latin typeface="+mn-lt"/>
-                <a:ea typeface="+mn-ea"/>
-                <a:cs typeface="+mn-cs"/>
-              </a:defRPr>
-            </a:lvl5pPr>
-            <a:lvl6pPr marL="2286000" algn="r" defTabSz="914400" rtl="1" eaLnBrk="1" latinLnBrk="0" hangingPunct="1">
-              <a:defRPr sz="1800" kern="1200">
-                <a:solidFill>
-                  <a:schemeClr val="lt1"/>
-                </a:solidFill>
-                <a:latin typeface="+mn-lt"/>
-                <a:ea typeface="+mn-ea"/>
-                <a:cs typeface="+mn-cs"/>
-              </a:defRPr>
-            </a:lvl6pPr>
-            <a:lvl7pPr marL="2743200" algn="r" defTabSz="914400" rtl="1" eaLnBrk="1" latinLnBrk="0" hangingPunct="1">
-              <a:defRPr sz="1800" kern="1200">
-                <a:solidFill>
-                  <a:schemeClr val="lt1"/>
-                </a:solidFill>
-                <a:latin typeface="+mn-lt"/>
-                <a:ea typeface="+mn-ea"/>
-                <a:cs typeface="+mn-cs"/>
-              </a:defRPr>
-            </a:lvl7pPr>
-            <a:lvl8pPr marL="3200400" algn="r" defTabSz="914400" rtl="1" eaLnBrk="1" latinLnBrk="0" hangingPunct="1">
-              <a:defRPr sz="1800" kern="1200">
-                <a:solidFill>
-                  <a:schemeClr val="lt1"/>
-                </a:solidFill>
-                <a:latin typeface="+mn-lt"/>
-                <a:ea typeface="+mn-ea"/>
-                <a:cs typeface="+mn-cs"/>
-              </a:defRPr>
-            </a:lvl8pPr>
-            <a:lvl9pPr marL="3657600" algn="r" defTabSz="914400" rtl="1" eaLnBrk="1" latinLnBrk="0" hangingPunct="1">
-              <a:defRPr sz="1800" kern="1200">
-                <a:solidFill>
-                  <a:schemeClr val="lt1"/>
-                </a:solidFill>
-                <a:latin typeface="+mn-lt"/>
-                <a:ea typeface="+mn-ea"/>
-                <a:cs typeface="+mn-cs"/>
-              </a:defRPr>
-            </a:lvl9pPr>
-          </a:lstStyle>
-          <a:p>
-            <a:pPr algn="ctr"/>
-            <a:r>
-              <a:rPr lang="he-IL" dirty="0">
-                <a:cs typeface="Arial"/>
-              </a:rPr>
-              <a:t>עדכון</a:t>
-            </a:r>
-            <a:endParaRPr lang="he-IL" dirty="0"/>
-          </a:p>
-        </p:txBody>
-      </p:sp>
-      <p:sp>
-        <p:nvSpPr>
-          <p:cNvPr id="86" name="מלבן 85">
-            <a:extLst>
-              <a:ext uri="{FF2B5EF4-FFF2-40B4-BE49-F238E27FC236}">
-                <a16:creationId xmlns:a16="http://schemas.microsoft.com/office/drawing/2014/main" id="{5F36D6B2-B248-AB8F-ACDF-277051FEA967}"/>
-              </a:ext>
-            </a:extLst>
-          </p:cNvPr>
-          <p:cNvSpPr/>
-          <p:nvPr/>
-        </p:nvSpPr>
-        <p:spPr>
-          <a:xfrm>
-            <a:off x="1040742" y="5159855"/>
-            <a:ext cx="934527" cy="345056"/>
-          </a:xfrm>
-          <a:prstGeom prst="rect">
-            <a:avLst/>
-          </a:prstGeom>
-          <a:solidFill>
-            <a:srgbClr val="C00000"/>
-          </a:solidFill>
-          <a:ln>
-            <a:noFill/>
-          </a:ln>
-        </p:spPr>
-        <p:style>
-          <a:lnRef idx="2">
-            <a:schemeClr val="accent1">
-              <a:shade val="50000"/>
-            </a:schemeClr>
-          </a:lnRef>
-          <a:fillRef idx="1">
-            <a:schemeClr val="accent1"/>
-          </a:fillRef>
-          <a:effectRef idx="0">
-            <a:schemeClr val="accent1"/>
-          </a:effectRef>
-          <a:fontRef idx="minor">
-            <a:schemeClr val="lt1"/>
-          </a:fontRef>
-        </p:style>
-        <p:txBody>
-          <a:bodyPr lIns="91440" tIns="45720" rIns="91440" bIns="45720" rtlCol="1" anchor="ctr"/>
-          <a:lstStyle>
-            <a:defPPr>
-              <a:defRPr lang="he-IL"/>
-            </a:defPPr>
-            <a:lvl1pPr marL="0" algn="r" defTabSz="914400" rtl="1" eaLnBrk="1" latinLnBrk="0" hangingPunct="1">
-              <a:defRPr sz="1800" kern="1200">
-                <a:solidFill>
-                  <a:schemeClr val="lt1"/>
-                </a:solidFill>
-                <a:latin typeface="+mn-lt"/>
-                <a:ea typeface="+mn-ea"/>
-                <a:cs typeface="+mn-cs"/>
-              </a:defRPr>
-            </a:lvl1pPr>
-            <a:lvl2pPr marL="457200" algn="r" defTabSz="914400" rtl="1" eaLnBrk="1" latinLnBrk="0" hangingPunct="1">
-              <a:defRPr sz="1800" kern="1200">
-                <a:solidFill>
-                  <a:schemeClr val="lt1"/>
-                </a:solidFill>
-                <a:latin typeface="+mn-lt"/>
-                <a:ea typeface="+mn-ea"/>
-                <a:cs typeface="+mn-cs"/>
-              </a:defRPr>
-            </a:lvl2pPr>
-            <a:lvl3pPr marL="914400" algn="r" defTabSz="914400" rtl="1" eaLnBrk="1" latinLnBrk="0" hangingPunct="1">
-              <a:defRPr sz="1800" kern="1200">
-                <a:solidFill>
-                  <a:schemeClr val="lt1"/>
-                </a:solidFill>
-                <a:latin typeface="+mn-lt"/>
-                <a:ea typeface="+mn-ea"/>
-                <a:cs typeface="+mn-cs"/>
-              </a:defRPr>
-            </a:lvl3pPr>
-            <a:lvl4pPr marL="1371600" algn="r" defTabSz="914400" rtl="1" eaLnBrk="1" latinLnBrk="0" hangingPunct="1">
-              <a:defRPr sz="1800" kern="1200">
-                <a:solidFill>
-                  <a:schemeClr val="lt1"/>
-                </a:solidFill>
-                <a:latin typeface="+mn-lt"/>
-                <a:ea typeface="+mn-ea"/>
-                <a:cs typeface="+mn-cs"/>
-              </a:defRPr>
-            </a:lvl4pPr>
-            <a:lvl5pPr marL="1828800" algn="r" defTabSz="914400" rtl="1" eaLnBrk="1" latinLnBrk="0" hangingPunct="1">
-              <a:defRPr sz="1800" kern="1200">
-                <a:solidFill>
-                  <a:schemeClr val="lt1"/>
-                </a:solidFill>
-                <a:latin typeface="+mn-lt"/>
-                <a:ea typeface="+mn-ea"/>
-                <a:cs typeface="+mn-cs"/>
-              </a:defRPr>
-            </a:lvl5pPr>
-            <a:lvl6pPr marL="2286000" algn="r" defTabSz="914400" rtl="1" eaLnBrk="1" latinLnBrk="0" hangingPunct="1">
-              <a:defRPr sz="1800" kern="1200">
-                <a:solidFill>
-                  <a:schemeClr val="lt1"/>
-                </a:solidFill>
-                <a:latin typeface="+mn-lt"/>
-                <a:ea typeface="+mn-ea"/>
-                <a:cs typeface="+mn-cs"/>
-              </a:defRPr>
-            </a:lvl6pPr>
-            <a:lvl7pPr marL="2743200" algn="r" defTabSz="914400" rtl="1" eaLnBrk="1" latinLnBrk="0" hangingPunct="1">
-              <a:defRPr sz="1800" kern="1200">
-                <a:solidFill>
-                  <a:schemeClr val="lt1"/>
-                </a:solidFill>
-                <a:latin typeface="+mn-lt"/>
-                <a:ea typeface="+mn-ea"/>
-                <a:cs typeface="+mn-cs"/>
-              </a:defRPr>
-            </a:lvl7pPr>
-            <a:lvl8pPr marL="3200400" algn="r" defTabSz="914400" rtl="1" eaLnBrk="1" latinLnBrk="0" hangingPunct="1">
-              <a:defRPr sz="1800" kern="1200">
-                <a:solidFill>
-                  <a:schemeClr val="lt1"/>
-                </a:solidFill>
-                <a:latin typeface="+mn-lt"/>
-                <a:ea typeface="+mn-ea"/>
-                <a:cs typeface="+mn-cs"/>
-              </a:defRPr>
-            </a:lvl8pPr>
-            <a:lvl9pPr marL="3657600" algn="r" defTabSz="914400" rtl="1" eaLnBrk="1" latinLnBrk="0" hangingPunct="1">
-              <a:defRPr sz="1800" kern="1200">
-                <a:solidFill>
-                  <a:schemeClr val="lt1"/>
-                </a:solidFill>
-                <a:latin typeface="+mn-lt"/>
-                <a:ea typeface="+mn-ea"/>
-                <a:cs typeface="+mn-cs"/>
-              </a:defRPr>
-            </a:lvl9pPr>
-          </a:lstStyle>
-          <a:p>
-            <a:pPr algn="ctr"/>
-            <a:r>
-              <a:rPr lang="he-IL" dirty="0">
-                <a:cs typeface="Arial"/>
-              </a:rPr>
-              <a:t>צפיה</a:t>
-            </a:r>
-            <a:endParaRPr lang="he-IL" dirty="0"/>
-          </a:p>
-        </p:txBody>
-      </p:sp>
-      <p:cxnSp>
-        <p:nvCxnSpPr>
-          <p:cNvPr id="88" name="מחבר חץ ישר 87">
-            <a:extLst>
-              <a:ext uri="{FF2B5EF4-FFF2-40B4-BE49-F238E27FC236}">
-                <a16:creationId xmlns:a16="http://schemas.microsoft.com/office/drawing/2014/main" id="{59E07A83-E99A-3466-6D33-E32FA18F68EE}"/>
-              </a:ext>
-            </a:extLst>
-          </p:cNvPr>
-          <p:cNvCxnSpPr/>
-          <p:nvPr/>
-        </p:nvCxnSpPr>
-        <p:spPr>
-          <a:xfrm flipH="1">
-            <a:off x="3607639" y="4943295"/>
-            <a:ext cx="494581" cy="152401"/>
-          </a:xfrm>
-          <a:prstGeom prst="straightConnector1">
-            <a:avLst/>
-          </a:prstGeom>
-          <a:ln>
+            <a:solidFill>
+              <a:srgbClr val="002060"/>
+            </a:solidFill>
             <a:tailEnd type="triangle"/>
           </a:ln>
         </p:spPr>
@@ -12625,679 +11349,30 @@
       </p:cxnSp>
       <p:cxnSp>
         <p:nvCxnSpPr>
-          <p:cNvPr id="90" name="מחבר חץ ישר 89">
-            <a:extLst>
-              <a:ext uri="{FF2B5EF4-FFF2-40B4-BE49-F238E27FC236}">
-                <a16:creationId xmlns:a16="http://schemas.microsoft.com/office/drawing/2014/main" id="{8DC45FD9-F5C3-F760-3E27-31DC1093570F}"/>
+          <p:cNvPr id="14" name="מחבר חץ ישר 13">
+            <a:extLst>
+              <a:ext uri="{FF2B5EF4-FFF2-40B4-BE49-F238E27FC236}">
+                <a16:creationId xmlns:a16="http://schemas.microsoft.com/office/drawing/2014/main" id="{E7F558BD-61AA-411B-AB96-DC4FA52C19BD}"/>
               </a:ext>
             </a:extLst>
           </p:cNvPr>
           <p:cNvCxnSpPr>
-            <a:cxnSpLocks/>
+            <a:endCxn id="68" idx="2"/>
           </p:cNvCxnSpPr>
           <p:nvPr/>
         </p:nvCxnSpPr>
         <p:spPr>
-          <a:xfrm flipH="1">
-            <a:off x="1537299" y="4842654"/>
-            <a:ext cx="2493033" cy="253042"/>
+          <a:xfrm flipH="1" flipV="1">
+            <a:off x="3564866" y="3981808"/>
+            <a:ext cx="610137" cy="272811"/>
           </a:xfrm>
           <a:prstGeom prst="straightConnector1">
             <a:avLst/>
           </a:prstGeom>
           <a:ln>
-            <a:tailEnd type="triangle"/>
-          </a:ln>
-        </p:spPr>
-        <p:style>
-          <a:lnRef idx="1">
-            <a:schemeClr val="accent1"/>
-          </a:lnRef>
-          <a:fillRef idx="0">
-            <a:schemeClr val="accent1"/>
-          </a:fillRef>
-          <a:effectRef idx="0">
-            <a:schemeClr val="accent1"/>
-          </a:effectRef>
-          <a:fontRef idx="minor">
-            <a:schemeClr val="tx1"/>
-          </a:fontRef>
-        </p:style>
-      </p:cxnSp>
-      <p:sp>
-        <p:nvSpPr>
-          <p:cNvPr id="100" name="מלבן 99">
-            <a:extLst>
-              <a:ext uri="{FF2B5EF4-FFF2-40B4-BE49-F238E27FC236}">
-                <a16:creationId xmlns:a16="http://schemas.microsoft.com/office/drawing/2014/main" id="{7900B024-7DE0-4330-65E9-4242EF979235}"/>
-              </a:ext>
-            </a:extLst>
-          </p:cNvPr>
-          <p:cNvSpPr/>
-          <p:nvPr/>
-        </p:nvSpPr>
-        <p:spPr>
-          <a:xfrm>
-            <a:off x="3080529" y="5934434"/>
-            <a:ext cx="934527" cy="345056"/>
-          </a:xfrm>
-          <a:prstGeom prst="rect">
-            <a:avLst/>
-          </a:prstGeom>
-          <a:solidFill>
-            <a:srgbClr val="C00000"/>
-          </a:solidFill>
-          <a:ln>
-            <a:noFill/>
-          </a:ln>
-        </p:spPr>
-        <p:style>
-          <a:lnRef idx="2">
-            <a:schemeClr val="accent1">
-              <a:shade val="50000"/>
-            </a:schemeClr>
-          </a:lnRef>
-          <a:fillRef idx="1">
-            <a:schemeClr val="accent1"/>
-          </a:fillRef>
-          <a:effectRef idx="0">
-            <a:schemeClr val="accent1"/>
-          </a:effectRef>
-          <a:fontRef idx="minor">
-            <a:schemeClr val="lt1"/>
-          </a:fontRef>
-        </p:style>
-        <p:txBody>
-          <a:bodyPr rot="0" spcFirstLastPara="0" vert="horz" wrap="square" lIns="91440" tIns="45720" rIns="91440" bIns="45720" numCol="1" spcCol="0" rtlCol="1" fromWordArt="0" anchor="ctr" anchorCtr="0" forceAA="0" compatLnSpc="1">
-            <a:prstTxWarp prst="textNoShape">
-              <a:avLst/>
-            </a:prstTxWarp>
-            <a:noAutofit/>
-          </a:bodyPr>
-          <a:lstStyle>
-            <a:defPPr>
-              <a:defRPr lang="he-IL"/>
-            </a:defPPr>
-            <a:lvl1pPr marL="0" algn="r" defTabSz="914400" rtl="1" eaLnBrk="1" latinLnBrk="0" hangingPunct="1">
-              <a:defRPr sz="1800" kern="1200">
-                <a:solidFill>
-                  <a:schemeClr val="lt1"/>
-                </a:solidFill>
-                <a:latin typeface="+mn-lt"/>
-                <a:ea typeface="+mn-ea"/>
-                <a:cs typeface="+mn-cs"/>
-              </a:defRPr>
-            </a:lvl1pPr>
-            <a:lvl2pPr marL="457200" algn="r" defTabSz="914400" rtl="1" eaLnBrk="1" latinLnBrk="0" hangingPunct="1">
-              <a:defRPr sz="1800" kern="1200">
-                <a:solidFill>
-                  <a:schemeClr val="lt1"/>
-                </a:solidFill>
-                <a:latin typeface="+mn-lt"/>
-                <a:ea typeface="+mn-ea"/>
-                <a:cs typeface="+mn-cs"/>
-              </a:defRPr>
-            </a:lvl2pPr>
-            <a:lvl3pPr marL="914400" algn="r" defTabSz="914400" rtl="1" eaLnBrk="1" latinLnBrk="0" hangingPunct="1">
-              <a:defRPr sz="1800" kern="1200">
-                <a:solidFill>
-                  <a:schemeClr val="lt1"/>
-                </a:solidFill>
-                <a:latin typeface="+mn-lt"/>
-                <a:ea typeface="+mn-ea"/>
-                <a:cs typeface="+mn-cs"/>
-              </a:defRPr>
-            </a:lvl3pPr>
-            <a:lvl4pPr marL="1371600" algn="r" defTabSz="914400" rtl="1" eaLnBrk="1" latinLnBrk="0" hangingPunct="1">
-              <a:defRPr sz="1800" kern="1200">
-                <a:solidFill>
-                  <a:schemeClr val="lt1"/>
-                </a:solidFill>
-                <a:latin typeface="+mn-lt"/>
-                <a:ea typeface="+mn-ea"/>
-                <a:cs typeface="+mn-cs"/>
-              </a:defRPr>
-            </a:lvl4pPr>
-            <a:lvl5pPr marL="1828800" algn="r" defTabSz="914400" rtl="1" eaLnBrk="1" latinLnBrk="0" hangingPunct="1">
-              <a:defRPr sz="1800" kern="1200">
-                <a:solidFill>
-                  <a:schemeClr val="lt1"/>
-                </a:solidFill>
-                <a:latin typeface="+mn-lt"/>
-                <a:ea typeface="+mn-ea"/>
-                <a:cs typeface="+mn-cs"/>
-              </a:defRPr>
-            </a:lvl5pPr>
-            <a:lvl6pPr marL="2286000" algn="r" defTabSz="914400" rtl="1" eaLnBrk="1" latinLnBrk="0" hangingPunct="1">
-              <a:defRPr sz="1800" kern="1200">
-                <a:solidFill>
-                  <a:schemeClr val="lt1"/>
-                </a:solidFill>
-                <a:latin typeface="+mn-lt"/>
-                <a:ea typeface="+mn-ea"/>
-                <a:cs typeface="+mn-cs"/>
-              </a:defRPr>
-            </a:lvl6pPr>
-            <a:lvl7pPr marL="2743200" algn="r" defTabSz="914400" rtl="1" eaLnBrk="1" latinLnBrk="0" hangingPunct="1">
-              <a:defRPr sz="1800" kern="1200">
-                <a:solidFill>
-                  <a:schemeClr val="lt1"/>
-                </a:solidFill>
-                <a:latin typeface="+mn-lt"/>
-                <a:ea typeface="+mn-ea"/>
-                <a:cs typeface="+mn-cs"/>
-              </a:defRPr>
-            </a:lvl7pPr>
-            <a:lvl8pPr marL="3200400" algn="r" defTabSz="914400" rtl="1" eaLnBrk="1" latinLnBrk="0" hangingPunct="1">
-              <a:defRPr sz="1800" kern="1200">
-                <a:solidFill>
-                  <a:schemeClr val="lt1"/>
-                </a:solidFill>
-                <a:latin typeface="+mn-lt"/>
-                <a:ea typeface="+mn-ea"/>
-                <a:cs typeface="+mn-cs"/>
-              </a:defRPr>
-            </a:lvl8pPr>
-            <a:lvl9pPr marL="3657600" algn="r" defTabSz="914400" rtl="1" eaLnBrk="1" latinLnBrk="0" hangingPunct="1">
-              <a:defRPr sz="1800" kern="1200">
-                <a:solidFill>
-                  <a:schemeClr val="lt1"/>
-                </a:solidFill>
-                <a:latin typeface="+mn-lt"/>
-                <a:ea typeface="+mn-ea"/>
-                <a:cs typeface="+mn-cs"/>
-              </a:defRPr>
-            </a:lvl9pPr>
-          </a:lstStyle>
-          <a:p>
-            <a:pPr algn="ctr"/>
-            <a:r>
-              <a:rPr lang="he-IL" dirty="0">
-                <a:cs typeface="Arial"/>
-              </a:rPr>
-              <a:t>הוספה</a:t>
-            </a:r>
-            <a:endParaRPr lang="he-IL" dirty="0"/>
-          </a:p>
-        </p:txBody>
-      </p:sp>
-      <p:sp>
-        <p:nvSpPr>
-          <p:cNvPr id="101" name="מלבן 100">
-            <a:extLst>
-              <a:ext uri="{FF2B5EF4-FFF2-40B4-BE49-F238E27FC236}">
-                <a16:creationId xmlns:a16="http://schemas.microsoft.com/office/drawing/2014/main" id="{D9DD9983-2BD8-7DFC-1700-7577A25786D2}"/>
-              </a:ext>
-            </a:extLst>
-          </p:cNvPr>
-          <p:cNvSpPr/>
-          <p:nvPr/>
-        </p:nvSpPr>
-        <p:spPr>
-          <a:xfrm>
-            <a:off x="75660" y="5934433"/>
-            <a:ext cx="934527" cy="345056"/>
-          </a:xfrm>
-          <a:prstGeom prst="rect">
-            <a:avLst/>
-          </a:prstGeom>
-          <a:solidFill>
-            <a:srgbClr val="C00000"/>
-          </a:solidFill>
-          <a:ln>
-            <a:noFill/>
-          </a:ln>
-        </p:spPr>
-        <p:style>
-          <a:lnRef idx="2">
-            <a:schemeClr val="accent1">
-              <a:shade val="50000"/>
-            </a:schemeClr>
-          </a:lnRef>
-          <a:fillRef idx="1">
-            <a:schemeClr val="accent1"/>
-          </a:fillRef>
-          <a:effectRef idx="0">
-            <a:schemeClr val="accent1"/>
-          </a:effectRef>
-          <a:fontRef idx="minor">
-            <a:schemeClr val="lt1"/>
-          </a:fontRef>
-        </p:style>
-        <p:txBody>
-          <a:bodyPr lIns="91440" tIns="45720" rIns="91440" bIns="45720" rtlCol="1" anchor="ctr"/>
-          <a:lstStyle>
-            <a:defPPr>
-              <a:defRPr lang="he-IL"/>
-            </a:defPPr>
-            <a:lvl1pPr marL="0" algn="r" defTabSz="914400" rtl="1" eaLnBrk="1" latinLnBrk="0" hangingPunct="1">
-              <a:defRPr sz="1800" kern="1200">
-                <a:solidFill>
-                  <a:schemeClr val="lt1"/>
-                </a:solidFill>
-                <a:latin typeface="+mn-lt"/>
-                <a:ea typeface="+mn-ea"/>
-                <a:cs typeface="+mn-cs"/>
-              </a:defRPr>
-            </a:lvl1pPr>
-            <a:lvl2pPr marL="457200" algn="r" defTabSz="914400" rtl="1" eaLnBrk="1" latinLnBrk="0" hangingPunct="1">
-              <a:defRPr sz="1800" kern="1200">
-                <a:solidFill>
-                  <a:schemeClr val="lt1"/>
-                </a:solidFill>
-                <a:latin typeface="+mn-lt"/>
-                <a:ea typeface="+mn-ea"/>
-                <a:cs typeface="+mn-cs"/>
-              </a:defRPr>
-            </a:lvl2pPr>
-            <a:lvl3pPr marL="914400" algn="r" defTabSz="914400" rtl="1" eaLnBrk="1" latinLnBrk="0" hangingPunct="1">
-              <a:defRPr sz="1800" kern="1200">
-                <a:solidFill>
-                  <a:schemeClr val="lt1"/>
-                </a:solidFill>
-                <a:latin typeface="+mn-lt"/>
-                <a:ea typeface="+mn-ea"/>
-                <a:cs typeface="+mn-cs"/>
-              </a:defRPr>
-            </a:lvl3pPr>
-            <a:lvl4pPr marL="1371600" algn="r" defTabSz="914400" rtl="1" eaLnBrk="1" latinLnBrk="0" hangingPunct="1">
-              <a:defRPr sz="1800" kern="1200">
-                <a:solidFill>
-                  <a:schemeClr val="lt1"/>
-                </a:solidFill>
-                <a:latin typeface="+mn-lt"/>
-                <a:ea typeface="+mn-ea"/>
-                <a:cs typeface="+mn-cs"/>
-              </a:defRPr>
-            </a:lvl4pPr>
-            <a:lvl5pPr marL="1828800" algn="r" defTabSz="914400" rtl="1" eaLnBrk="1" latinLnBrk="0" hangingPunct="1">
-              <a:defRPr sz="1800" kern="1200">
-                <a:solidFill>
-                  <a:schemeClr val="lt1"/>
-                </a:solidFill>
-                <a:latin typeface="+mn-lt"/>
-                <a:ea typeface="+mn-ea"/>
-                <a:cs typeface="+mn-cs"/>
-              </a:defRPr>
-            </a:lvl5pPr>
-            <a:lvl6pPr marL="2286000" algn="r" defTabSz="914400" rtl="1" eaLnBrk="1" latinLnBrk="0" hangingPunct="1">
-              <a:defRPr sz="1800" kern="1200">
-                <a:solidFill>
-                  <a:schemeClr val="lt1"/>
-                </a:solidFill>
-                <a:latin typeface="+mn-lt"/>
-                <a:ea typeface="+mn-ea"/>
-                <a:cs typeface="+mn-cs"/>
-              </a:defRPr>
-            </a:lvl6pPr>
-            <a:lvl7pPr marL="2743200" algn="r" defTabSz="914400" rtl="1" eaLnBrk="1" latinLnBrk="0" hangingPunct="1">
-              <a:defRPr sz="1800" kern="1200">
-                <a:solidFill>
-                  <a:schemeClr val="lt1"/>
-                </a:solidFill>
-                <a:latin typeface="+mn-lt"/>
-                <a:ea typeface="+mn-ea"/>
-                <a:cs typeface="+mn-cs"/>
-              </a:defRPr>
-            </a:lvl7pPr>
-            <a:lvl8pPr marL="3200400" algn="r" defTabSz="914400" rtl="1" eaLnBrk="1" latinLnBrk="0" hangingPunct="1">
-              <a:defRPr sz="1800" kern="1200">
-                <a:solidFill>
-                  <a:schemeClr val="lt1"/>
-                </a:solidFill>
-                <a:latin typeface="+mn-lt"/>
-                <a:ea typeface="+mn-ea"/>
-                <a:cs typeface="+mn-cs"/>
-              </a:defRPr>
-            </a:lvl8pPr>
-            <a:lvl9pPr marL="3657600" algn="r" defTabSz="914400" rtl="1" eaLnBrk="1" latinLnBrk="0" hangingPunct="1">
-              <a:defRPr sz="1800" kern="1200">
-                <a:solidFill>
-                  <a:schemeClr val="lt1"/>
-                </a:solidFill>
-                <a:latin typeface="+mn-lt"/>
-                <a:ea typeface="+mn-ea"/>
-                <a:cs typeface="+mn-cs"/>
-              </a:defRPr>
-            </a:lvl9pPr>
-          </a:lstStyle>
-          <a:p>
-            <a:pPr algn="ctr"/>
-            <a:r>
-              <a:rPr lang="he-IL" dirty="0">
-                <a:cs typeface="Arial"/>
-              </a:rPr>
-              <a:t>עדכון</a:t>
-            </a:r>
-            <a:endParaRPr lang="he-IL" dirty="0"/>
-          </a:p>
-        </p:txBody>
-      </p:sp>
-      <p:sp>
-        <p:nvSpPr>
-          <p:cNvPr id="102" name="מלבן 101">
-            <a:extLst>
-              <a:ext uri="{FF2B5EF4-FFF2-40B4-BE49-F238E27FC236}">
-                <a16:creationId xmlns:a16="http://schemas.microsoft.com/office/drawing/2014/main" id="{5F36D6B2-B248-AB8F-ACDF-277051FEA967}"/>
-              </a:ext>
-            </a:extLst>
-          </p:cNvPr>
-          <p:cNvSpPr/>
-          <p:nvPr/>
-        </p:nvSpPr>
-        <p:spPr>
-          <a:xfrm>
-            <a:off x="1067699" y="5920058"/>
-            <a:ext cx="934527" cy="345056"/>
-          </a:xfrm>
-          <a:prstGeom prst="rect">
-            <a:avLst/>
-          </a:prstGeom>
-          <a:solidFill>
-            <a:srgbClr val="C00000"/>
-          </a:solidFill>
-          <a:ln>
-            <a:noFill/>
-          </a:ln>
-        </p:spPr>
-        <p:style>
-          <a:lnRef idx="2">
-            <a:schemeClr val="accent1">
-              <a:shade val="50000"/>
-            </a:schemeClr>
-          </a:lnRef>
-          <a:fillRef idx="1">
-            <a:schemeClr val="accent1"/>
-          </a:fillRef>
-          <a:effectRef idx="0">
-            <a:schemeClr val="accent1"/>
-          </a:effectRef>
-          <a:fontRef idx="minor">
-            <a:schemeClr val="lt1"/>
-          </a:fontRef>
-        </p:style>
-        <p:txBody>
-          <a:bodyPr lIns="91440" tIns="45720" rIns="91440" bIns="45720" rtlCol="1" anchor="ctr"/>
-          <a:lstStyle>
-            <a:defPPr>
-              <a:defRPr lang="he-IL"/>
-            </a:defPPr>
-            <a:lvl1pPr marL="0" algn="r" defTabSz="914400" rtl="1" eaLnBrk="1" latinLnBrk="0" hangingPunct="1">
-              <a:defRPr sz="1800" kern="1200">
-                <a:solidFill>
-                  <a:schemeClr val="lt1"/>
-                </a:solidFill>
-                <a:latin typeface="+mn-lt"/>
-                <a:ea typeface="+mn-ea"/>
-                <a:cs typeface="+mn-cs"/>
-              </a:defRPr>
-            </a:lvl1pPr>
-            <a:lvl2pPr marL="457200" algn="r" defTabSz="914400" rtl="1" eaLnBrk="1" latinLnBrk="0" hangingPunct="1">
-              <a:defRPr sz="1800" kern="1200">
-                <a:solidFill>
-                  <a:schemeClr val="lt1"/>
-                </a:solidFill>
-                <a:latin typeface="+mn-lt"/>
-                <a:ea typeface="+mn-ea"/>
-                <a:cs typeface="+mn-cs"/>
-              </a:defRPr>
-            </a:lvl2pPr>
-            <a:lvl3pPr marL="914400" algn="r" defTabSz="914400" rtl="1" eaLnBrk="1" latinLnBrk="0" hangingPunct="1">
-              <a:defRPr sz="1800" kern="1200">
-                <a:solidFill>
-                  <a:schemeClr val="lt1"/>
-                </a:solidFill>
-                <a:latin typeface="+mn-lt"/>
-                <a:ea typeface="+mn-ea"/>
-                <a:cs typeface="+mn-cs"/>
-              </a:defRPr>
-            </a:lvl3pPr>
-            <a:lvl4pPr marL="1371600" algn="r" defTabSz="914400" rtl="1" eaLnBrk="1" latinLnBrk="0" hangingPunct="1">
-              <a:defRPr sz="1800" kern="1200">
-                <a:solidFill>
-                  <a:schemeClr val="lt1"/>
-                </a:solidFill>
-                <a:latin typeface="+mn-lt"/>
-                <a:ea typeface="+mn-ea"/>
-                <a:cs typeface="+mn-cs"/>
-              </a:defRPr>
-            </a:lvl4pPr>
-            <a:lvl5pPr marL="1828800" algn="r" defTabSz="914400" rtl="1" eaLnBrk="1" latinLnBrk="0" hangingPunct="1">
-              <a:defRPr sz="1800" kern="1200">
-                <a:solidFill>
-                  <a:schemeClr val="lt1"/>
-                </a:solidFill>
-                <a:latin typeface="+mn-lt"/>
-                <a:ea typeface="+mn-ea"/>
-                <a:cs typeface="+mn-cs"/>
-              </a:defRPr>
-            </a:lvl5pPr>
-            <a:lvl6pPr marL="2286000" algn="r" defTabSz="914400" rtl="1" eaLnBrk="1" latinLnBrk="0" hangingPunct="1">
-              <a:defRPr sz="1800" kern="1200">
-                <a:solidFill>
-                  <a:schemeClr val="lt1"/>
-                </a:solidFill>
-                <a:latin typeface="+mn-lt"/>
-                <a:ea typeface="+mn-ea"/>
-                <a:cs typeface="+mn-cs"/>
-              </a:defRPr>
-            </a:lvl6pPr>
-            <a:lvl7pPr marL="2743200" algn="r" defTabSz="914400" rtl="1" eaLnBrk="1" latinLnBrk="0" hangingPunct="1">
-              <a:defRPr sz="1800" kern="1200">
-                <a:solidFill>
-                  <a:schemeClr val="lt1"/>
-                </a:solidFill>
-                <a:latin typeface="+mn-lt"/>
-                <a:ea typeface="+mn-ea"/>
-                <a:cs typeface="+mn-cs"/>
-              </a:defRPr>
-            </a:lvl7pPr>
-            <a:lvl8pPr marL="3200400" algn="r" defTabSz="914400" rtl="1" eaLnBrk="1" latinLnBrk="0" hangingPunct="1">
-              <a:defRPr sz="1800" kern="1200">
-                <a:solidFill>
-                  <a:schemeClr val="lt1"/>
-                </a:solidFill>
-                <a:latin typeface="+mn-lt"/>
-                <a:ea typeface="+mn-ea"/>
-                <a:cs typeface="+mn-cs"/>
-              </a:defRPr>
-            </a:lvl8pPr>
-            <a:lvl9pPr marL="3657600" algn="r" defTabSz="914400" rtl="1" eaLnBrk="1" latinLnBrk="0" hangingPunct="1">
-              <a:defRPr sz="1800" kern="1200">
-                <a:solidFill>
-                  <a:schemeClr val="lt1"/>
-                </a:solidFill>
-                <a:latin typeface="+mn-lt"/>
-                <a:ea typeface="+mn-ea"/>
-                <a:cs typeface="+mn-cs"/>
-              </a:defRPr>
-            </a:lvl9pPr>
-          </a:lstStyle>
-          <a:p>
-            <a:pPr algn="ctr"/>
-            <a:r>
-              <a:rPr lang="he-IL" dirty="0">
-                <a:cs typeface="Arial"/>
-              </a:rPr>
-              <a:t>צפיה</a:t>
-            </a:r>
-            <a:endParaRPr lang="he-IL" dirty="0"/>
-          </a:p>
-        </p:txBody>
-      </p:sp>
-      <p:sp>
-        <p:nvSpPr>
-          <p:cNvPr id="103" name="מלבן 102">
-            <a:extLst>
-              <a:ext uri="{FF2B5EF4-FFF2-40B4-BE49-F238E27FC236}">
-                <a16:creationId xmlns:a16="http://schemas.microsoft.com/office/drawing/2014/main" id="{4B50DBD9-A551-5479-AFEC-C065B8AD08C6}"/>
-              </a:ext>
-            </a:extLst>
-          </p:cNvPr>
-          <p:cNvSpPr/>
-          <p:nvPr/>
-        </p:nvSpPr>
-        <p:spPr>
-          <a:xfrm>
-            <a:off x="2074113" y="5920057"/>
-            <a:ext cx="934527" cy="345056"/>
-          </a:xfrm>
-          <a:prstGeom prst="rect">
-            <a:avLst/>
-          </a:prstGeom>
-          <a:solidFill>
-            <a:srgbClr val="C00000"/>
-          </a:solidFill>
-          <a:ln>
-            <a:noFill/>
-          </a:ln>
-        </p:spPr>
-        <p:style>
-          <a:lnRef idx="2">
-            <a:schemeClr val="accent1">
-              <a:shade val="50000"/>
-            </a:schemeClr>
-          </a:lnRef>
-          <a:fillRef idx="1">
-            <a:schemeClr val="accent1"/>
-          </a:fillRef>
-          <a:effectRef idx="0">
-            <a:schemeClr val="accent1"/>
-          </a:effectRef>
-          <a:fontRef idx="minor">
-            <a:schemeClr val="lt1"/>
-          </a:fontRef>
-        </p:style>
-        <p:txBody>
-          <a:bodyPr lIns="91440" tIns="45720" rIns="91440" bIns="45720" rtlCol="1" anchor="ctr"/>
-          <a:lstStyle>
-            <a:defPPr>
-              <a:defRPr lang="he-IL"/>
-            </a:defPPr>
-            <a:lvl1pPr marL="0" algn="r" defTabSz="914400" rtl="1" eaLnBrk="1" latinLnBrk="0" hangingPunct="1">
-              <a:defRPr sz="1800" kern="1200">
-                <a:solidFill>
-                  <a:schemeClr val="lt1"/>
-                </a:solidFill>
-                <a:latin typeface="+mn-lt"/>
-                <a:ea typeface="+mn-ea"/>
-                <a:cs typeface="+mn-cs"/>
-              </a:defRPr>
-            </a:lvl1pPr>
-            <a:lvl2pPr marL="457200" algn="r" defTabSz="914400" rtl="1" eaLnBrk="1" latinLnBrk="0" hangingPunct="1">
-              <a:defRPr sz="1800" kern="1200">
-                <a:solidFill>
-                  <a:schemeClr val="lt1"/>
-                </a:solidFill>
-                <a:latin typeface="+mn-lt"/>
-                <a:ea typeface="+mn-ea"/>
-                <a:cs typeface="+mn-cs"/>
-              </a:defRPr>
-            </a:lvl2pPr>
-            <a:lvl3pPr marL="914400" algn="r" defTabSz="914400" rtl="1" eaLnBrk="1" latinLnBrk="0" hangingPunct="1">
-              <a:defRPr sz="1800" kern="1200">
-                <a:solidFill>
-                  <a:schemeClr val="lt1"/>
-                </a:solidFill>
-                <a:latin typeface="+mn-lt"/>
-                <a:ea typeface="+mn-ea"/>
-                <a:cs typeface="+mn-cs"/>
-              </a:defRPr>
-            </a:lvl3pPr>
-            <a:lvl4pPr marL="1371600" algn="r" defTabSz="914400" rtl="1" eaLnBrk="1" latinLnBrk="0" hangingPunct="1">
-              <a:defRPr sz="1800" kern="1200">
-                <a:solidFill>
-                  <a:schemeClr val="lt1"/>
-                </a:solidFill>
-                <a:latin typeface="+mn-lt"/>
-                <a:ea typeface="+mn-ea"/>
-                <a:cs typeface="+mn-cs"/>
-              </a:defRPr>
-            </a:lvl4pPr>
-            <a:lvl5pPr marL="1828800" algn="r" defTabSz="914400" rtl="1" eaLnBrk="1" latinLnBrk="0" hangingPunct="1">
-              <a:defRPr sz="1800" kern="1200">
-                <a:solidFill>
-                  <a:schemeClr val="lt1"/>
-                </a:solidFill>
-                <a:latin typeface="+mn-lt"/>
-                <a:ea typeface="+mn-ea"/>
-                <a:cs typeface="+mn-cs"/>
-              </a:defRPr>
-            </a:lvl5pPr>
-            <a:lvl6pPr marL="2286000" algn="r" defTabSz="914400" rtl="1" eaLnBrk="1" latinLnBrk="0" hangingPunct="1">
-              <a:defRPr sz="1800" kern="1200">
-                <a:solidFill>
-                  <a:schemeClr val="lt1"/>
-                </a:solidFill>
-                <a:latin typeface="+mn-lt"/>
-                <a:ea typeface="+mn-ea"/>
-                <a:cs typeface="+mn-cs"/>
-              </a:defRPr>
-            </a:lvl6pPr>
-            <a:lvl7pPr marL="2743200" algn="r" defTabSz="914400" rtl="1" eaLnBrk="1" latinLnBrk="0" hangingPunct="1">
-              <a:defRPr sz="1800" kern="1200">
-                <a:solidFill>
-                  <a:schemeClr val="lt1"/>
-                </a:solidFill>
-                <a:latin typeface="+mn-lt"/>
-                <a:ea typeface="+mn-ea"/>
-                <a:cs typeface="+mn-cs"/>
-              </a:defRPr>
-            </a:lvl7pPr>
-            <a:lvl8pPr marL="3200400" algn="r" defTabSz="914400" rtl="1" eaLnBrk="1" latinLnBrk="0" hangingPunct="1">
-              <a:defRPr sz="1800" kern="1200">
-                <a:solidFill>
-                  <a:schemeClr val="lt1"/>
-                </a:solidFill>
-                <a:latin typeface="+mn-lt"/>
-                <a:ea typeface="+mn-ea"/>
-                <a:cs typeface="+mn-cs"/>
-              </a:defRPr>
-            </a:lvl8pPr>
-            <a:lvl9pPr marL="3657600" algn="r" defTabSz="914400" rtl="1" eaLnBrk="1" latinLnBrk="0" hangingPunct="1">
-              <a:defRPr sz="1800" kern="1200">
-                <a:solidFill>
-                  <a:schemeClr val="lt1"/>
-                </a:solidFill>
-                <a:latin typeface="+mn-lt"/>
-                <a:ea typeface="+mn-ea"/>
-                <a:cs typeface="+mn-cs"/>
-              </a:defRPr>
-            </a:lvl9pPr>
-          </a:lstStyle>
-          <a:p>
-            <a:pPr algn="ctr"/>
-            <a:r>
-              <a:rPr lang="he-IL" dirty="0">
-                <a:cs typeface="Arial"/>
-              </a:rPr>
-              <a:t>מחיקה</a:t>
-            </a:r>
-            <a:endParaRPr lang="he-IL" dirty="0"/>
-          </a:p>
-        </p:txBody>
-      </p:sp>
-      <p:cxnSp>
-        <p:nvCxnSpPr>
-          <p:cNvPr id="104" name="מחבר חץ ישר 103">
-            <a:extLst>
-              <a:ext uri="{FF2B5EF4-FFF2-40B4-BE49-F238E27FC236}">
-                <a16:creationId xmlns:a16="http://schemas.microsoft.com/office/drawing/2014/main" id="{59E07A83-E99A-3466-6D33-E32FA18F68EE}"/>
-              </a:ext>
-            </a:extLst>
-          </p:cNvPr>
-          <p:cNvCxnSpPr/>
-          <p:nvPr/>
-        </p:nvCxnSpPr>
-        <p:spPr>
-          <a:xfrm flipH="1">
-            <a:off x="3634596" y="5703497"/>
-            <a:ext cx="494581" cy="152401"/>
-          </a:xfrm>
-          <a:prstGeom prst="straightConnector1">
-            <a:avLst/>
-          </a:prstGeom>
-          <a:ln>
+            <a:solidFill>
+              <a:srgbClr val="002060"/>
+            </a:solidFill>
             <a:tailEnd type="triangle"/>
           </a:ln>
         </p:spPr>
@@ -13318,27 +11393,28 @@
       </p:cxnSp>
       <p:cxnSp>
         <p:nvCxnSpPr>
-          <p:cNvPr id="105" name="מחבר חץ ישר 104">
-            <a:extLst>
-              <a:ext uri="{FF2B5EF4-FFF2-40B4-BE49-F238E27FC236}">
-                <a16:creationId xmlns:a16="http://schemas.microsoft.com/office/drawing/2014/main" id="{88F7FAC6-BBC2-3808-5642-52A14C1D8503}"/>
-              </a:ext>
-            </a:extLst>
-          </p:cNvPr>
-          <p:cNvCxnSpPr>
-            <a:cxnSpLocks/>
-          </p:cNvCxnSpPr>
+          <p:cNvPr id="16" name="מחבר חץ ישר 15">
+            <a:extLst>
+              <a:ext uri="{FF2B5EF4-FFF2-40B4-BE49-F238E27FC236}">
+                <a16:creationId xmlns:a16="http://schemas.microsoft.com/office/drawing/2014/main" id="{781A82E3-1859-4809-B696-9F4631FC2092}"/>
+              </a:ext>
+            </a:extLst>
+          </p:cNvPr>
+          <p:cNvCxnSpPr/>
           <p:nvPr/>
         </p:nvCxnSpPr>
         <p:spPr>
-          <a:xfrm flipH="1">
-            <a:off x="2656935" y="5645987"/>
-            <a:ext cx="1500995" cy="224287"/>
+          <a:xfrm flipH="1" flipV="1">
+            <a:off x="2674008" y="3981807"/>
+            <a:ext cx="1472242" cy="151782"/>
           </a:xfrm>
           <a:prstGeom prst="straightConnector1">
             <a:avLst/>
           </a:prstGeom>
           <a:ln>
+            <a:solidFill>
+              <a:srgbClr val="002060"/>
+            </a:solidFill>
             <a:tailEnd type="triangle"/>
           </a:ln>
         </p:spPr>
@@ -13359,27 +11435,28 @@
       </p:cxnSp>
       <p:cxnSp>
         <p:nvCxnSpPr>
-          <p:cNvPr id="106" name="מחבר חץ ישר 105">
-            <a:extLst>
-              <a:ext uri="{FF2B5EF4-FFF2-40B4-BE49-F238E27FC236}">
-                <a16:creationId xmlns:a16="http://schemas.microsoft.com/office/drawing/2014/main" id="{8DC45FD9-F5C3-F760-3E27-31DC1093570F}"/>
-              </a:ext>
-            </a:extLst>
-          </p:cNvPr>
-          <p:cNvCxnSpPr>
-            <a:cxnSpLocks/>
-          </p:cNvCxnSpPr>
+          <p:cNvPr id="18" name="מחבר חץ ישר 17">
+            <a:extLst>
+              <a:ext uri="{FF2B5EF4-FFF2-40B4-BE49-F238E27FC236}">
+                <a16:creationId xmlns:a16="http://schemas.microsoft.com/office/drawing/2014/main" id="{5951C39E-36A1-4D10-BD9C-C0BC9D7C0D3F}"/>
+              </a:ext>
+            </a:extLst>
+          </p:cNvPr>
+          <p:cNvCxnSpPr/>
           <p:nvPr/>
         </p:nvCxnSpPr>
         <p:spPr>
-          <a:xfrm flipH="1">
-            <a:off x="1564256" y="5602856"/>
-            <a:ext cx="2493033" cy="253042"/>
+          <a:xfrm flipH="1" flipV="1">
+            <a:off x="1728592" y="3981807"/>
+            <a:ext cx="2432033" cy="272812"/>
           </a:xfrm>
           <a:prstGeom prst="straightConnector1">
             <a:avLst/>
           </a:prstGeom>
           <a:ln>
+            <a:solidFill>
+              <a:srgbClr val="002060"/>
+            </a:solidFill>
             <a:tailEnd type="triangle"/>
           </a:ln>
         </p:spPr>
@@ -13400,722 +11477,30 @@
       </p:cxnSp>
       <p:cxnSp>
         <p:nvCxnSpPr>
-          <p:cNvPr id="107" name="מחבר חץ ישר 106">
-            <a:extLst>
-              <a:ext uri="{FF2B5EF4-FFF2-40B4-BE49-F238E27FC236}">
-                <a16:creationId xmlns:a16="http://schemas.microsoft.com/office/drawing/2014/main" id="{113CCC06-5638-785F-E426-5155E5176283}"/>
+          <p:cNvPr id="24" name="מחבר חץ ישר 23">
+            <a:extLst>
+              <a:ext uri="{FF2B5EF4-FFF2-40B4-BE49-F238E27FC236}">
+                <a16:creationId xmlns:a16="http://schemas.microsoft.com/office/drawing/2014/main" id="{57105FC1-8423-41DD-9CEC-CFB19FE0FAB9}"/>
               </a:ext>
             </a:extLst>
           </p:cNvPr>
           <p:cNvCxnSpPr>
-            <a:cxnSpLocks/>
+            <a:endCxn id="69" idx="2"/>
           </p:cNvCxnSpPr>
           <p:nvPr/>
         </p:nvCxnSpPr>
         <p:spPr>
-          <a:xfrm flipH="1">
-            <a:off x="557841" y="5530970"/>
-            <a:ext cx="3585711" cy="324929"/>
+          <a:xfrm flipH="1" flipV="1">
+            <a:off x="559997" y="3981807"/>
+            <a:ext cx="3615006" cy="344343"/>
           </a:xfrm>
           <a:prstGeom prst="straightConnector1">
             <a:avLst/>
           </a:prstGeom>
           <a:ln>
-            <a:tailEnd type="triangle"/>
-          </a:ln>
-        </p:spPr>
-        <p:style>
-          <a:lnRef idx="1">
-            <a:schemeClr val="accent1"/>
-          </a:lnRef>
-          <a:fillRef idx="0">
-            <a:schemeClr val="accent1"/>
-          </a:fillRef>
-          <a:effectRef idx="0">
-            <a:schemeClr val="accent1"/>
-          </a:effectRef>
-          <a:fontRef idx="minor">
-            <a:schemeClr val="tx1"/>
-          </a:fontRef>
-        </p:style>
-      </p:cxnSp>
-      <p:sp>
-        <p:nvSpPr>
-          <p:cNvPr id="108" name="מלבן 107">
-            <a:extLst>
-              <a:ext uri="{FF2B5EF4-FFF2-40B4-BE49-F238E27FC236}">
-                <a16:creationId xmlns:a16="http://schemas.microsoft.com/office/drawing/2014/main" id="{945CB3B2-4E18-9599-ED13-753B6D6BADF1}"/>
-              </a:ext>
-            </a:extLst>
-          </p:cNvPr>
-          <p:cNvSpPr/>
-          <p:nvPr/>
-        </p:nvSpPr>
-        <p:spPr>
-          <a:xfrm>
-            <a:off x="7681283" y="5963188"/>
-            <a:ext cx="934527" cy="345056"/>
-          </a:xfrm>
-          <a:prstGeom prst="rect">
-            <a:avLst/>
-          </a:prstGeom>
-          <a:solidFill>
-            <a:srgbClr val="C00000"/>
-          </a:solidFill>
-          <a:ln>
-            <a:noFill/>
-          </a:ln>
-        </p:spPr>
-        <p:style>
-          <a:lnRef idx="2">
-            <a:schemeClr val="accent1">
-              <a:shade val="50000"/>
-            </a:schemeClr>
-          </a:lnRef>
-          <a:fillRef idx="1">
-            <a:schemeClr val="accent1"/>
-          </a:fillRef>
-          <a:effectRef idx="0">
-            <a:schemeClr val="accent1"/>
-          </a:effectRef>
-          <a:fontRef idx="minor">
-            <a:schemeClr val="lt1"/>
-          </a:fontRef>
-        </p:style>
-        <p:txBody>
-          <a:bodyPr rot="0" spcFirstLastPara="0" vert="horz" wrap="square" lIns="91440" tIns="45720" rIns="91440" bIns="45720" numCol="1" spcCol="0" rtlCol="1" fromWordArt="0" anchor="ctr" anchorCtr="0" forceAA="0" compatLnSpc="1">
-            <a:prstTxWarp prst="textNoShape">
-              <a:avLst/>
-            </a:prstTxWarp>
-            <a:noAutofit/>
-          </a:bodyPr>
-          <a:lstStyle>
-            <a:defPPr>
-              <a:defRPr lang="he-IL"/>
-            </a:defPPr>
-            <a:lvl1pPr marL="0" algn="r" defTabSz="914400" rtl="1" eaLnBrk="1" latinLnBrk="0" hangingPunct="1">
-              <a:defRPr sz="1800" kern="1200">
-                <a:solidFill>
-                  <a:schemeClr val="lt1"/>
-                </a:solidFill>
-                <a:latin typeface="+mn-lt"/>
-                <a:ea typeface="+mn-ea"/>
-                <a:cs typeface="+mn-cs"/>
-              </a:defRPr>
-            </a:lvl1pPr>
-            <a:lvl2pPr marL="457200" algn="r" defTabSz="914400" rtl="1" eaLnBrk="1" latinLnBrk="0" hangingPunct="1">
-              <a:defRPr sz="1800" kern="1200">
-                <a:solidFill>
-                  <a:schemeClr val="lt1"/>
-                </a:solidFill>
-                <a:latin typeface="+mn-lt"/>
-                <a:ea typeface="+mn-ea"/>
-                <a:cs typeface="+mn-cs"/>
-              </a:defRPr>
-            </a:lvl2pPr>
-            <a:lvl3pPr marL="914400" algn="r" defTabSz="914400" rtl="1" eaLnBrk="1" latinLnBrk="0" hangingPunct="1">
-              <a:defRPr sz="1800" kern="1200">
-                <a:solidFill>
-                  <a:schemeClr val="lt1"/>
-                </a:solidFill>
-                <a:latin typeface="+mn-lt"/>
-                <a:ea typeface="+mn-ea"/>
-                <a:cs typeface="+mn-cs"/>
-              </a:defRPr>
-            </a:lvl3pPr>
-            <a:lvl4pPr marL="1371600" algn="r" defTabSz="914400" rtl="1" eaLnBrk="1" latinLnBrk="0" hangingPunct="1">
-              <a:defRPr sz="1800" kern="1200">
-                <a:solidFill>
-                  <a:schemeClr val="lt1"/>
-                </a:solidFill>
-                <a:latin typeface="+mn-lt"/>
-                <a:ea typeface="+mn-ea"/>
-                <a:cs typeface="+mn-cs"/>
-              </a:defRPr>
-            </a:lvl4pPr>
-            <a:lvl5pPr marL="1828800" algn="r" defTabSz="914400" rtl="1" eaLnBrk="1" latinLnBrk="0" hangingPunct="1">
-              <a:defRPr sz="1800" kern="1200">
-                <a:solidFill>
-                  <a:schemeClr val="lt1"/>
-                </a:solidFill>
-                <a:latin typeface="+mn-lt"/>
-                <a:ea typeface="+mn-ea"/>
-                <a:cs typeface="+mn-cs"/>
-              </a:defRPr>
-            </a:lvl5pPr>
-            <a:lvl6pPr marL="2286000" algn="r" defTabSz="914400" rtl="1" eaLnBrk="1" latinLnBrk="0" hangingPunct="1">
-              <a:defRPr sz="1800" kern="1200">
-                <a:solidFill>
-                  <a:schemeClr val="lt1"/>
-                </a:solidFill>
-                <a:latin typeface="+mn-lt"/>
-                <a:ea typeface="+mn-ea"/>
-                <a:cs typeface="+mn-cs"/>
-              </a:defRPr>
-            </a:lvl6pPr>
-            <a:lvl7pPr marL="2743200" algn="r" defTabSz="914400" rtl="1" eaLnBrk="1" latinLnBrk="0" hangingPunct="1">
-              <a:defRPr sz="1800" kern="1200">
-                <a:solidFill>
-                  <a:schemeClr val="lt1"/>
-                </a:solidFill>
-                <a:latin typeface="+mn-lt"/>
-                <a:ea typeface="+mn-ea"/>
-                <a:cs typeface="+mn-cs"/>
-              </a:defRPr>
-            </a:lvl7pPr>
-            <a:lvl8pPr marL="3200400" algn="r" defTabSz="914400" rtl="1" eaLnBrk="1" latinLnBrk="0" hangingPunct="1">
-              <a:defRPr sz="1800" kern="1200">
-                <a:solidFill>
-                  <a:schemeClr val="lt1"/>
-                </a:solidFill>
-                <a:latin typeface="+mn-lt"/>
-                <a:ea typeface="+mn-ea"/>
-                <a:cs typeface="+mn-cs"/>
-              </a:defRPr>
-            </a:lvl8pPr>
-            <a:lvl9pPr marL="3657600" algn="r" defTabSz="914400" rtl="1" eaLnBrk="1" latinLnBrk="0" hangingPunct="1">
-              <a:defRPr sz="1800" kern="1200">
-                <a:solidFill>
-                  <a:schemeClr val="lt1"/>
-                </a:solidFill>
-                <a:latin typeface="+mn-lt"/>
-                <a:ea typeface="+mn-ea"/>
-                <a:cs typeface="+mn-cs"/>
-              </a:defRPr>
-            </a:lvl9pPr>
-          </a:lstStyle>
-          <a:p>
-            <a:pPr algn="ctr"/>
-            <a:r>
-              <a:rPr lang="he-IL" dirty="0">
-                <a:cs typeface="Arial"/>
-              </a:rPr>
-              <a:t>הוספה</a:t>
-            </a:r>
-            <a:endParaRPr lang="he-IL" dirty="0"/>
-          </a:p>
-        </p:txBody>
-      </p:sp>
-      <p:sp>
-        <p:nvSpPr>
-          <p:cNvPr id="109" name="מלבן 108">
-            <a:extLst>
-              <a:ext uri="{FF2B5EF4-FFF2-40B4-BE49-F238E27FC236}">
-                <a16:creationId xmlns:a16="http://schemas.microsoft.com/office/drawing/2014/main" id="{6A98EC60-D2D1-7028-EACB-F8A12F8E6966}"/>
-              </a:ext>
-            </a:extLst>
-          </p:cNvPr>
-          <p:cNvSpPr/>
-          <p:nvPr/>
-        </p:nvSpPr>
-        <p:spPr>
-          <a:xfrm>
-            <a:off x="6027887" y="6423264"/>
-            <a:ext cx="934527" cy="345056"/>
-          </a:xfrm>
-          <a:prstGeom prst="rect">
-            <a:avLst/>
-          </a:prstGeom>
-          <a:solidFill>
-            <a:srgbClr val="C00000"/>
-          </a:solidFill>
-          <a:ln>
-            <a:noFill/>
-          </a:ln>
-        </p:spPr>
-        <p:style>
-          <a:lnRef idx="2">
-            <a:schemeClr val="accent1">
-              <a:shade val="50000"/>
-            </a:schemeClr>
-          </a:lnRef>
-          <a:fillRef idx="1">
-            <a:schemeClr val="accent1"/>
-          </a:fillRef>
-          <a:effectRef idx="0">
-            <a:schemeClr val="accent1"/>
-          </a:effectRef>
-          <a:fontRef idx="minor">
-            <a:schemeClr val="lt1"/>
-          </a:fontRef>
-        </p:style>
-        <p:txBody>
-          <a:bodyPr lIns="91440" tIns="45720" rIns="91440" bIns="45720" rtlCol="1" anchor="ctr"/>
-          <a:lstStyle>
-            <a:defPPr>
-              <a:defRPr lang="he-IL"/>
-            </a:defPPr>
-            <a:lvl1pPr marL="0" algn="r" defTabSz="914400" rtl="1" eaLnBrk="1" latinLnBrk="0" hangingPunct="1">
-              <a:defRPr sz="1800" kern="1200">
-                <a:solidFill>
-                  <a:schemeClr val="lt1"/>
-                </a:solidFill>
-                <a:latin typeface="+mn-lt"/>
-                <a:ea typeface="+mn-ea"/>
-                <a:cs typeface="+mn-cs"/>
-              </a:defRPr>
-            </a:lvl1pPr>
-            <a:lvl2pPr marL="457200" algn="r" defTabSz="914400" rtl="1" eaLnBrk="1" latinLnBrk="0" hangingPunct="1">
-              <a:defRPr sz="1800" kern="1200">
-                <a:solidFill>
-                  <a:schemeClr val="lt1"/>
-                </a:solidFill>
-                <a:latin typeface="+mn-lt"/>
-                <a:ea typeface="+mn-ea"/>
-                <a:cs typeface="+mn-cs"/>
-              </a:defRPr>
-            </a:lvl2pPr>
-            <a:lvl3pPr marL="914400" algn="r" defTabSz="914400" rtl="1" eaLnBrk="1" latinLnBrk="0" hangingPunct="1">
-              <a:defRPr sz="1800" kern="1200">
-                <a:solidFill>
-                  <a:schemeClr val="lt1"/>
-                </a:solidFill>
-                <a:latin typeface="+mn-lt"/>
-                <a:ea typeface="+mn-ea"/>
-                <a:cs typeface="+mn-cs"/>
-              </a:defRPr>
-            </a:lvl3pPr>
-            <a:lvl4pPr marL="1371600" algn="r" defTabSz="914400" rtl="1" eaLnBrk="1" latinLnBrk="0" hangingPunct="1">
-              <a:defRPr sz="1800" kern="1200">
-                <a:solidFill>
-                  <a:schemeClr val="lt1"/>
-                </a:solidFill>
-                <a:latin typeface="+mn-lt"/>
-                <a:ea typeface="+mn-ea"/>
-                <a:cs typeface="+mn-cs"/>
-              </a:defRPr>
-            </a:lvl4pPr>
-            <a:lvl5pPr marL="1828800" algn="r" defTabSz="914400" rtl="1" eaLnBrk="1" latinLnBrk="0" hangingPunct="1">
-              <a:defRPr sz="1800" kern="1200">
-                <a:solidFill>
-                  <a:schemeClr val="lt1"/>
-                </a:solidFill>
-                <a:latin typeface="+mn-lt"/>
-                <a:ea typeface="+mn-ea"/>
-                <a:cs typeface="+mn-cs"/>
-              </a:defRPr>
-            </a:lvl5pPr>
-            <a:lvl6pPr marL="2286000" algn="r" defTabSz="914400" rtl="1" eaLnBrk="1" latinLnBrk="0" hangingPunct="1">
-              <a:defRPr sz="1800" kern="1200">
-                <a:solidFill>
-                  <a:schemeClr val="lt1"/>
-                </a:solidFill>
-                <a:latin typeface="+mn-lt"/>
-                <a:ea typeface="+mn-ea"/>
-                <a:cs typeface="+mn-cs"/>
-              </a:defRPr>
-            </a:lvl6pPr>
-            <a:lvl7pPr marL="2743200" algn="r" defTabSz="914400" rtl="1" eaLnBrk="1" latinLnBrk="0" hangingPunct="1">
-              <a:defRPr sz="1800" kern="1200">
-                <a:solidFill>
-                  <a:schemeClr val="lt1"/>
-                </a:solidFill>
-                <a:latin typeface="+mn-lt"/>
-                <a:ea typeface="+mn-ea"/>
-                <a:cs typeface="+mn-cs"/>
-              </a:defRPr>
-            </a:lvl7pPr>
-            <a:lvl8pPr marL="3200400" algn="r" defTabSz="914400" rtl="1" eaLnBrk="1" latinLnBrk="0" hangingPunct="1">
-              <a:defRPr sz="1800" kern="1200">
-                <a:solidFill>
-                  <a:schemeClr val="lt1"/>
-                </a:solidFill>
-                <a:latin typeface="+mn-lt"/>
-                <a:ea typeface="+mn-ea"/>
-                <a:cs typeface="+mn-cs"/>
-              </a:defRPr>
-            </a:lvl8pPr>
-            <a:lvl9pPr marL="3657600" algn="r" defTabSz="914400" rtl="1" eaLnBrk="1" latinLnBrk="0" hangingPunct="1">
-              <a:defRPr sz="1800" kern="1200">
-                <a:solidFill>
-                  <a:schemeClr val="lt1"/>
-                </a:solidFill>
-                <a:latin typeface="+mn-lt"/>
-                <a:ea typeface="+mn-ea"/>
-                <a:cs typeface="+mn-cs"/>
-              </a:defRPr>
-            </a:lvl9pPr>
-          </a:lstStyle>
-          <a:p>
-            <a:pPr algn="ctr"/>
-            <a:r>
-              <a:rPr lang="he-IL" dirty="0">
-                <a:cs typeface="Arial"/>
-              </a:rPr>
-              <a:t>צפיה</a:t>
-            </a:r>
-            <a:endParaRPr lang="he-IL" dirty="0"/>
-          </a:p>
-        </p:txBody>
-      </p:sp>
-      <p:sp>
-        <p:nvSpPr>
-          <p:cNvPr id="110" name="מלבן 109">
-            <a:extLst>
-              <a:ext uri="{FF2B5EF4-FFF2-40B4-BE49-F238E27FC236}">
-                <a16:creationId xmlns:a16="http://schemas.microsoft.com/office/drawing/2014/main" id="{9395C326-67D2-8405-D41D-833CC6D0FB2D}"/>
-              </a:ext>
-            </a:extLst>
-          </p:cNvPr>
-          <p:cNvSpPr/>
-          <p:nvPr/>
-        </p:nvSpPr>
-        <p:spPr>
-          <a:xfrm>
-            <a:off x="6459207" y="5848169"/>
-            <a:ext cx="934527" cy="345056"/>
-          </a:xfrm>
-          <a:prstGeom prst="rect">
-            <a:avLst/>
-          </a:prstGeom>
-          <a:solidFill>
-            <a:srgbClr val="C00000"/>
-          </a:solidFill>
-          <a:ln>
-            <a:noFill/>
-          </a:ln>
-        </p:spPr>
-        <p:style>
-          <a:lnRef idx="2">
-            <a:schemeClr val="accent1">
-              <a:shade val="50000"/>
-            </a:schemeClr>
-          </a:lnRef>
-          <a:fillRef idx="1">
-            <a:schemeClr val="accent1"/>
-          </a:fillRef>
-          <a:effectRef idx="0">
-            <a:schemeClr val="accent1"/>
-          </a:effectRef>
-          <a:fontRef idx="minor">
-            <a:schemeClr val="lt1"/>
-          </a:fontRef>
-        </p:style>
-        <p:txBody>
-          <a:bodyPr lIns="91440" tIns="45720" rIns="91440" bIns="45720" rtlCol="1" anchor="ctr"/>
-          <a:lstStyle>
-            <a:defPPr>
-              <a:defRPr lang="he-IL"/>
-            </a:defPPr>
-            <a:lvl1pPr marL="0" algn="r" defTabSz="914400" rtl="1" eaLnBrk="1" latinLnBrk="0" hangingPunct="1">
-              <a:defRPr sz="1800" kern="1200">
-                <a:solidFill>
-                  <a:schemeClr val="lt1"/>
-                </a:solidFill>
-                <a:latin typeface="+mn-lt"/>
-                <a:ea typeface="+mn-ea"/>
-                <a:cs typeface="+mn-cs"/>
-              </a:defRPr>
-            </a:lvl1pPr>
-            <a:lvl2pPr marL="457200" algn="r" defTabSz="914400" rtl="1" eaLnBrk="1" latinLnBrk="0" hangingPunct="1">
-              <a:defRPr sz="1800" kern="1200">
-                <a:solidFill>
-                  <a:schemeClr val="lt1"/>
-                </a:solidFill>
-                <a:latin typeface="+mn-lt"/>
-                <a:ea typeface="+mn-ea"/>
-                <a:cs typeface="+mn-cs"/>
-              </a:defRPr>
-            </a:lvl2pPr>
-            <a:lvl3pPr marL="914400" algn="r" defTabSz="914400" rtl="1" eaLnBrk="1" latinLnBrk="0" hangingPunct="1">
-              <a:defRPr sz="1800" kern="1200">
-                <a:solidFill>
-                  <a:schemeClr val="lt1"/>
-                </a:solidFill>
-                <a:latin typeface="+mn-lt"/>
-                <a:ea typeface="+mn-ea"/>
-                <a:cs typeface="+mn-cs"/>
-              </a:defRPr>
-            </a:lvl3pPr>
-            <a:lvl4pPr marL="1371600" algn="r" defTabSz="914400" rtl="1" eaLnBrk="1" latinLnBrk="0" hangingPunct="1">
-              <a:defRPr sz="1800" kern="1200">
-                <a:solidFill>
-                  <a:schemeClr val="lt1"/>
-                </a:solidFill>
-                <a:latin typeface="+mn-lt"/>
-                <a:ea typeface="+mn-ea"/>
-                <a:cs typeface="+mn-cs"/>
-              </a:defRPr>
-            </a:lvl4pPr>
-            <a:lvl5pPr marL="1828800" algn="r" defTabSz="914400" rtl="1" eaLnBrk="1" latinLnBrk="0" hangingPunct="1">
-              <a:defRPr sz="1800" kern="1200">
-                <a:solidFill>
-                  <a:schemeClr val="lt1"/>
-                </a:solidFill>
-                <a:latin typeface="+mn-lt"/>
-                <a:ea typeface="+mn-ea"/>
-                <a:cs typeface="+mn-cs"/>
-              </a:defRPr>
-            </a:lvl5pPr>
-            <a:lvl6pPr marL="2286000" algn="r" defTabSz="914400" rtl="1" eaLnBrk="1" latinLnBrk="0" hangingPunct="1">
-              <a:defRPr sz="1800" kern="1200">
-                <a:solidFill>
-                  <a:schemeClr val="lt1"/>
-                </a:solidFill>
-                <a:latin typeface="+mn-lt"/>
-                <a:ea typeface="+mn-ea"/>
-                <a:cs typeface="+mn-cs"/>
-              </a:defRPr>
-            </a:lvl6pPr>
-            <a:lvl7pPr marL="2743200" algn="r" defTabSz="914400" rtl="1" eaLnBrk="1" latinLnBrk="0" hangingPunct="1">
-              <a:defRPr sz="1800" kern="1200">
-                <a:solidFill>
-                  <a:schemeClr val="lt1"/>
-                </a:solidFill>
-                <a:latin typeface="+mn-lt"/>
-                <a:ea typeface="+mn-ea"/>
-                <a:cs typeface="+mn-cs"/>
-              </a:defRPr>
-            </a:lvl7pPr>
-            <a:lvl8pPr marL="3200400" algn="r" defTabSz="914400" rtl="1" eaLnBrk="1" latinLnBrk="0" hangingPunct="1">
-              <a:defRPr sz="1800" kern="1200">
-                <a:solidFill>
-                  <a:schemeClr val="lt1"/>
-                </a:solidFill>
-                <a:latin typeface="+mn-lt"/>
-                <a:ea typeface="+mn-ea"/>
-                <a:cs typeface="+mn-cs"/>
-              </a:defRPr>
-            </a:lvl8pPr>
-            <a:lvl9pPr marL="3657600" algn="r" defTabSz="914400" rtl="1" eaLnBrk="1" latinLnBrk="0" hangingPunct="1">
-              <a:defRPr sz="1800" kern="1200">
-                <a:solidFill>
-                  <a:schemeClr val="lt1"/>
-                </a:solidFill>
-                <a:latin typeface="+mn-lt"/>
-                <a:ea typeface="+mn-ea"/>
-                <a:cs typeface="+mn-cs"/>
-              </a:defRPr>
-            </a:lvl9pPr>
-          </a:lstStyle>
-          <a:p>
-            <a:pPr algn="ctr"/>
-            <a:r>
-              <a:rPr lang="he-IL" dirty="0">
-                <a:cs typeface="Arial"/>
-              </a:rPr>
-              <a:t>מחיקה</a:t>
-            </a:r>
-            <a:endParaRPr lang="he-IL" dirty="0"/>
-          </a:p>
-        </p:txBody>
-      </p:sp>
-      <p:cxnSp>
-        <p:nvCxnSpPr>
-          <p:cNvPr id="111" name="מחבר חץ ישר 110">
-            <a:extLst>
-              <a:ext uri="{FF2B5EF4-FFF2-40B4-BE49-F238E27FC236}">
-                <a16:creationId xmlns:a16="http://schemas.microsoft.com/office/drawing/2014/main" id="{731ACE64-E5A4-8ECB-D40D-FE0A749B976D}"/>
-              </a:ext>
-            </a:extLst>
-          </p:cNvPr>
-          <p:cNvCxnSpPr>
-            <a:cxnSpLocks/>
-          </p:cNvCxnSpPr>
-          <p:nvPr/>
-        </p:nvCxnSpPr>
-        <p:spPr>
-          <a:xfrm>
-            <a:off x="5653177" y="6436743"/>
-            <a:ext cx="310550" cy="94891"/>
-          </a:xfrm>
-          <a:prstGeom prst="straightConnector1">
-            <a:avLst/>
-          </a:prstGeom>
-          <a:ln>
-            <a:tailEnd type="triangle"/>
-          </a:ln>
-        </p:spPr>
-        <p:style>
-          <a:lnRef idx="1">
-            <a:schemeClr val="accent1"/>
-          </a:lnRef>
-          <a:fillRef idx="0">
-            <a:schemeClr val="accent1"/>
-          </a:fillRef>
-          <a:effectRef idx="0">
-            <a:schemeClr val="accent1"/>
-          </a:effectRef>
-          <a:fontRef idx="minor">
-            <a:schemeClr val="tx1"/>
-          </a:fontRef>
-        </p:style>
-      </p:cxnSp>
-      <p:sp>
-        <p:nvSpPr>
-          <p:cNvPr id="114" name="מלבן 113">
-            <a:extLst>
-              <a:ext uri="{FF2B5EF4-FFF2-40B4-BE49-F238E27FC236}">
-                <a16:creationId xmlns:a16="http://schemas.microsoft.com/office/drawing/2014/main" id="{B8C5624E-003B-2630-E5D3-CECC59277202}"/>
-              </a:ext>
-            </a:extLst>
-          </p:cNvPr>
-          <p:cNvSpPr/>
-          <p:nvPr/>
-        </p:nvSpPr>
-        <p:spPr>
-          <a:xfrm>
-            <a:off x="7221206" y="6423262"/>
-            <a:ext cx="934527" cy="345056"/>
-          </a:xfrm>
-          <a:prstGeom prst="rect">
-            <a:avLst/>
-          </a:prstGeom>
-          <a:solidFill>
-            <a:srgbClr val="C00000"/>
-          </a:solidFill>
-          <a:ln>
-            <a:noFill/>
-          </a:ln>
-        </p:spPr>
-        <p:style>
-          <a:lnRef idx="2">
-            <a:schemeClr val="accent1">
-              <a:shade val="50000"/>
-            </a:schemeClr>
-          </a:lnRef>
-          <a:fillRef idx="1">
-            <a:schemeClr val="accent1"/>
-          </a:fillRef>
-          <a:effectRef idx="0">
-            <a:schemeClr val="accent1"/>
-          </a:effectRef>
-          <a:fontRef idx="minor">
-            <a:schemeClr val="lt1"/>
-          </a:fontRef>
-        </p:style>
-        <p:txBody>
-          <a:bodyPr lIns="91440" tIns="45720" rIns="91440" bIns="45720" rtlCol="1" anchor="ctr"/>
-          <a:lstStyle>
-            <a:defPPr>
-              <a:defRPr lang="he-IL"/>
-            </a:defPPr>
-            <a:lvl1pPr marL="0" algn="r" defTabSz="914400" rtl="1" eaLnBrk="1" latinLnBrk="0" hangingPunct="1">
-              <a:defRPr sz="1800" kern="1200">
-                <a:solidFill>
-                  <a:schemeClr val="lt1"/>
-                </a:solidFill>
-                <a:latin typeface="+mn-lt"/>
-                <a:ea typeface="+mn-ea"/>
-                <a:cs typeface="+mn-cs"/>
-              </a:defRPr>
-            </a:lvl1pPr>
-            <a:lvl2pPr marL="457200" algn="r" defTabSz="914400" rtl="1" eaLnBrk="1" latinLnBrk="0" hangingPunct="1">
-              <a:defRPr sz="1800" kern="1200">
-                <a:solidFill>
-                  <a:schemeClr val="lt1"/>
-                </a:solidFill>
-                <a:latin typeface="+mn-lt"/>
-                <a:ea typeface="+mn-ea"/>
-                <a:cs typeface="+mn-cs"/>
-              </a:defRPr>
-            </a:lvl2pPr>
-            <a:lvl3pPr marL="914400" algn="r" defTabSz="914400" rtl="1" eaLnBrk="1" latinLnBrk="0" hangingPunct="1">
-              <a:defRPr sz="1800" kern="1200">
-                <a:solidFill>
-                  <a:schemeClr val="lt1"/>
-                </a:solidFill>
-                <a:latin typeface="+mn-lt"/>
-                <a:ea typeface="+mn-ea"/>
-                <a:cs typeface="+mn-cs"/>
-              </a:defRPr>
-            </a:lvl3pPr>
-            <a:lvl4pPr marL="1371600" algn="r" defTabSz="914400" rtl="1" eaLnBrk="1" latinLnBrk="0" hangingPunct="1">
-              <a:defRPr sz="1800" kern="1200">
-                <a:solidFill>
-                  <a:schemeClr val="lt1"/>
-                </a:solidFill>
-                <a:latin typeface="+mn-lt"/>
-                <a:ea typeface="+mn-ea"/>
-                <a:cs typeface="+mn-cs"/>
-              </a:defRPr>
-            </a:lvl4pPr>
-            <a:lvl5pPr marL="1828800" algn="r" defTabSz="914400" rtl="1" eaLnBrk="1" latinLnBrk="0" hangingPunct="1">
-              <a:defRPr sz="1800" kern="1200">
-                <a:solidFill>
-                  <a:schemeClr val="lt1"/>
-                </a:solidFill>
-                <a:latin typeface="+mn-lt"/>
-                <a:ea typeface="+mn-ea"/>
-                <a:cs typeface="+mn-cs"/>
-              </a:defRPr>
-            </a:lvl5pPr>
-            <a:lvl6pPr marL="2286000" algn="r" defTabSz="914400" rtl="1" eaLnBrk="1" latinLnBrk="0" hangingPunct="1">
-              <a:defRPr sz="1800" kern="1200">
-                <a:solidFill>
-                  <a:schemeClr val="lt1"/>
-                </a:solidFill>
-                <a:latin typeface="+mn-lt"/>
-                <a:ea typeface="+mn-ea"/>
-                <a:cs typeface="+mn-cs"/>
-              </a:defRPr>
-            </a:lvl6pPr>
-            <a:lvl7pPr marL="2743200" algn="r" defTabSz="914400" rtl="1" eaLnBrk="1" latinLnBrk="0" hangingPunct="1">
-              <a:defRPr sz="1800" kern="1200">
-                <a:solidFill>
-                  <a:schemeClr val="lt1"/>
-                </a:solidFill>
-                <a:latin typeface="+mn-lt"/>
-                <a:ea typeface="+mn-ea"/>
-                <a:cs typeface="+mn-cs"/>
-              </a:defRPr>
-            </a:lvl7pPr>
-            <a:lvl8pPr marL="3200400" algn="r" defTabSz="914400" rtl="1" eaLnBrk="1" latinLnBrk="0" hangingPunct="1">
-              <a:defRPr sz="1800" kern="1200">
-                <a:solidFill>
-                  <a:schemeClr val="lt1"/>
-                </a:solidFill>
-                <a:latin typeface="+mn-lt"/>
-                <a:ea typeface="+mn-ea"/>
-                <a:cs typeface="+mn-cs"/>
-              </a:defRPr>
-            </a:lvl8pPr>
-            <a:lvl9pPr marL="3657600" algn="r" defTabSz="914400" rtl="1" eaLnBrk="1" latinLnBrk="0" hangingPunct="1">
-              <a:defRPr sz="1800" kern="1200">
-                <a:solidFill>
-                  <a:schemeClr val="lt1"/>
-                </a:solidFill>
-                <a:latin typeface="+mn-lt"/>
-                <a:ea typeface="+mn-ea"/>
-                <a:cs typeface="+mn-cs"/>
-              </a:defRPr>
-            </a:lvl9pPr>
-          </a:lstStyle>
-          <a:p>
-            <a:pPr algn="ctr"/>
-            <a:r>
-              <a:rPr lang="he-IL" dirty="0">
-                <a:cs typeface="Arial"/>
-              </a:rPr>
-              <a:t>עדכון</a:t>
-            </a:r>
-            <a:endParaRPr lang="he-IL" dirty="0"/>
-          </a:p>
-        </p:txBody>
-      </p:sp>
-      <p:cxnSp>
-        <p:nvCxnSpPr>
-          <p:cNvPr id="116" name="מחבר חץ ישר 115">
-            <a:extLst>
-              <a:ext uri="{FF2B5EF4-FFF2-40B4-BE49-F238E27FC236}">
-                <a16:creationId xmlns:a16="http://schemas.microsoft.com/office/drawing/2014/main" id="{2F615161-F3DF-DE05-94B5-CAEC793DBBBE}"/>
-              </a:ext>
-            </a:extLst>
-          </p:cNvPr>
-          <p:cNvCxnSpPr>
-            <a:cxnSpLocks/>
-          </p:cNvCxnSpPr>
-          <p:nvPr/>
-        </p:nvCxnSpPr>
-        <p:spPr>
-          <a:xfrm flipV="1">
-            <a:off x="5653177" y="6028426"/>
-            <a:ext cx="770625" cy="250165"/>
-          </a:xfrm>
-          <a:prstGeom prst="straightConnector1">
-            <a:avLst/>
-          </a:prstGeom>
-          <a:ln>
+            <a:solidFill>
+              <a:srgbClr val="002060"/>
+            </a:solidFill>
             <a:tailEnd type="triangle"/>
           </a:ln>
         </p:spPr>
@@ -14136,27 +11521,30 @@
       </p:cxnSp>
       <p:cxnSp>
         <p:nvCxnSpPr>
-          <p:cNvPr id="117" name="מחבר חץ ישר 116">
-            <a:extLst>
-              <a:ext uri="{FF2B5EF4-FFF2-40B4-BE49-F238E27FC236}">
-                <a16:creationId xmlns:a16="http://schemas.microsoft.com/office/drawing/2014/main" id="{A9B3E2EA-CC61-876A-E54A-145FA519AE02}"/>
+          <p:cNvPr id="26" name="מחבר חץ ישר 25">
+            <a:extLst>
+              <a:ext uri="{FF2B5EF4-FFF2-40B4-BE49-F238E27FC236}">
+                <a16:creationId xmlns:a16="http://schemas.microsoft.com/office/drawing/2014/main" id="{1307CA2C-EFDF-4856-ACF7-5FB427B1C958}"/>
               </a:ext>
             </a:extLst>
           </p:cNvPr>
           <p:cNvCxnSpPr>
-            <a:cxnSpLocks/>
+            <a:stCxn id="35" idx="1"/>
           </p:cNvCxnSpPr>
           <p:nvPr/>
         </p:nvCxnSpPr>
         <p:spPr>
-          <a:xfrm flipV="1">
-            <a:off x="5638800" y="6344729"/>
-            <a:ext cx="1805794" cy="5750"/>
+          <a:xfrm flipH="1" flipV="1">
+            <a:off x="1728592" y="3981807"/>
+            <a:ext cx="2481723" cy="1009345"/>
           </a:xfrm>
           <a:prstGeom prst="straightConnector1">
             <a:avLst/>
           </a:prstGeom>
           <a:ln>
+            <a:solidFill>
+              <a:srgbClr val="002060"/>
+            </a:solidFill>
             <a:tailEnd type="triangle"/>
           </a:ln>
         </p:spPr>
@@ -14177,10 +11565,10 @@
       </p:cxnSp>
       <p:cxnSp>
         <p:nvCxnSpPr>
-          <p:cNvPr id="118" name="מחבר חץ ישר 117">
-            <a:extLst>
-              <a:ext uri="{FF2B5EF4-FFF2-40B4-BE49-F238E27FC236}">
-                <a16:creationId xmlns:a16="http://schemas.microsoft.com/office/drawing/2014/main" id="{04523AF3-279D-BFBB-8751-AD78F27798EA}"/>
+          <p:cNvPr id="42" name="מחבר חץ ישר 41">
+            <a:extLst>
+              <a:ext uri="{FF2B5EF4-FFF2-40B4-BE49-F238E27FC236}">
+                <a16:creationId xmlns:a16="http://schemas.microsoft.com/office/drawing/2014/main" id="{6D43DF90-01E5-4BDD-852D-D3BAF36C6B9E}"/>
               </a:ext>
             </a:extLst>
           </p:cNvPr>
@@ -14190,14 +11578,363 @@
           <p:nvPr/>
         </p:nvCxnSpPr>
         <p:spPr>
-          <a:xfrm flipV="1">
-            <a:off x="5739441" y="6172200"/>
-            <a:ext cx="1935191" cy="135146"/>
+          <a:xfrm flipH="1" flipV="1">
+            <a:off x="751562" y="4003728"/>
+            <a:ext cx="3394688" cy="1127092"/>
           </a:xfrm>
           <a:prstGeom prst="straightConnector1">
             <a:avLst/>
           </a:prstGeom>
           <a:ln>
+            <a:solidFill>
+              <a:srgbClr val="002060"/>
+            </a:solidFill>
+            <a:tailEnd type="triangle"/>
+          </a:ln>
+        </p:spPr>
+        <p:style>
+          <a:lnRef idx="1">
+            <a:schemeClr val="accent1"/>
+          </a:lnRef>
+          <a:fillRef idx="0">
+            <a:schemeClr val="accent1"/>
+          </a:fillRef>
+          <a:effectRef idx="0">
+            <a:schemeClr val="accent1"/>
+          </a:effectRef>
+          <a:fontRef idx="minor">
+            <a:schemeClr val="tx1"/>
+          </a:fontRef>
+        </p:style>
+      </p:cxnSp>
+      <p:cxnSp>
+        <p:nvCxnSpPr>
+          <p:cNvPr id="49" name="מחבר חץ ישר 48">
+            <a:extLst>
+              <a:ext uri="{FF2B5EF4-FFF2-40B4-BE49-F238E27FC236}">
+                <a16:creationId xmlns:a16="http://schemas.microsoft.com/office/drawing/2014/main" id="{DEDD4987-A1A3-46D4-93CB-E77CC552A963}"/>
+              </a:ext>
+            </a:extLst>
+          </p:cNvPr>
+          <p:cNvCxnSpPr>
+            <a:endCxn id="68" idx="2"/>
+          </p:cNvCxnSpPr>
+          <p:nvPr/>
+        </p:nvCxnSpPr>
+        <p:spPr>
+          <a:xfrm flipH="1" flipV="1">
+            <a:off x="3564866" y="3981808"/>
+            <a:ext cx="631071" cy="1842795"/>
+          </a:xfrm>
+          <a:prstGeom prst="straightConnector1">
+            <a:avLst/>
+          </a:prstGeom>
+          <a:ln>
+            <a:solidFill>
+              <a:srgbClr val="002060"/>
+            </a:solidFill>
+            <a:tailEnd type="triangle"/>
+          </a:ln>
+        </p:spPr>
+        <p:style>
+          <a:lnRef idx="1">
+            <a:schemeClr val="accent1"/>
+          </a:lnRef>
+          <a:fillRef idx="0">
+            <a:schemeClr val="accent1"/>
+          </a:fillRef>
+          <a:effectRef idx="0">
+            <a:schemeClr val="accent1"/>
+          </a:effectRef>
+          <a:fontRef idx="minor">
+            <a:schemeClr val="tx1"/>
+          </a:fontRef>
+        </p:style>
+      </p:cxnSp>
+      <p:cxnSp>
+        <p:nvCxnSpPr>
+          <p:cNvPr id="51" name="מחבר חץ ישר 50">
+            <a:extLst>
+              <a:ext uri="{FF2B5EF4-FFF2-40B4-BE49-F238E27FC236}">
+                <a16:creationId xmlns:a16="http://schemas.microsoft.com/office/drawing/2014/main" id="{9E663743-547D-461B-9B23-12A5F28DAF6F}"/>
+              </a:ext>
+            </a:extLst>
+          </p:cNvPr>
+          <p:cNvCxnSpPr>
+            <a:endCxn id="71" idx="2"/>
+          </p:cNvCxnSpPr>
+          <p:nvPr/>
+        </p:nvCxnSpPr>
+        <p:spPr>
+          <a:xfrm flipH="1" flipV="1">
+            <a:off x="2558450" y="3967430"/>
+            <a:ext cx="1624283" cy="1983363"/>
+          </a:xfrm>
+          <a:prstGeom prst="straightConnector1">
+            <a:avLst/>
+          </a:prstGeom>
+          <a:ln>
+            <a:solidFill>
+              <a:srgbClr val="002060"/>
+            </a:solidFill>
+            <a:tailEnd type="triangle"/>
+          </a:ln>
+        </p:spPr>
+        <p:style>
+          <a:lnRef idx="1">
+            <a:schemeClr val="accent1"/>
+          </a:lnRef>
+          <a:fillRef idx="0">
+            <a:schemeClr val="accent1"/>
+          </a:fillRef>
+          <a:effectRef idx="0">
+            <a:schemeClr val="accent1"/>
+          </a:effectRef>
+          <a:fontRef idx="minor">
+            <a:schemeClr val="tx1"/>
+          </a:fontRef>
+        </p:style>
+      </p:cxnSp>
+      <p:cxnSp>
+        <p:nvCxnSpPr>
+          <p:cNvPr id="55" name="מחבר חץ ישר 54">
+            <a:extLst>
+              <a:ext uri="{FF2B5EF4-FFF2-40B4-BE49-F238E27FC236}">
+                <a16:creationId xmlns:a16="http://schemas.microsoft.com/office/drawing/2014/main" id="{DD794B76-08AE-447F-A77C-4995C91D9B6E}"/>
+              </a:ext>
+            </a:extLst>
+          </p:cNvPr>
+          <p:cNvCxnSpPr>
+            <a:endCxn id="70" idx="2"/>
+          </p:cNvCxnSpPr>
+          <p:nvPr/>
+        </p:nvCxnSpPr>
+        <p:spPr>
+          <a:xfrm flipH="1" flipV="1">
+            <a:off x="1552036" y="3967431"/>
+            <a:ext cx="2643901" cy="1857172"/>
+          </a:xfrm>
+          <a:prstGeom prst="straightConnector1">
+            <a:avLst/>
+          </a:prstGeom>
+          <a:ln>
+            <a:solidFill>
+              <a:srgbClr val="002060"/>
+            </a:solidFill>
+            <a:tailEnd type="triangle"/>
+          </a:ln>
+        </p:spPr>
+        <p:style>
+          <a:lnRef idx="1">
+            <a:schemeClr val="accent1"/>
+          </a:lnRef>
+          <a:fillRef idx="0">
+            <a:schemeClr val="accent1"/>
+          </a:fillRef>
+          <a:effectRef idx="0">
+            <a:schemeClr val="accent1"/>
+          </a:effectRef>
+          <a:fontRef idx="minor">
+            <a:schemeClr val="tx1"/>
+          </a:fontRef>
+        </p:style>
+      </p:cxnSp>
+      <p:cxnSp>
+        <p:nvCxnSpPr>
+          <p:cNvPr id="58" name="מחבר חץ ישר 57">
+            <a:extLst>
+              <a:ext uri="{FF2B5EF4-FFF2-40B4-BE49-F238E27FC236}">
+                <a16:creationId xmlns:a16="http://schemas.microsoft.com/office/drawing/2014/main" id="{609400EB-8EB7-4C73-AD07-AB5176CF3FAD}"/>
+              </a:ext>
+            </a:extLst>
+          </p:cNvPr>
+          <p:cNvCxnSpPr>
+            <a:stCxn id="34" idx="1"/>
+          </p:cNvCxnSpPr>
+          <p:nvPr/>
+        </p:nvCxnSpPr>
+        <p:spPr>
+          <a:xfrm flipH="1" flipV="1">
+            <a:off x="470905" y="4056622"/>
+            <a:ext cx="3739411" cy="1624643"/>
+          </a:xfrm>
+          <a:prstGeom prst="straightConnector1">
+            <a:avLst/>
+          </a:prstGeom>
+          <a:ln>
+            <a:solidFill>
+              <a:srgbClr val="002060"/>
+            </a:solidFill>
+            <a:tailEnd type="triangle"/>
+          </a:ln>
+        </p:spPr>
+        <p:style>
+          <a:lnRef idx="1">
+            <a:schemeClr val="accent1"/>
+          </a:lnRef>
+          <a:fillRef idx="0">
+            <a:schemeClr val="accent1"/>
+          </a:fillRef>
+          <a:effectRef idx="0">
+            <a:schemeClr val="accent1"/>
+          </a:effectRef>
+          <a:fontRef idx="minor">
+            <a:schemeClr val="tx1"/>
+          </a:fontRef>
+        </p:style>
+      </p:cxnSp>
+      <p:cxnSp>
+        <p:nvCxnSpPr>
+          <p:cNvPr id="60" name="מחבר חץ ישר 59">
+            <a:extLst>
+              <a:ext uri="{FF2B5EF4-FFF2-40B4-BE49-F238E27FC236}">
+                <a16:creationId xmlns:a16="http://schemas.microsoft.com/office/drawing/2014/main" id="{AB1F64D6-8C56-4E58-9C1F-1E03DCA74F11}"/>
+              </a:ext>
+            </a:extLst>
+          </p:cNvPr>
+          <p:cNvCxnSpPr>
+            <a:stCxn id="11" idx="1"/>
+          </p:cNvCxnSpPr>
+          <p:nvPr/>
+        </p:nvCxnSpPr>
+        <p:spPr>
+          <a:xfrm flipH="1" flipV="1">
+            <a:off x="3370591" y="4003727"/>
+            <a:ext cx="840357" cy="2349447"/>
+          </a:xfrm>
+          <a:prstGeom prst="straightConnector1">
+            <a:avLst/>
+          </a:prstGeom>
+          <a:ln>
+            <a:solidFill>
+              <a:srgbClr val="002060"/>
+            </a:solidFill>
+            <a:tailEnd type="triangle"/>
+          </a:ln>
+        </p:spPr>
+        <p:style>
+          <a:lnRef idx="1">
+            <a:schemeClr val="accent1"/>
+          </a:lnRef>
+          <a:fillRef idx="0">
+            <a:schemeClr val="accent1"/>
+          </a:fillRef>
+          <a:effectRef idx="0">
+            <a:schemeClr val="accent1"/>
+          </a:effectRef>
+          <a:fontRef idx="minor">
+            <a:schemeClr val="tx1"/>
+          </a:fontRef>
+        </p:style>
+      </p:cxnSp>
+      <p:cxnSp>
+        <p:nvCxnSpPr>
+          <p:cNvPr id="62" name="מחבר חץ ישר 61">
+            <a:extLst>
+              <a:ext uri="{FF2B5EF4-FFF2-40B4-BE49-F238E27FC236}">
+                <a16:creationId xmlns:a16="http://schemas.microsoft.com/office/drawing/2014/main" id="{21CF624F-F91E-42E8-94F1-FB8F594A36EE}"/>
+              </a:ext>
+            </a:extLst>
+          </p:cNvPr>
+          <p:cNvCxnSpPr/>
+          <p:nvPr/>
+        </p:nvCxnSpPr>
+        <p:spPr>
+          <a:xfrm flipH="1" flipV="1">
+            <a:off x="2385921" y="4056622"/>
+            <a:ext cx="1787912" cy="2431860"/>
+          </a:xfrm>
+          <a:prstGeom prst="straightConnector1">
+            <a:avLst/>
+          </a:prstGeom>
+          <a:ln>
+            <a:solidFill>
+              <a:srgbClr val="002060"/>
+            </a:solidFill>
+            <a:tailEnd type="triangle"/>
+          </a:ln>
+        </p:spPr>
+        <p:style>
+          <a:lnRef idx="1">
+            <a:schemeClr val="accent1"/>
+          </a:lnRef>
+          <a:fillRef idx="0">
+            <a:schemeClr val="accent1"/>
+          </a:fillRef>
+          <a:effectRef idx="0">
+            <a:schemeClr val="accent1"/>
+          </a:effectRef>
+          <a:fontRef idx="minor">
+            <a:schemeClr val="tx1"/>
+          </a:fontRef>
+        </p:style>
+      </p:cxnSp>
+      <p:cxnSp>
+        <p:nvCxnSpPr>
+          <p:cNvPr id="66" name="מחבר חץ ישר 65">
+            <a:extLst>
+              <a:ext uri="{FF2B5EF4-FFF2-40B4-BE49-F238E27FC236}">
+                <a16:creationId xmlns:a16="http://schemas.microsoft.com/office/drawing/2014/main" id="{97BABF23-F81D-4BFA-8D6E-9707EF459217}"/>
+              </a:ext>
+            </a:extLst>
+          </p:cNvPr>
+          <p:cNvCxnSpPr/>
+          <p:nvPr/>
+        </p:nvCxnSpPr>
+        <p:spPr>
+          <a:xfrm flipH="1" flipV="1">
+            <a:off x="1430862" y="4017212"/>
+            <a:ext cx="2765075" cy="2587565"/>
+          </a:xfrm>
+          <a:prstGeom prst="straightConnector1">
+            <a:avLst/>
+          </a:prstGeom>
+          <a:ln>
+            <a:solidFill>
+              <a:srgbClr val="002060"/>
+            </a:solidFill>
+            <a:tailEnd type="triangle"/>
+          </a:ln>
+        </p:spPr>
+        <p:style>
+          <a:lnRef idx="1">
+            <a:schemeClr val="accent1"/>
+          </a:lnRef>
+          <a:fillRef idx="0">
+            <a:schemeClr val="accent1"/>
+          </a:fillRef>
+          <a:effectRef idx="0">
+            <a:schemeClr val="accent1"/>
+          </a:effectRef>
+          <a:fontRef idx="minor">
+            <a:schemeClr val="tx1"/>
+          </a:fontRef>
+        </p:style>
+      </p:cxnSp>
+      <p:cxnSp>
+        <p:nvCxnSpPr>
+          <p:cNvPr id="85" name="מחבר חץ ישר 84">
+            <a:extLst>
+              <a:ext uri="{FF2B5EF4-FFF2-40B4-BE49-F238E27FC236}">
+                <a16:creationId xmlns:a16="http://schemas.microsoft.com/office/drawing/2014/main" id="{D50561B1-E0B5-4771-9E39-D16926EF50C6}"/>
+              </a:ext>
+            </a:extLst>
+          </p:cNvPr>
+          <p:cNvCxnSpPr/>
+          <p:nvPr/>
+        </p:nvCxnSpPr>
+        <p:spPr>
+          <a:xfrm flipH="1" flipV="1">
+            <a:off x="413394" y="4112260"/>
+            <a:ext cx="3769339" cy="2376222"/>
+          </a:xfrm>
+          <a:prstGeom prst="straightConnector1">
+            <a:avLst/>
+          </a:prstGeom>
+          <a:ln>
+            <a:solidFill>
+              <a:srgbClr val="002060"/>
+            </a:solidFill>
             <a:tailEnd type="triangle"/>
           </a:ln>
         </p:spPr>
